--- a/SlimFitness.pptx
+++ b/SlimFitness.pptx
@@ -5,18 +5,19 @@
     <p:sldMasterId id="2147483648" r:id="rId1"/>
   </p:sldMasterIdLst>
   <p:sldIdLst>
-    <p:sldId id="271" r:id="rId2"/>
-    <p:sldId id="261" r:id="rId3"/>
-    <p:sldId id="268" r:id="rId4"/>
-    <p:sldId id="263" r:id="rId5"/>
-    <p:sldId id="262" r:id="rId6"/>
-    <p:sldId id="269" r:id="rId7"/>
-    <p:sldId id="270" r:id="rId8"/>
-    <p:sldId id="272" r:id="rId9"/>
-    <p:sldId id="273" r:id="rId10"/>
-    <p:sldId id="274" r:id="rId11"/>
-    <p:sldId id="275" r:id="rId12"/>
-    <p:sldId id="276" r:id="rId13"/>
+    <p:sldId id="267" r:id="rId2"/>
+    <p:sldId id="271" r:id="rId3"/>
+    <p:sldId id="261" r:id="rId4"/>
+    <p:sldId id="268" r:id="rId5"/>
+    <p:sldId id="263" r:id="rId6"/>
+    <p:sldId id="262" r:id="rId7"/>
+    <p:sldId id="269" r:id="rId8"/>
+    <p:sldId id="270" r:id="rId9"/>
+    <p:sldId id="272" r:id="rId10"/>
+    <p:sldId id="273" r:id="rId11"/>
+    <p:sldId id="274" r:id="rId12"/>
+    <p:sldId id="275" r:id="rId13"/>
+    <p:sldId id="276" r:id="rId14"/>
   </p:sldIdLst>
   <p:sldSz cx="12192000" cy="6858000"/>
   <p:notesSz cx="6858000" cy="9144000"/>
@@ -270,7 +271,7 @@
           <a:p>
             <a:fld id="{2C09A24A-A05C-47BE-82DC-3F9BDDCBAF4F}" type="datetimeFigureOut">
               <a:rPr lang="ko-KR" altLang="en-US" smtClean="0"/>
-              <a:t>2022-08-21</a:t>
+              <a:t>2022-08-23(Tue)</a:t>
             </a:fld>
             <a:endParaRPr lang="ko-KR" altLang="en-US"/>
           </a:p>
@@ -468,7 +469,7 @@
           <a:p>
             <a:fld id="{2C09A24A-A05C-47BE-82DC-3F9BDDCBAF4F}" type="datetimeFigureOut">
               <a:rPr lang="ko-KR" altLang="en-US" smtClean="0"/>
-              <a:t>2022-08-21</a:t>
+              <a:t>2022-08-23(Tue)</a:t>
             </a:fld>
             <a:endParaRPr lang="ko-KR" altLang="en-US"/>
           </a:p>
@@ -676,7 +677,7 @@
           <a:p>
             <a:fld id="{2C09A24A-A05C-47BE-82DC-3F9BDDCBAF4F}" type="datetimeFigureOut">
               <a:rPr lang="ko-KR" altLang="en-US" smtClean="0"/>
-              <a:t>2022-08-21</a:t>
+              <a:t>2022-08-23(Tue)</a:t>
             </a:fld>
             <a:endParaRPr lang="ko-KR" altLang="en-US"/>
           </a:p>
@@ -874,7 +875,7 @@
           <a:p>
             <a:fld id="{2C09A24A-A05C-47BE-82DC-3F9BDDCBAF4F}" type="datetimeFigureOut">
               <a:rPr lang="ko-KR" altLang="en-US" smtClean="0"/>
-              <a:t>2022-08-21</a:t>
+              <a:t>2022-08-23(Tue)</a:t>
             </a:fld>
             <a:endParaRPr lang="ko-KR" altLang="en-US"/>
           </a:p>
@@ -1149,7 +1150,7 @@
           <a:p>
             <a:fld id="{2C09A24A-A05C-47BE-82DC-3F9BDDCBAF4F}" type="datetimeFigureOut">
               <a:rPr lang="ko-KR" altLang="en-US" smtClean="0"/>
-              <a:t>2022-08-21</a:t>
+              <a:t>2022-08-23(Tue)</a:t>
             </a:fld>
             <a:endParaRPr lang="ko-KR" altLang="en-US"/>
           </a:p>
@@ -1414,7 +1415,7 @@
           <a:p>
             <a:fld id="{2C09A24A-A05C-47BE-82DC-3F9BDDCBAF4F}" type="datetimeFigureOut">
               <a:rPr lang="ko-KR" altLang="en-US" smtClean="0"/>
-              <a:t>2022-08-21</a:t>
+              <a:t>2022-08-23(Tue)</a:t>
             </a:fld>
             <a:endParaRPr lang="ko-KR" altLang="en-US"/>
           </a:p>
@@ -1826,7 +1827,7 @@
           <a:p>
             <a:fld id="{2C09A24A-A05C-47BE-82DC-3F9BDDCBAF4F}" type="datetimeFigureOut">
               <a:rPr lang="ko-KR" altLang="en-US" smtClean="0"/>
-              <a:t>2022-08-21</a:t>
+              <a:t>2022-08-23(Tue)</a:t>
             </a:fld>
             <a:endParaRPr lang="ko-KR" altLang="en-US"/>
           </a:p>
@@ -1967,7 +1968,7 @@
           <a:p>
             <a:fld id="{2C09A24A-A05C-47BE-82DC-3F9BDDCBAF4F}" type="datetimeFigureOut">
               <a:rPr lang="ko-KR" altLang="en-US" smtClean="0"/>
-              <a:t>2022-08-21</a:t>
+              <a:t>2022-08-23(Tue)</a:t>
             </a:fld>
             <a:endParaRPr lang="ko-KR" altLang="en-US"/>
           </a:p>
@@ -2080,7 +2081,7 @@
           <a:p>
             <a:fld id="{2C09A24A-A05C-47BE-82DC-3F9BDDCBAF4F}" type="datetimeFigureOut">
               <a:rPr lang="ko-KR" altLang="en-US" smtClean="0"/>
-              <a:t>2022-08-21</a:t>
+              <a:t>2022-08-23(Tue)</a:t>
             </a:fld>
             <a:endParaRPr lang="ko-KR" altLang="en-US"/>
           </a:p>
@@ -2391,7 +2392,7 @@
           <a:p>
             <a:fld id="{2C09A24A-A05C-47BE-82DC-3F9BDDCBAF4F}" type="datetimeFigureOut">
               <a:rPr lang="ko-KR" altLang="en-US" smtClean="0"/>
-              <a:t>2022-08-21</a:t>
+              <a:t>2022-08-23(Tue)</a:t>
             </a:fld>
             <a:endParaRPr lang="ko-KR" altLang="en-US"/>
           </a:p>
@@ -2679,7 +2680,7 @@
           <a:p>
             <a:fld id="{2C09A24A-A05C-47BE-82DC-3F9BDDCBAF4F}" type="datetimeFigureOut">
               <a:rPr lang="ko-KR" altLang="en-US" smtClean="0"/>
-              <a:t>2022-08-21</a:t>
+              <a:t>2022-08-23(Tue)</a:t>
             </a:fld>
             <a:endParaRPr lang="ko-KR" altLang="en-US"/>
           </a:p>
@@ -2920,7 +2921,7 @@
           <a:p>
             <a:fld id="{2C09A24A-A05C-47BE-82DC-3F9BDDCBAF4F}" type="datetimeFigureOut">
               <a:rPr lang="ko-KR" altLang="en-US" smtClean="0"/>
-              <a:t>2022-08-21</a:t>
+              <a:t>2022-08-23(Tue)</a:t>
             </a:fld>
             <a:endParaRPr lang="ko-KR" altLang="en-US"/>
           </a:p>
@@ -3339,498 +3340,415 @@
       </p:grpSpPr>
       <p:sp>
         <p:nvSpPr>
-          <p:cNvPr id="7" name="직사각형 6">
+          <p:cNvPr id="3" name="내용 개체 틀 2">
             <a:extLst>
               <a:ext uri="{FF2B5EF4-FFF2-40B4-BE49-F238E27FC236}">
-                <a16:creationId xmlns:a16="http://schemas.microsoft.com/office/drawing/2014/main" id="{E24CCDB8-487C-61E8-765D-09B2206C44B2}"/>
+                <a16:creationId xmlns:a16="http://schemas.microsoft.com/office/drawing/2014/main" id="{E96DE6E6-A116-1211-B529-16239D2BFD85}"/>
               </a:ext>
             </a:extLst>
           </p:cNvPr>
-          <p:cNvSpPr/>
-          <p:nvPr/>
-        </p:nvSpPr>
-        <p:spPr>
-          <a:xfrm>
-            <a:off x="0" y="0"/>
-            <a:ext cx="12192000" cy="964734"/>
-          </a:xfrm>
-          <a:prstGeom prst="rect">
-            <a:avLst/>
-          </a:prstGeom>
-        </p:spPr>
-        <p:style>
-          <a:lnRef idx="2">
-            <a:schemeClr val="accent1">
-              <a:shade val="50000"/>
-            </a:schemeClr>
-          </a:lnRef>
-          <a:fillRef idx="1">
-            <a:schemeClr val="accent1"/>
-          </a:fillRef>
-          <a:effectRef idx="0">
-            <a:schemeClr val="accent1"/>
-          </a:effectRef>
-          <a:fontRef idx="minor">
-            <a:schemeClr val="lt1"/>
-          </a:fontRef>
-        </p:style>
-        <p:txBody>
-          <a:bodyPr rtlCol="0" anchor="ctr"/>
-          <a:lstStyle/>
-          <a:p>
-            <a:pPr algn="ctr"/>
-            <a:endParaRPr lang="ko-KR" altLang="en-US"/>
-          </a:p>
-        </p:txBody>
-      </p:sp>
-      <p:sp>
-        <p:nvSpPr>
-          <p:cNvPr id="5" name="직사각형 4"/>
-          <p:cNvSpPr/>
-          <p:nvPr/>
-        </p:nvSpPr>
-        <p:spPr>
-          <a:xfrm>
-            <a:off x="0" y="0"/>
-            <a:ext cx="914400" cy="964734"/>
-          </a:xfrm>
-          <a:prstGeom prst="rect">
-            <a:avLst/>
-          </a:prstGeom>
-          <a:solidFill>
-            <a:schemeClr val="accent2"/>
-          </a:solidFill>
-        </p:spPr>
-        <p:style>
-          <a:lnRef idx="2">
-            <a:schemeClr val="accent1">
-              <a:shade val="50000"/>
-            </a:schemeClr>
-          </a:lnRef>
-          <a:fillRef idx="1">
-            <a:schemeClr val="accent1"/>
-          </a:fillRef>
-          <a:effectRef idx="0">
-            <a:schemeClr val="accent1"/>
-          </a:effectRef>
-          <a:fontRef idx="minor">
-            <a:schemeClr val="lt1"/>
-          </a:fontRef>
-        </p:style>
-        <p:txBody>
-          <a:bodyPr rtlCol="0" anchor="ctr"/>
-          <a:lstStyle/>
-          <a:p>
-            <a:pPr algn="ctr"/>
-            <a:r>
-              <a:rPr lang="ko-KR" altLang="en-US" dirty="0" smtClean="0"/>
-              <a:t>로고</a:t>
-            </a:r>
-            <a:endParaRPr lang="ko-KR" altLang="en-US" dirty="0"/>
-          </a:p>
-        </p:txBody>
-      </p:sp>
-      <p:sp>
-        <p:nvSpPr>
-          <p:cNvPr id="6" name="직사각형 5"/>
-          <p:cNvSpPr/>
-          <p:nvPr/>
-        </p:nvSpPr>
-        <p:spPr>
-          <a:xfrm>
-            <a:off x="914400" y="0"/>
-            <a:ext cx="8798011" cy="964734"/>
-          </a:xfrm>
-          <a:prstGeom prst="rect">
-            <a:avLst/>
-          </a:prstGeom>
-          <a:solidFill>
-            <a:schemeClr val="accent1">
-              <a:lumMod val="40000"/>
-              <a:lumOff val="60000"/>
-            </a:schemeClr>
-          </a:solidFill>
-        </p:spPr>
-        <p:style>
-          <a:lnRef idx="2">
-            <a:schemeClr val="accent1">
-              <a:shade val="50000"/>
-            </a:schemeClr>
-          </a:lnRef>
-          <a:fillRef idx="1">
-            <a:schemeClr val="accent1"/>
-          </a:fillRef>
-          <a:effectRef idx="0">
-            <a:schemeClr val="accent1"/>
-          </a:effectRef>
-          <a:fontRef idx="minor">
-            <a:schemeClr val="lt1"/>
-          </a:fontRef>
-        </p:style>
-        <p:txBody>
-          <a:bodyPr rtlCol="0" anchor="ctr"/>
-          <a:lstStyle/>
-          <a:p>
-            <a:pPr algn="ctr"/>
-            <a:endParaRPr lang="ko-KR" altLang="en-US"/>
-          </a:p>
-        </p:txBody>
-      </p:sp>
-      <p:sp>
-        <p:nvSpPr>
-          <p:cNvPr id="20" name="직사각형 19"/>
-          <p:cNvSpPr/>
-          <p:nvPr/>
-        </p:nvSpPr>
-        <p:spPr>
-          <a:xfrm>
-            <a:off x="9712411" y="0"/>
-            <a:ext cx="2479589" cy="964734"/>
-          </a:xfrm>
-          <a:prstGeom prst="rect">
-            <a:avLst/>
-          </a:prstGeom>
-          <a:solidFill>
-            <a:schemeClr val="accent5">
-              <a:lumMod val="60000"/>
-              <a:lumOff val="40000"/>
-            </a:schemeClr>
-          </a:solidFill>
-        </p:spPr>
-        <p:style>
-          <a:lnRef idx="2">
-            <a:schemeClr val="accent1">
-              <a:shade val="50000"/>
-            </a:schemeClr>
-          </a:lnRef>
-          <a:fillRef idx="1">
-            <a:schemeClr val="accent1"/>
-          </a:fillRef>
-          <a:effectRef idx="0">
-            <a:schemeClr val="accent1"/>
-          </a:effectRef>
-          <a:fontRef idx="minor">
-            <a:schemeClr val="lt1"/>
-          </a:fontRef>
-        </p:style>
-        <p:txBody>
-          <a:bodyPr rtlCol="0" anchor="ctr"/>
-          <a:lstStyle/>
-          <a:p>
-            <a:pPr algn="ctr"/>
-            <a:r>
-              <a:rPr lang="ko-KR" altLang="en-US" dirty="0" smtClean="0"/>
-              <a:t>로그인</a:t>
-            </a:r>
-            <a:r>
-              <a:rPr lang="en-US" altLang="ko-KR" dirty="0" smtClean="0"/>
-              <a:t>/</a:t>
-            </a:r>
-            <a:r>
-              <a:rPr lang="ko-KR" altLang="en-US" dirty="0" smtClean="0"/>
-              <a:t>회원가입</a:t>
-            </a:r>
-            <a:r>
-              <a:rPr lang="en-US" altLang="ko-KR" dirty="0" smtClean="0"/>
-              <a:t>/</a:t>
-            </a:r>
-            <a:r>
-              <a:rPr lang="ko-KR" altLang="en-US" dirty="0" err="1" smtClean="0"/>
-              <a:t>사이트맵</a:t>
-            </a:r>
-            <a:endParaRPr lang="ko-KR" altLang="en-US" dirty="0"/>
-          </a:p>
-        </p:txBody>
-      </p:sp>
-      <p:sp>
-        <p:nvSpPr>
-          <p:cNvPr id="8" name="TextBox 7"/>
-          <p:cNvSpPr txBox="1"/>
-          <p:nvPr/>
-        </p:nvSpPr>
-        <p:spPr>
-          <a:xfrm>
-            <a:off x="1272747" y="261589"/>
-            <a:ext cx="7821827" cy="369332"/>
-          </a:xfrm>
-          <a:prstGeom prst="rect">
-            <a:avLst/>
-          </a:prstGeom>
-          <a:noFill/>
-        </p:spPr>
-        <p:txBody>
-          <a:bodyPr wrap="square" rtlCol="0">
-            <a:spAutoFit/>
+          <p:cNvSpPr>
+            <a:spLocks noGrp="1"/>
+          </p:cNvSpPr>
+          <p:nvPr>
+            <p:ph idx="1"/>
+          </p:nvPr>
+        </p:nvSpPr>
+        <p:spPr>
+          <a:xfrm>
+            <a:off x="1581261" y="107667"/>
+            <a:ext cx="9029478" cy="6495424"/>
+          </a:xfrm>
+        </p:spPr>
+        <p:txBody>
+          <a:bodyPr>
+            <a:normAutofit lnSpcReduction="10000"/>
           </a:bodyPr>
           <a:lstStyle/>
           <a:p>
             <a:r>
-              <a:rPr lang="ko-KR" altLang="en-US" dirty="0"/>
-              <a:t>사이트 소개  </a:t>
-            </a:r>
-            <a:r>
-              <a:rPr lang="en-US" altLang="ko-KR" dirty="0"/>
-              <a:t>+         </a:t>
-            </a:r>
-            <a:r>
-              <a:rPr lang="ko-KR" altLang="en-US" dirty="0"/>
-              <a:t>상체</a:t>
-            </a:r>
-            <a:r>
-              <a:rPr lang="en-US" altLang="ko-KR" dirty="0"/>
-              <a:t>          +       </a:t>
-            </a:r>
-            <a:r>
-              <a:rPr lang="ko-KR" altLang="en-US" dirty="0"/>
-              <a:t>하체</a:t>
-            </a:r>
-            <a:r>
-              <a:rPr lang="en-US" altLang="ko-KR" dirty="0"/>
-              <a:t>              +    </a:t>
-            </a:r>
-            <a:r>
-              <a:rPr lang="ko-KR" altLang="en-US" dirty="0"/>
-              <a:t>커뮤니티 </a:t>
-            </a:r>
-          </a:p>
-        </p:txBody>
-      </p:sp>
-      <p:sp>
-        <p:nvSpPr>
-          <p:cNvPr id="2" name="직사각형 1"/>
-          <p:cNvSpPr/>
-          <p:nvPr/>
-        </p:nvSpPr>
-        <p:spPr>
-          <a:xfrm>
-            <a:off x="914400" y="964734"/>
-            <a:ext cx="8798011" cy="2173882"/>
-          </a:xfrm>
-          <a:prstGeom prst="rect">
-            <a:avLst/>
-          </a:prstGeom>
-          <a:solidFill>
-            <a:schemeClr val="accent1">
-              <a:lumMod val="60000"/>
-              <a:lumOff val="40000"/>
-            </a:schemeClr>
-          </a:solidFill>
-        </p:spPr>
-        <p:style>
-          <a:lnRef idx="2">
-            <a:schemeClr val="accent1">
-              <a:shade val="50000"/>
-            </a:schemeClr>
-          </a:lnRef>
-          <a:fillRef idx="1">
-            <a:schemeClr val="accent1"/>
-          </a:fillRef>
-          <a:effectRef idx="0">
-            <a:schemeClr val="accent1"/>
-          </a:effectRef>
-          <a:fontRef idx="minor">
-            <a:schemeClr val="lt1"/>
-          </a:fontRef>
-        </p:style>
-        <p:txBody>
-          <a:bodyPr rtlCol="0" anchor="ctr"/>
-          <a:lstStyle/>
-          <a:p>
-            <a:pPr algn="ctr"/>
-            <a:endParaRPr lang="ko-KR" altLang="en-US"/>
-          </a:p>
-        </p:txBody>
-      </p:sp>
-      <p:sp>
-        <p:nvSpPr>
-          <p:cNvPr id="3" name="TextBox 2"/>
-          <p:cNvSpPr txBox="1"/>
-          <p:nvPr/>
-        </p:nvSpPr>
-        <p:spPr>
-          <a:xfrm>
-            <a:off x="1272747" y="1180153"/>
-            <a:ext cx="1482810" cy="646331"/>
-          </a:xfrm>
-          <a:prstGeom prst="rect">
-            <a:avLst/>
-          </a:prstGeom>
-          <a:noFill/>
-        </p:spPr>
-        <p:txBody>
-          <a:bodyPr wrap="square" rtlCol="0">
-            <a:spAutoFit/>
-          </a:bodyPr>
-          <a:lstStyle/>
-          <a:p>
-            <a:r>
-              <a:rPr lang="ko-KR" altLang="en-US" dirty="0" smtClean="0"/>
-              <a:t>사이트 소개</a:t>
-            </a:r>
-            <a:endParaRPr lang="en-US" altLang="ko-KR" dirty="0" smtClean="0"/>
-          </a:p>
-          <a:p>
-            <a:r>
-              <a:rPr lang="ko-KR" altLang="en-US" dirty="0" smtClean="0"/>
-              <a:t>이용방법</a:t>
-            </a:r>
-            <a:endParaRPr lang="ko-KR" altLang="en-US" dirty="0"/>
-          </a:p>
-        </p:txBody>
-      </p:sp>
-      <p:sp>
-        <p:nvSpPr>
-          <p:cNvPr id="11" name="TextBox 10"/>
-          <p:cNvSpPr txBox="1"/>
-          <p:nvPr/>
-        </p:nvSpPr>
-        <p:spPr>
-          <a:xfrm>
-            <a:off x="3113904" y="1180153"/>
-            <a:ext cx="1482810" cy="1200329"/>
-          </a:xfrm>
-          <a:prstGeom prst="rect">
-            <a:avLst/>
-          </a:prstGeom>
-          <a:noFill/>
-        </p:spPr>
-        <p:txBody>
-          <a:bodyPr wrap="square" rtlCol="0">
-            <a:spAutoFit/>
-          </a:bodyPr>
-          <a:lstStyle/>
-          <a:p>
-            <a:r>
-              <a:rPr lang="en-US" altLang="ko-KR" dirty="0" smtClean="0"/>
-              <a:t>Anatomy</a:t>
-            </a:r>
-          </a:p>
-          <a:p>
-            <a:r>
-              <a:rPr lang="en-US" altLang="ko-KR" dirty="0" smtClean="0"/>
-              <a:t>Stretching</a:t>
-            </a:r>
-          </a:p>
-          <a:p>
-            <a:r>
-              <a:rPr lang="en-US" altLang="ko-KR" dirty="0" smtClean="0"/>
-              <a:t>Exercise</a:t>
-            </a:r>
-          </a:p>
-          <a:p>
-            <a:r>
-              <a:rPr lang="en-US" altLang="ko-KR" dirty="0" smtClean="0"/>
-              <a:t>Taping</a:t>
-            </a:r>
-            <a:endParaRPr lang="ko-KR" altLang="en-US" dirty="0"/>
-          </a:p>
-        </p:txBody>
-      </p:sp>
-      <p:sp>
-        <p:nvSpPr>
-          <p:cNvPr id="12" name="TextBox 11"/>
-          <p:cNvSpPr txBox="1"/>
-          <p:nvPr/>
-        </p:nvSpPr>
-        <p:spPr>
-          <a:xfrm>
-            <a:off x="5362836" y="1180153"/>
-            <a:ext cx="1482810" cy="1200329"/>
-          </a:xfrm>
-          <a:prstGeom prst="rect">
-            <a:avLst/>
-          </a:prstGeom>
-          <a:noFill/>
-        </p:spPr>
-        <p:txBody>
-          <a:bodyPr wrap="square" rtlCol="0">
-            <a:spAutoFit/>
-          </a:bodyPr>
-          <a:lstStyle/>
-          <a:p>
-            <a:r>
-              <a:rPr lang="en-US" altLang="ko-KR" dirty="0" smtClean="0"/>
-              <a:t>Anatomy</a:t>
-            </a:r>
-          </a:p>
-          <a:p>
-            <a:r>
-              <a:rPr lang="en-US" altLang="ko-KR" dirty="0" smtClean="0"/>
-              <a:t>Stretching</a:t>
-            </a:r>
-          </a:p>
-          <a:p>
-            <a:r>
-              <a:rPr lang="en-US" altLang="ko-KR" dirty="0" smtClean="0"/>
-              <a:t>Exercise</a:t>
-            </a:r>
-          </a:p>
-          <a:p>
-            <a:r>
-              <a:rPr lang="en-US" altLang="ko-KR" dirty="0" smtClean="0"/>
-              <a:t>Taping</a:t>
-            </a:r>
-            <a:endParaRPr lang="ko-KR" altLang="en-US" dirty="0"/>
-          </a:p>
-        </p:txBody>
-      </p:sp>
-      <p:sp>
-        <p:nvSpPr>
-          <p:cNvPr id="13" name="TextBox 12"/>
-          <p:cNvSpPr txBox="1"/>
-          <p:nvPr/>
-        </p:nvSpPr>
-        <p:spPr>
-          <a:xfrm>
-            <a:off x="7611764" y="1183157"/>
-            <a:ext cx="1482810" cy="1200329"/>
-          </a:xfrm>
-          <a:prstGeom prst="rect">
-            <a:avLst/>
-          </a:prstGeom>
-          <a:noFill/>
-        </p:spPr>
-        <p:txBody>
-          <a:bodyPr wrap="square" rtlCol="0">
-            <a:spAutoFit/>
-          </a:bodyPr>
-          <a:lstStyle/>
-          <a:p>
-            <a:r>
-              <a:rPr lang="ko-KR" altLang="en-US" dirty="0" smtClean="0"/>
-              <a:t>공지사항</a:t>
-            </a:r>
-            <a:endParaRPr lang="en-US" altLang="ko-KR" dirty="0" smtClean="0"/>
-          </a:p>
-          <a:p>
-            <a:r>
-              <a:rPr lang="en-US" altLang="ko-KR" dirty="0" smtClean="0"/>
-              <a:t>Q&amp;A</a:t>
-            </a:r>
-          </a:p>
-          <a:p>
-            <a:r>
-              <a:rPr lang="ko-KR" altLang="en-US" dirty="0" smtClean="0"/>
-              <a:t>실시간 채팅 </a:t>
-            </a:r>
-            <a:r>
-              <a:rPr lang="en-US" altLang="ko-KR" dirty="0" smtClean="0"/>
+              <a:rPr lang="ko-KR" altLang="en-US" sz="1372" dirty="0"/>
+              <a:t>선정 이유 </a:t>
+            </a:r>
+            <a:r>
+              <a:rPr lang="en-US" altLang="ko-KR" sz="1372" dirty="0"/>
+              <a:t>: </a:t>
+            </a:r>
+            <a:r>
+              <a:rPr lang="ko-KR" altLang="en-US" sz="1372" dirty="0"/>
+              <a:t>운동 정보를 알려주는 사이트가 거의 없음 </a:t>
+            </a:r>
+            <a:r>
+              <a:rPr lang="en-US" altLang="ko-KR" sz="1372" dirty="0"/>
+              <a:t>(</a:t>
+            </a:r>
+            <a:r>
+              <a:rPr lang="ko-KR" altLang="en-US" sz="1372" dirty="0"/>
+              <a:t>대부분 블로그 아니면 카페 혹은 사이트 사라짐 </a:t>
+            </a:r>
+            <a:r>
+              <a:rPr lang="en-US" altLang="ko-KR" sz="1372" dirty="0"/>
+              <a:t>) </a:t>
+            </a:r>
+            <a:r>
+              <a:rPr lang="ko-KR" altLang="en-US" sz="1372" dirty="0"/>
+              <a:t>그래서 내가 원하는 부위 혹은 운동에 대해서 직접 검색 혹은 운동하는 지인에게 물어 봐야함</a:t>
+            </a:r>
+            <a:r>
+              <a:rPr lang="en-US" altLang="ko-KR" sz="1372" dirty="0"/>
+              <a:t>. </a:t>
+            </a:r>
+          </a:p>
+          <a:p>
+            <a:r>
+              <a:rPr lang="ko-KR" altLang="en-US" sz="1372" dirty="0"/>
+              <a:t>혹은 처음 접하는 사람들은 어떤 운동을 해야 하는지 모를 때가 많아서 운동을 하려고 찾다가 정보가 너무 많아서 헷갈릴 때가 있음</a:t>
+            </a:r>
+            <a:r>
+              <a:rPr lang="en-US" altLang="ko-KR" sz="1372" dirty="0"/>
+              <a:t>.</a:t>
+            </a:r>
+          </a:p>
+          <a:p>
+            <a:endParaRPr lang="en-US" altLang="ko-KR" sz="1372" dirty="0"/>
+          </a:p>
+          <a:p>
+            <a:r>
+              <a:rPr lang="ko-KR" altLang="en-US" sz="1372" dirty="0"/>
+              <a:t>찾은 사이트 </a:t>
+            </a:r>
+            <a:r>
+              <a:rPr lang="en-US" altLang="ko-KR" sz="1372" dirty="0"/>
+              <a:t>=</a:t>
+            </a:r>
+            <a:r>
+              <a:rPr lang="en-US" altLang="ko-KR" sz="1372" dirty="0" err="1"/>
+              <a:t>musclewiki</a:t>
+            </a:r>
+            <a:r>
+              <a:rPr lang="en-US" altLang="ko-KR" sz="1372" dirty="0"/>
               <a:t> </a:t>
             </a:r>
           </a:p>
           <a:p>
             <a:r>
-              <a:rPr lang="ko-KR" altLang="en-US" dirty="0" smtClean="0"/>
-              <a:t>자유게시판</a:t>
-            </a:r>
-            <a:endParaRPr lang="ko-KR" altLang="en-US" dirty="0"/>
+              <a:rPr lang="ko-KR" altLang="en-US" sz="1372" dirty="0"/>
+              <a:t>장점  </a:t>
+            </a:r>
+            <a:r>
+              <a:rPr lang="en-US" altLang="ko-KR" sz="1372" dirty="0"/>
+              <a:t>: </a:t>
+            </a:r>
+            <a:r>
+              <a:rPr lang="ko-KR" altLang="en-US" sz="1372" dirty="0"/>
+              <a:t>자신이 원하는 부위 클릭 시 해당하는 운동들이 나옴</a:t>
+            </a:r>
+            <a:r>
+              <a:rPr lang="en-US" altLang="ko-KR" sz="1372" dirty="0"/>
+              <a:t>, </a:t>
+            </a:r>
+            <a:r>
+              <a:rPr lang="ko-KR" altLang="en-US" sz="1372" dirty="0"/>
+              <a:t>해당 근육에 대한 설명이 나옴</a:t>
+            </a:r>
+            <a:r>
+              <a:rPr lang="en-US" altLang="ko-KR" sz="1372" dirty="0"/>
+              <a:t>, </a:t>
+            </a:r>
+            <a:r>
+              <a:rPr lang="ko-KR" altLang="en-US" sz="1372" dirty="0"/>
+              <a:t>다양한 언어 지원</a:t>
+            </a:r>
+            <a:r>
+              <a:rPr lang="en-US" altLang="ko-KR" sz="1372" dirty="0"/>
+              <a:t>, </a:t>
+            </a:r>
+            <a:r>
+              <a:rPr lang="ko-KR" altLang="en-US" sz="1372" dirty="0"/>
+              <a:t>다양한 운동</a:t>
+            </a:r>
+            <a:r>
+              <a:rPr lang="en-US" altLang="ko-KR" sz="1372" dirty="0"/>
+              <a:t>(</a:t>
+            </a:r>
+            <a:r>
+              <a:rPr lang="ko-KR" altLang="en-US" sz="1372" dirty="0"/>
+              <a:t>밴드활용</a:t>
+            </a:r>
+            <a:r>
+              <a:rPr lang="en-US" altLang="ko-KR" sz="1372" dirty="0"/>
+              <a:t>, </a:t>
+            </a:r>
+            <a:r>
+              <a:rPr lang="ko-KR" altLang="en-US" sz="1372" dirty="0" err="1"/>
+              <a:t>덤벨</a:t>
+            </a:r>
+            <a:r>
+              <a:rPr lang="en-US" altLang="ko-KR" sz="1372" dirty="0"/>
+              <a:t>, </a:t>
+            </a:r>
+            <a:r>
+              <a:rPr lang="ko-KR" altLang="en-US" sz="1372" dirty="0"/>
+              <a:t>바벨</a:t>
+            </a:r>
+            <a:r>
+              <a:rPr lang="en-US" altLang="ko-KR" sz="1372" dirty="0"/>
+              <a:t>, </a:t>
+            </a:r>
+            <a:r>
+              <a:rPr lang="ko-KR" altLang="en-US" sz="1372" dirty="0" err="1"/>
+              <a:t>케틀벨</a:t>
+            </a:r>
+            <a:r>
+              <a:rPr lang="en-US" altLang="ko-KR" sz="1372" dirty="0"/>
+              <a:t>, </a:t>
+            </a:r>
+            <a:r>
+              <a:rPr lang="ko-KR" altLang="en-US" sz="1372" dirty="0"/>
+              <a:t>케이블</a:t>
+            </a:r>
+            <a:r>
+              <a:rPr lang="en-US" altLang="ko-KR" sz="1372" dirty="0"/>
+              <a:t>, </a:t>
+            </a:r>
+            <a:r>
+              <a:rPr lang="ko-KR" altLang="en-US" sz="1372" dirty="0"/>
+              <a:t>스트레칭</a:t>
+            </a:r>
+            <a:r>
+              <a:rPr lang="en-US" altLang="ko-KR" sz="1372" dirty="0"/>
+              <a:t>, </a:t>
+            </a:r>
+            <a:r>
+              <a:rPr lang="ko-KR" altLang="en-US" sz="1372" dirty="0"/>
+              <a:t>맨몸운동</a:t>
+            </a:r>
+            <a:r>
+              <a:rPr lang="en-US" altLang="ko-KR" sz="1372" dirty="0"/>
+              <a:t>, </a:t>
+            </a:r>
+            <a:r>
+              <a:rPr lang="ko-KR" altLang="en-US" sz="1372" dirty="0"/>
+              <a:t>추천운동까지 나옴</a:t>
+            </a:r>
+            <a:r>
+              <a:rPr lang="en-US" altLang="ko-KR" sz="1372" dirty="0"/>
+              <a:t>)</a:t>
+            </a:r>
+          </a:p>
+          <a:p>
+            <a:r>
+              <a:rPr lang="ko-KR" altLang="en-US" sz="1372" dirty="0"/>
+              <a:t>불편한 점 </a:t>
+            </a:r>
+            <a:r>
+              <a:rPr lang="en-US" altLang="ko-KR" sz="1372" dirty="0"/>
+              <a:t>:</a:t>
+            </a:r>
+            <a:r>
+              <a:rPr lang="ko-KR" altLang="en-US" sz="1372" dirty="0"/>
+              <a:t> 해외사이트임</a:t>
+            </a:r>
+            <a:r>
+              <a:rPr lang="en-US" altLang="ko-KR" sz="1372" dirty="0"/>
+              <a:t>, </a:t>
+            </a:r>
+            <a:r>
+              <a:rPr lang="ko-KR" altLang="en-US" sz="1372" dirty="0"/>
+              <a:t> 해당 근육에 대한 설명이 한글로 번역을 하면 이상하게 번역한 내용때문에 이해가 되지 않음</a:t>
+            </a:r>
+            <a:r>
+              <a:rPr lang="en-US" altLang="ko-KR" sz="1372" dirty="0"/>
+              <a:t>. </a:t>
+            </a:r>
+            <a:r>
+              <a:rPr lang="ko-KR" altLang="en-US" sz="1372" dirty="0"/>
+              <a:t>그리고 불편한 </a:t>
+            </a:r>
+            <a:r>
+              <a:rPr lang="en-US" altLang="ko-KR" sz="1372" dirty="0"/>
+              <a:t>UI</a:t>
+            </a:r>
+            <a:r>
+              <a:rPr lang="ko-KR" altLang="en-US" sz="1372" dirty="0"/>
+              <a:t>들</a:t>
+            </a:r>
+            <a:r>
+              <a:rPr lang="en-US" altLang="ko-KR" sz="1372" dirty="0"/>
+              <a:t>, </a:t>
+            </a:r>
+            <a:r>
+              <a:rPr lang="ko-KR" altLang="en-US" sz="1372" dirty="0"/>
+              <a:t>해당 근육에 대한 운동 페이지로 들어갔을 경우 어떤 근육이 사용되는지 보려고 클릭을 하면 그 페이지에서 다시 운동페이지로 넘어가려면 </a:t>
+            </a:r>
+            <a:r>
+              <a:rPr lang="ko-KR" altLang="en-US" sz="1372" dirty="0" err="1"/>
+              <a:t>메인페이지로</a:t>
+            </a:r>
+            <a:r>
+              <a:rPr lang="ko-KR" altLang="en-US" sz="1372" dirty="0"/>
+              <a:t> 가서 다시 근육 그림을 클릭을 해야 하는 번거로움</a:t>
+            </a:r>
+            <a:endParaRPr lang="en-US" altLang="ko-KR" sz="1372" dirty="0"/>
+          </a:p>
+          <a:p>
+            <a:endParaRPr lang="en-US" altLang="ko-KR" sz="1372" dirty="0"/>
+          </a:p>
+          <a:p>
+            <a:r>
+              <a:rPr lang="ko-KR" altLang="en-US" sz="1372" dirty="0"/>
+              <a:t>사이트 </a:t>
+            </a:r>
+            <a:r>
+              <a:rPr lang="en-US" altLang="ko-KR" sz="1372" dirty="0"/>
+              <a:t>(localhost:8080/</a:t>
+            </a:r>
+            <a:r>
+              <a:rPr lang="en-US" altLang="ko-KR" sz="1372" dirty="0" err="1"/>
+              <a:t>SlimFitenss</a:t>
+            </a:r>
+            <a:r>
+              <a:rPr lang="en-US" altLang="ko-KR" sz="1372" dirty="0"/>
+              <a:t>/index)</a:t>
+            </a:r>
+          </a:p>
+          <a:p>
+            <a:r>
+              <a:rPr lang="ko-KR" altLang="en-US" sz="1372" dirty="0"/>
+              <a:t>대상 </a:t>
+            </a:r>
+            <a:r>
+              <a:rPr lang="en-US" altLang="ko-KR" sz="1372" dirty="0"/>
+              <a:t>? </a:t>
+            </a:r>
+            <a:r>
+              <a:rPr lang="ko-KR" altLang="en-US" sz="1372" dirty="0"/>
+              <a:t>운동에 관심이 있는 사람 혹은 운동을 처음 하는데 무엇을 해야 하는지 모르는 사람 </a:t>
+            </a:r>
+            <a:endParaRPr lang="en-US" altLang="ko-KR" sz="1372" dirty="0"/>
+          </a:p>
+          <a:p>
+            <a:pPr marL="0" indent="0">
+              <a:buNone/>
+            </a:pPr>
+            <a:endParaRPr lang="en-US" altLang="ko-KR" sz="1372" dirty="0"/>
+          </a:p>
+          <a:p>
+            <a:r>
+              <a:rPr lang="ko-KR" altLang="en-US" sz="1372" dirty="0"/>
+              <a:t>회원</a:t>
+            </a:r>
+            <a:r>
+              <a:rPr lang="en-US" altLang="ko-KR" sz="1372" dirty="0"/>
+              <a:t> / </a:t>
+            </a:r>
+            <a:r>
+              <a:rPr lang="ko-KR" altLang="en-US" sz="1372" dirty="0"/>
+              <a:t>비회원</a:t>
+            </a:r>
+            <a:endParaRPr lang="en-US" altLang="ko-KR" sz="1372" dirty="0"/>
+          </a:p>
+          <a:p>
+            <a:r>
+              <a:rPr lang="ko-KR" altLang="en-US" sz="1372" dirty="0"/>
+              <a:t>회원인 경우 자유게시판 등 모두 사용 가능</a:t>
+            </a:r>
+            <a:endParaRPr lang="en-US" altLang="ko-KR" sz="1372" dirty="0"/>
+          </a:p>
+          <a:p>
+            <a:r>
+              <a:rPr lang="ko-KR" altLang="en-US" sz="1372" dirty="0"/>
+              <a:t>비회원인 경우 다른 페이지는 이용 가능하지만 자유게시판</a:t>
+            </a:r>
+            <a:r>
+              <a:rPr lang="en-US" altLang="ko-KR" sz="1372" dirty="0"/>
+              <a:t>, </a:t>
+            </a:r>
+            <a:r>
+              <a:rPr lang="ko-KR" altLang="en-US" sz="1372" dirty="0"/>
+              <a:t>실시간 채팅 페이지 사용 불가능</a:t>
+            </a:r>
+            <a:r>
+              <a:rPr lang="en-US" altLang="ko-KR" sz="1372" dirty="0"/>
+              <a:t>(</a:t>
+            </a:r>
+            <a:r>
+              <a:rPr lang="ko-KR" altLang="en-US" sz="1372" dirty="0"/>
+              <a:t>페이지 접근 </a:t>
+            </a:r>
+            <a:r>
+              <a:rPr lang="en-US" altLang="ko-KR" sz="1372" dirty="0"/>
+              <a:t>X)</a:t>
+            </a:r>
+          </a:p>
+          <a:p>
+            <a:pPr marL="0" indent="0">
+              <a:buNone/>
+            </a:pPr>
+            <a:r>
+              <a:rPr lang="ko-KR" altLang="en-US" sz="1372" dirty="0"/>
+              <a:t>이유 </a:t>
+            </a:r>
+            <a:r>
+              <a:rPr lang="en-US" altLang="ko-KR" sz="1372" dirty="0"/>
+              <a:t>? </a:t>
+            </a:r>
+            <a:r>
+              <a:rPr lang="ko-KR" altLang="en-US" sz="1372" dirty="0"/>
+              <a:t>익명으로 누군가를 저격 혹은 사이트 이용에 피해가 가는 행동을 할 가능성이 있기 때문에</a:t>
+            </a:r>
+            <a:endParaRPr lang="en-US" altLang="ko-KR" sz="1372" dirty="0"/>
+          </a:p>
+          <a:p>
+            <a:endParaRPr lang="en-US" altLang="ko-KR" sz="1372" dirty="0"/>
+          </a:p>
+          <a:p>
+            <a:r>
+              <a:rPr lang="ko-KR" altLang="en-US" sz="1372" dirty="0"/>
+              <a:t>찾은 사이트와 다른 점</a:t>
+            </a:r>
+            <a:endParaRPr lang="en-US" altLang="ko-KR" sz="1372" dirty="0"/>
+          </a:p>
+          <a:p>
+            <a:r>
+              <a:rPr lang="ko-KR" altLang="en-US" sz="1372" dirty="0"/>
+              <a:t>자신이 알고 있는 운동을 자유게시판으로 다른 사람들에게 알려줄 수 있음</a:t>
+            </a:r>
+            <a:r>
+              <a:rPr lang="en-US" altLang="ko-KR" sz="1372" dirty="0"/>
+              <a:t>. </a:t>
+            </a:r>
+          </a:p>
+          <a:p>
+            <a:r>
+              <a:rPr lang="ko-KR" altLang="en-US" sz="1372" dirty="0"/>
+              <a:t>좀 더 자세한 용어 설명과 해당 운동에 대한 영상을 참고 가능</a:t>
+            </a:r>
+            <a:r>
+              <a:rPr lang="en-US" altLang="ko-KR" sz="1372" dirty="0"/>
+              <a:t>(</a:t>
+            </a:r>
+            <a:r>
+              <a:rPr lang="ko-KR" altLang="en-US" sz="1372" dirty="0"/>
+              <a:t>유튜브 링크 혹은 영상물</a:t>
+            </a:r>
+            <a:r>
+              <a:rPr lang="en-US" altLang="ko-KR" sz="1372" dirty="0"/>
+              <a:t>)</a:t>
+            </a:r>
+          </a:p>
+          <a:p>
+            <a:endParaRPr lang="en-US" altLang="ko-KR" sz="1372" dirty="0"/>
+          </a:p>
+          <a:p>
+            <a:endParaRPr lang="ko-KR" altLang="en-US" sz="1372" dirty="0"/>
           </a:p>
         </p:txBody>
       </p:sp>
     </p:spTree>
     <p:extLst>
       <p:ext uri="{BB962C8B-B14F-4D97-AF65-F5344CB8AC3E}">
-        <p14:creationId xmlns:p14="http://schemas.microsoft.com/office/powerpoint/2010/main" val="4028363531"/>
+        <p14:creationId xmlns:p14="http://schemas.microsoft.com/office/powerpoint/2010/main" val="4199620286"/>
       </p:ext>
     </p:extLst>
   </p:cSld>
@@ -3943,10 +3861,9 @@
           <a:p>
             <a:pPr algn="ctr"/>
             <a:r>
-              <a:rPr lang="ko-KR" altLang="en-US" dirty="0" smtClean="0"/>
+              <a:rPr lang="ko-KR" altLang="en-US" dirty="0"/>
               <a:t>로고</a:t>
             </a:r>
-            <a:endParaRPr lang="ko-KR" altLang="en-US" dirty="0"/>
           </a:p>
         </p:txBody>
       </p:sp>
@@ -4039,23 +3956,23 @@
           <a:p>
             <a:pPr algn="ctr"/>
             <a:r>
-              <a:rPr lang="ko-KR" altLang="en-US" dirty="0" smtClean="0"/>
+              <a:rPr lang="ko-KR" altLang="en-US" dirty="0"/>
               <a:t>로그인</a:t>
             </a:r>
             <a:r>
-              <a:rPr lang="en-US" altLang="ko-KR" dirty="0" smtClean="0"/>
+              <a:rPr lang="en-US" altLang="ko-KR" dirty="0"/>
               <a:t>/</a:t>
             </a:r>
             <a:r>
-              <a:rPr lang="ko-KR" altLang="en-US" dirty="0" smtClean="0"/>
+              <a:rPr lang="ko-KR" altLang="en-US" dirty="0"/>
               <a:t>회원가입</a:t>
             </a:r>
             <a:r>
-              <a:rPr lang="en-US" altLang="ko-KR" dirty="0" smtClean="0"/>
+              <a:rPr lang="en-US" altLang="ko-KR" dirty="0"/>
               <a:t>/</a:t>
             </a:r>
             <a:r>
-              <a:rPr lang="ko-KR" altLang="en-US" dirty="0" err="1" smtClean="0"/>
+              <a:rPr lang="ko-KR" altLang="en-US" dirty="0" err="1"/>
               <a:t>사이트맵</a:t>
             </a:r>
             <a:endParaRPr lang="ko-KR" altLang="en-US" dirty="0"/>
@@ -4085,42 +4002,37 @@
           <a:lstStyle/>
           <a:p>
             <a:r>
-              <a:rPr lang="ko-KR" altLang="en-US" dirty="0" smtClean="0"/>
+              <a:rPr lang="ko-KR" altLang="en-US" dirty="0"/>
               <a:t>사이트 소개  </a:t>
             </a:r>
             <a:r>
               <a:rPr lang="en-US" altLang="ko-KR" dirty="0"/>
-              <a:t>+</a:t>
-            </a:r>
-            <a:r>
-              <a:rPr lang="en-US" altLang="ko-KR" dirty="0" smtClean="0"/>
-              <a:t>         </a:t>
-            </a:r>
-            <a:r>
-              <a:rPr lang="ko-KR" altLang="en-US" dirty="0" smtClean="0"/>
+              <a:t>+         </a:t>
+            </a:r>
+            <a:r>
+              <a:rPr lang="ko-KR" altLang="en-US" dirty="0"/>
               <a:t>상체</a:t>
             </a:r>
             <a:r>
-              <a:rPr lang="en-US" altLang="ko-KR" dirty="0" smtClean="0"/>
+              <a:rPr lang="en-US" altLang="ko-KR" dirty="0"/>
               <a:t>          +       </a:t>
             </a:r>
             <a:r>
-              <a:rPr lang="ko-KR" altLang="en-US" dirty="0" smtClean="0"/>
+              <a:rPr lang="ko-KR" altLang="en-US" dirty="0"/>
               <a:t>하체</a:t>
             </a:r>
             <a:r>
-              <a:rPr lang="en-US" altLang="ko-KR" dirty="0" smtClean="0"/>
+              <a:rPr lang="en-US" altLang="ko-KR" dirty="0"/>
               <a:t>              +    </a:t>
             </a:r>
             <a:r>
-              <a:rPr lang="ko-KR" altLang="en-US" b="1" dirty="0" smtClean="0"/>
+              <a:rPr lang="ko-KR" altLang="en-US" b="1" dirty="0"/>
               <a:t>커뮤니티</a:t>
             </a:r>
             <a:r>
-              <a:rPr lang="ko-KR" altLang="en-US" dirty="0" smtClean="0"/>
+              <a:rPr lang="ko-KR" altLang="en-US" dirty="0"/>
               <a:t> </a:t>
             </a:r>
-            <a:endParaRPr lang="ko-KR" altLang="en-US" dirty="0"/>
           </a:p>
         </p:txBody>
       </p:sp>
@@ -4159,10 +4071,9 @@
           <a:p>
             <a:pPr algn="ctr"/>
             <a:r>
-              <a:rPr lang="ko-KR" altLang="en-US" dirty="0" smtClean="0"/>
+              <a:rPr lang="ko-KR" altLang="en-US" b="1" dirty="0"/>
               <a:t>공지사항</a:t>
             </a:r>
-            <a:endParaRPr lang="ko-KR" altLang="en-US" dirty="0"/>
           </a:p>
         </p:txBody>
       </p:sp>
@@ -4201,18 +4112,17 @@
           <a:p>
             <a:pPr algn="ctr"/>
             <a:r>
-              <a:rPr lang="ko-KR" altLang="en-US" dirty="0" smtClean="0"/>
+              <a:rPr lang="ko-KR" altLang="en-US" dirty="0"/>
               <a:t>실시간</a:t>
             </a:r>
             <a:r>
-              <a:rPr lang="en-US" altLang="ko-KR" dirty="0" smtClean="0"/>
+              <a:rPr lang="en-US" altLang="ko-KR" dirty="0"/>
               <a:t> </a:t>
             </a:r>
             <a:r>
-              <a:rPr lang="ko-KR" altLang="en-US" dirty="0" smtClean="0"/>
+              <a:rPr lang="ko-KR" altLang="en-US" dirty="0"/>
               <a:t>채팅</a:t>
             </a:r>
-            <a:endParaRPr lang="ko-KR" altLang="en-US" dirty="0"/>
           </a:p>
         </p:txBody>
       </p:sp>
@@ -4369,10 +4279,10 @@
           <a:p>
             <a:pPr algn="ctr"/>
             <a:r>
-              <a:rPr lang="en-US" altLang="ko-KR" b="1" dirty="0" smtClean="0"/>
+              <a:rPr lang="en-US" altLang="ko-KR" dirty="0"/>
               <a:t>Q&amp;A</a:t>
             </a:r>
-            <a:endParaRPr lang="ko-KR" altLang="en-US" b="1" dirty="0"/>
+            <a:endParaRPr lang="ko-KR" altLang="en-US" dirty="0"/>
           </a:p>
         </p:txBody>
       </p:sp>
@@ -4451,10 +4361,9 @@
           <a:p>
             <a:pPr algn="ctr"/>
             <a:r>
-              <a:rPr lang="ko-KR" altLang="en-US" dirty="0" smtClean="0"/>
+              <a:rPr lang="ko-KR" altLang="en-US" dirty="0"/>
               <a:t>자유게시판</a:t>
             </a:r>
-            <a:endParaRPr lang="ko-KR" altLang="en-US" dirty="0"/>
           </a:p>
         </p:txBody>
       </p:sp>
@@ -4535,36 +4444,39 @@
               <a:buAutoNum type="arabicPeriod"/>
             </a:pPr>
             <a:r>
-              <a:rPr lang="ko-KR" altLang="en-US" dirty="0" smtClean="0"/>
-              <a:t>상체에 등 운동 중 어떤 것이 잘못되었습니다 수정 부탁</a:t>
-            </a:r>
-            <a:endParaRPr lang="en-US" altLang="ko-KR" dirty="0" smtClean="0"/>
+              <a:rPr lang="ko-KR" altLang="en-US" dirty="0" err="1"/>
+              <a:t>공지글</a:t>
+            </a:r>
+            <a:endParaRPr lang="en-US" altLang="ko-KR" dirty="0"/>
           </a:p>
           <a:p>
             <a:pPr marL="342900" indent="-342900" algn="ctr">
               <a:buAutoNum type="arabicPeriod"/>
             </a:pPr>
             <a:r>
-              <a:rPr lang="ko-KR" altLang="en-US" dirty="0" smtClean="0"/>
-              <a:t>하체 운동 어떤 것이 들어갔으면 좋겠습니다</a:t>
-            </a:r>
-            <a:r>
-              <a:rPr lang="en-US" altLang="ko-KR" dirty="0" smtClean="0"/>
-              <a:t>.</a:t>
-            </a:r>
+              <a:rPr lang="ko-KR" altLang="en-US" dirty="0" err="1"/>
+              <a:t>공지글</a:t>
+            </a:r>
+            <a:endParaRPr lang="en-US" altLang="ko-KR" dirty="0"/>
           </a:p>
           <a:p>
             <a:pPr marL="342900" indent="-342900" algn="ctr">
               <a:buAutoNum type="arabicPeriod"/>
             </a:pPr>
             <a:r>
-              <a:rPr lang="ko-KR" altLang="en-US" dirty="0" smtClean="0"/>
-              <a:t>트레이너분과 채팅 가능한 시간이 언제인지</a:t>
-            </a:r>
-            <a:endParaRPr lang="en-US" altLang="ko-KR" dirty="0" smtClean="0"/>
-          </a:p>
-          <a:p>
-            <a:pPr algn="ctr"/>
+              <a:rPr lang="ko-KR" altLang="en-US" dirty="0" err="1"/>
+              <a:t>공지글</a:t>
+            </a:r>
+            <a:endParaRPr lang="en-US" altLang="ko-KR" dirty="0"/>
+          </a:p>
+          <a:p>
+            <a:pPr marL="342900" indent="-342900" algn="ctr">
+              <a:buAutoNum type="arabicPeriod"/>
+            </a:pPr>
+            <a:r>
+              <a:rPr lang="ko-KR" altLang="en-US" dirty="0" err="1"/>
+              <a:t>공지글</a:t>
+            </a:r>
             <a:endParaRPr lang="ko-KR" altLang="en-US" dirty="0"/>
           </a:p>
         </p:txBody>
@@ -4604,17 +4516,16 @@
           <a:p>
             <a:pPr algn="ctr"/>
             <a:r>
-              <a:rPr lang="en-US" altLang="ko-KR" dirty="0" smtClean="0"/>
-              <a:t>Q&amp;A</a:t>
-            </a:r>
-            <a:endParaRPr lang="ko-KR" altLang="en-US" dirty="0"/>
+              <a:rPr lang="ko-KR" altLang="en-US" dirty="0"/>
+              <a:t>공지사항</a:t>
+            </a:r>
           </a:p>
         </p:txBody>
       </p:sp>
     </p:spTree>
     <p:extLst>
       <p:ext uri="{BB962C8B-B14F-4D97-AF65-F5344CB8AC3E}">
-        <p14:creationId xmlns:p14="http://schemas.microsoft.com/office/powerpoint/2010/main" val="993298834"/>
+        <p14:creationId xmlns:p14="http://schemas.microsoft.com/office/powerpoint/2010/main" val="4031267788"/>
       </p:ext>
     </p:extLst>
   </p:cSld>
@@ -4727,10 +4638,9 @@
           <a:p>
             <a:pPr algn="ctr"/>
             <a:r>
-              <a:rPr lang="ko-KR" altLang="en-US" dirty="0" smtClean="0"/>
+              <a:rPr lang="ko-KR" altLang="en-US" dirty="0"/>
               <a:t>로고</a:t>
             </a:r>
-            <a:endParaRPr lang="ko-KR" altLang="en-US" dirty="0"/>
           </a:p>
         </p:txBody>
       </p:sp>
@@ -4823,23 +4733,23 @@
           <a:p>
             <a:pPr algn="ctr"/>
             <a:r>
-              <a:rPr lang="ko-KR" altLang="en-US" dirty="0" smtClean="0"/>
+              <a:rPr lang="ko-KR" altLang="en-US" dirty="0"/>
               <a:t>로그인</a:t>
             </a:r>
             <a:r>
-              <a:rPr lang="en-US" altLang="ko-KR" dirty="0" smtClean="0"/>
+              <a:rPr lang="en-US" altLang="ko-KR" dirty="0"/>
               <a:t>/</a:t>
             </a:r>
             <a:r>
-              <a:rPr lang="ko-KR" altLang="en-US" dirty="0" smtClean="0"/>
+              <a:rPr lang="ko-KR" altLang="en-US" dirty="0"/>
               <a:t>회원가입</a:t>
             </a:r>
             <a:r>
-              <a:rPr lang="en-US" altLang="ko-KR" dirty="0" smtClean="0"/>
+              <a:rPr lang="en-US" altLang="ko-KR" dirty="0"/>
               <a:t>/</a:t>
             </a:r>
             <a:r>
-              <a:rPr lang="ko-KR" altLang="en-US" dirty="0" err="1" smtClean="0"/>
+              <a:rPr lang="ko-KR" altLang="en-US" dirty="0" err="1"/>
               <a:t>사이트맵</a:t>
             </a:r>
             <a:endParaRPr lang="ko-KR" altLang="en-US" dirty="0"/>
@@ -4869,42 +4779,37 @@
           <a:lstStyle/>
           <a:p>
             <a:r>
-              <a:rPr lang="ko-KR" altLang="en-US" dirty="0" smtClean="0"/>
+              <a:rPr lang="ko-KR" altLang="en-US" dirty="0"/>
               <a:t>사이트 소개  </a:t>
             </a:r>
             <a:r>
               <a:rPr lang="en-US" altLang="ko-KR" dirty="0"/>
-              <a:t>+</a:t>
-            </a:r>
-            <a:r>
-              <a:rPr lang="en-US" altLang="ko-KR" dirty="0" smtClean="0"/>
-              <a:t>         </a:t>
-            </a:r>
-            <a:r>
-              <a:rPr lang="ko-KR" altLang="en-US" dirty="0" smtClean="0"/>
+              <a:t>+         </a:t>
+            </a:r>
+            <a:r>
+              <a:rPr lang="ko-KR" altLang="en-US" dirty="0"/>
               <a:t>상체</a:t>
             </a:r>
             <a:r>
-              <a:rPr lang="en-US" altLang="ko-KR" dirty="0" smtClean="0"/>
+              <a:rPr lang="en-US" altLang="ko-KR" dirty="0"/>
               <a:t>          +       </a:t>
             </a:r>
             <a:r>
-              <a:rPr lang="ko-KR" altLang="en-US" dirty="0" smtClean="0"/>
+              <a:rPr lang="ko-KR" altLang="en-US" dirty="0"/>
               <a:t>하체</a:t>
             </a:r>
             <a:r>
-              <a:rPr lang="en-US" altLang="ko-KR" dirty="0" smtClean="0"/>
+              <a:rPr lang="en-US" altLang="ko-KR" dirty="0"/>
               <a:t>              +    </a:t>
             </a:r>
             <a:r>
-              <a:rPr lang="ko-KR" altLang="en-US" b="1" dirty="0" smtClean="0"/>
+              <a:rPr lang="ko-KR" altLang="en-US" b="1" dirty="0"/>
               <a:t>커뮤니티</a:t>
             </a:r>
             <a:r>
-              <a:rPr lang="ko-KR" altLang="en-US" dirty="0" smtClean="0"/>
+              <a:rPr lang="ko-KR" altLang="en-US" dirty="0"/>
               <a:t> </a:t>
             </a:r>
-            <a:endParaRPr lang="ko-KR" altLang="en-US" dirty="0"/>
           </a:p>
         </p:txBody>
       </p:sp>
@@ -4943,10 +4848,9 @@
           <a:p>
             <a:pPr algn="ctr"/>
             <a:r>
-              <a:rPr lang="ko-KR" altLang="en-US" dirty="0" smtClean="0"/>
+              <a:rPr lang="ko-KR" altLang="en-US" dirty="0"/>
               <a:t>공지사항</a:t>
             </a:r>
-            <a:endParaRPr lang="ko-KR" altLang="en-US" dirty="0"/>
           </a:p>
         </p:txBody>
       </p:sp>
@@ -4985,18 +4889,17 @@
           <a:p>
             <a:pPr algn="ctr"/>
             <a:r>
-              <a:rPr lang="ko-KR" altLang="en-US" b="1" dirty="0" smtClean="0"/>
+              <a:rPr lang="ko-KR" altLang="en-US" dirty="0"/>
               <a:t>실시간</a:t>
             </a:r>
             <a:r>
-              <a:rPr lang="en-US" altLang="ko-KR" b="1" dirty="0" smtClean="0"/>
+              <a:rPr lang="en-US" altLang="ko-KR" dirty="0"/>
               <a:t> </a:t>
             </a:r>
             <a:r>
-              <a:rPr lang="ko-KR" altLang="en-US" b="1" dirty="0" smtClean="0"/>
+              <a:rPr lang="ko-KR" altLang="en-US" dirty="0"/>
               <a:t>채팅</a:t>
             </a:r>
-            <a:endParaRPr lang="ko-KR" altLang="en-US" b="1" dirty="0"/>
           </a:p>
         </p:txBody>
       </p:sp>
@@ -5153,10 +5056,10 @@
           <a:p>
             <a:pPr algn="ctr"/>
             <a:r>
-              <a:rPr lang="en-US" altLang="ko-KR" dirty="0" smtClean="0"/>
+              <a:rPr lang="en-US" altLang="ko-KR" b="1" dirty="0"/>
               <a:t>Q&amp;A</a:t>
             </a:r>
-            <a:endParaRPr lang="ko-KR" altLang="en-US" dirty="0"/>
+            <a:endParaRPr lang="ko-KR" altLang="en-US" b="1" dirty="0"/>
           </a:p>
         </p:txBody>
       </p:sp>
@@ -5235,10 +5138,9 @@
           <a:p>
             <a:pPr algn="ctr"/>
             <a:r>
-              <a:rPr lang="ko-KR" altLang="en-US" dirty="0" smtClean="0"/>
+              <a:rPr lang="ko-KR" altLang="en-US" dirty="0"/>
               <a:t>자유게시판</a:t>
             </a:r>
-            <a:endParaRPr lang="ko-KR" altLang="en-US" dirty="0"/>
           </a:p>
         </p:txBody>
       </p:sp>
@@ -5290,8 +5192,8 @@
         </p:nvSpPr>
         <p:spPr>
           <a:xfrm>
-            <a:off x="3383690" y="3482791"/>
-            <a:ext cx="4880919" cy="3212757"/>
+            <a:off x="1186249" y="3546389"/>
+            <a:ext cx="9765956" cy="3212757"/>
           </a:xfrm>
           <a:prstGeom prst="rect">
             <a:avLst/>
@@ -5314,6 +5216,39 @@
         <p:txBody>
           <a:bodyPr rtlCol="0" anchor="ctr"/>
           <a:lstStyle/>
+          <a:p>
+            <a:pPr marL="342900" indent="-342900" algn="ctr">
+              <a:buAutoNum type="arabicPeriod"/>
+            </a:pPr>
+            <a:r>
+              <a:rPr lang="ko-KR" altLang="en-US" dirty="0"/>
+              <a:t>상체에 등 운동 중 어떤 것이 잘못되었습니다 수정 부탁</a:t>
+            </a:r>
+            <a:endParaRPr lang="en-US" altLang="ko-KR" dirty="0"/>
+          </a:p>
+          <a:p>
+            <a:pPr marL="342900" indent="-342900" algn="ctr">
+              <a:buAutoNum type="arabicPeriod"/>
+            </a:pPr>
+            <a:r>
+              <a:rPr lang="ko-KR" altLang="en-US" dirty="0"/>
+              <a:t>하체 운동 어떤 것이 들어갔으면 좋겠습니다</a:t>
+            </a:r>
+            <a:r>
+              <a:rPr lang="en-US" altLang="ko-KR" dirty="0"/>
+              <a:t>.</a:t>
+            </a:r>
+          </a:p>
+          <a:p>
+            <a:pPr marL="342900" indent="-342900" algn="ctr">
+              <a:buAutoNum type="arabicPeriod"/>
+            </a:pPr>
+            <a:r>
+              <a:rPr lang="ko-KR" altLang="en-US" dirty="0"/>
+              <a:t>트레이너분과 채팅 가능한 시간이 언제인지</a:t>
+            </a:r>
+            <a:endParaRPr lang="en-US" altLang="ko-KR" dirty="0"/>
+          </a:p>
           <a:p>
             <a:pPr algn="ctr"/>
             <a:endParaRPr lang="ko-KR" altLang="en-US" dirty="0"/>
@@ -5355,211 +5290,17 @@
           <a:p>
             <a:pPr algn="ctr"/>
             <a:r>
-              <a:rPr lang="ko-KR" altLang="en-US" dirty="0" smtClean="0"/>
-              <a:t>실시간 채팅</a:t>
+              <a:rPr lang="en-US" altLang="ko-KR" dirty="0"/>
+              <a:t>Q&amp;A</a:t>
             </a:r>
             <a:endParaRPr lang="ko-KR" altLang="en-US" dirty="0"/>
-          </a:p>
-        </p:txBody>
-      </p:sp>
-      <p:sp>
-        <p:nvSpPr>
-          <p:cNvPr id="2" name="TextBox 1"/>
-          <p:cNvSpPr txBox="1"/>
-          <p:nvPr/>
-        </p:nvSpPr>
-        <p:spPr>
-          <a:xfrm>
-            <a:off x="3540212" y="4181228"/>
-            <a:ext cx="2162433" cy="1815882"/>
-          </a:xfrm>
-          <a:prstGeom prst="rect">
-            <a:avLst/>
-          </a:prstGeom>
-          <a:noFill/>
-        </p:spPr>
-        <p:txBody>
-          <a:bodyPr wrap="square" rtlCol="0">
-            <a:spAutoFit/>
-          </a:bodyPr>
-          <a:lstStyle/>
-          <a:p>
-            <a:r>
-              <a:rPr lang="ko-KR" altLang="en-US" sz="1400" dirty="0" smtClean="0"/>
-              <a:t>안녕하세요 </a:t>
-            </a:r>
-            <a:r>
-              <a:rPr lang="en-US" altLang="ko-KR" sz="1400" dirty="0" smtClean="0"/>
-              <a:t>000 </a:t>
-            </a:r>
-            <a:r>
-              <a:rPr lang="ko-KR" altLang="en-US" sz="1400" dirty="0" smtClean="0"/>
-              <a:t>트레이너입니다</a:t>
-            </a:r>
-            <a:r>
-              <a:rPr lang="en-US" altLang="ko-KR" sz="1400" dirty="0" smtClean="0"/>
-              <a:t>. </a:t>
-            </a:r>
-          </a:p>
-          <a:p>
-            <a:r>
-              <a:rPr lang="ko-KR" altLang="en-US" sz="1400" dirty="0" smtClean="0"/>
-              <a:t>그 부분은 </a:t>
-            </a:r>
-            <a:r>
-              <a:rPr lang="ko-KR" altLang="en-US" sz="1400" dirty="0" err="1" smtClean="0"/>
-              <a:t>이러쿵</a:t>
-            </a:r>
-            <a:r>
-              <a:rPr lang="ko-KR" altLang="en-US" sz="1400" dirty="0" smtClean="0"/>
-              <a:t> </a:t>
-            </a:r>
-            <a:r>
-              <a:rPr lang="ko-KR" altLang="en-US" sz="1400" dirty="0" err="1" smtClean="0"/>
-              <a:t>저러쿵</a:t>
-            </a:r>
-            <a:r>
-              <a:rPr lang="ko-KR" altLang="en-US" sz="1400" dirty="0" smtClean="0"/>
-              <a:t> 해서 </a:t>
-            </a:r>
-            <a:r>
-              <a:rPr lang="ko-KR" altLang="en-US" sz="1400" dirty="0" err="1" smtClean="0"/>
-              <a:t>이러해서</a:t>
-            </a:r>
-            <a:r>
-              <a:rPr lang="ko-KR" altLang="en-US" sz="1400" dirty="0" smtClean="0"/>
-              <a:t> 이렇게 하시면 됩니다</a:t>
-            </a:r>
-            <a:r>
-              <a:rPr lang="en-US" altLang="ko-KR" sz="1400" dirty="0" smtClean="0"/>
-              <a:t>. </a:t>
-            </a:r>
-            <a:r>
-              <a:rPr lang="ko-KR" altLang="en-US" sz="1400" dirty="0" smtClean="0"/>
-              <a:t>자세한 사항은 사이트 상체 스트레칭 부분 </a:t>
-            </a:r>
-            <a:r>
-              <a:rPr lang="en-US" altLang="ko-KR" sz="1400" dirty="0" smtClean="0"/>
-              <a:t>000 </a:t>
-            </a:r>
-            <a:r>
-              <a:rPr lang="ko-KR" altLang="en-US" sz="1400" dirty="0" smtClean="0"/>
-              <a:t>참고하시면 되겠습니다</a:t>
-            </a:r>
-            <a:r>
-              <a:rPr lang="en-US" altLang="ko-KR" sz="1400" dirty="0" smtClean="0"/>
-              <a:t>.</a:t>
-            </a:r>
-            <a:endParaRPr lang="ko-KR" altLang="en-US" sz="1400" dirty="0"/>
-          </a:p>
-        </p:txBody>
-      </p:sp>
-      <p:sp>
-        <p:nvSpPr>
-          <p:cNvPr id="19" name="TextBox 18"/>
-          <p:cNvSpPr txBox="1"/>
-          <p:nvPr/>
-        </p:nvSpPr>
-        <p:spPr>
-          <a:xfrm>
-            <a:off x="6013620" y="3605597"/>
-            <a:ext cx="2162433" cy="523220"/>
-          </a:xfrm>
-          <a:prstGeom prst="rect">
-            <a:avLst/>
-          </a:prstGeom>
-          <a:noFill/>
-        </p:spPr>
-        <p:txBody>
-          <a:bodyPr wrap="square" rtlCol="0">
-            <a:spAutoFit/>
-          </a:bodyPr>
-          <a:lstStyle/>
-          <a:p>
-            <a:r>
-              <a:rPr lang="ko-KR" altLang="en-US" sz="1400" dirty="0" smtClean="0"/>
-              <a:t>안녕하세요 상체 스트레칭 어찌하나요</a:t>
-            </a:r>
-            <a:r>
-              <a:rPr lang="en-US" altLang="ko-KR" sz="1400" dirty="0" smtClean="0"/>
-              <a:t>?</a:t>
-            </a:r>
-            <a:endParaRPr lang="ko-KR" altLang="en-US" sz="1400" dirty="0"/>
-          </a:p>
-        </p:txBody>
-      </p:sp>
-      <p:sp>
-        <p:nvSpPr>
-          <p:cNvPr id="23" name="TextBox 22"/>
-          <p:cNvSpPr txBox="1"/>
-          <p:nvPr/>
-        </p:nvSpPr>
-        <p:spPr>
-          <a:xfrm>
-            <a:off x="6013620" y="5833932"/>
-            <a:ext cx="2162433" cy="307777"/>
-          </a:xfrm>
-          <a:prstGeom prst="rect">
-            <a:avLst/>
-          </a:prstGeom>
-          <a:noFill/>
-        </p:spPr>
-        <p:txBody>
-          <a:bodyPr wrap="square" rtlCol="0">
-            <a:spAutoFit/>
-          </a:bodyPr>
-          <a:lstStyle/>
-          <a:p>
-            <a:r>
-              <a:rPr lang="ko-KR" altLang="en-US" sz="1400" dirty="0" smtClean="0"/>
-              <a:t>감사합니다</a:t>
-            </a:r>
-            <a:r>
-              <a:rPr lang="en-US" altLang="ko-KR" sz="1400" dirty="0"/>
-              <a:t>~</a:t>
-            </a:r>
-            <a:endParaRPr lang="ko-KR" altLang="en-US" sz="1400" dirty="0"/>
-          </a:p>
-        </p:txBody>
-      </p:sp>
-      <p:sp>
-        <p:nvSpPr>
-          <p:cNvPr id="24" name="TextBox 23"/>
-          <p:cNvSpPr txBox="1"/>
-          <p:nvPr/>
-        </p:nvSpPr>
-        <p:spPr>
-          <a:xfrm>
-            <a:off x="3540212" y="6276915"/>
-            <a:ext cx="2378674" cy="307777"/>
-          </a:xfrm>
-          <a:prstGeom prst="rect">
-            <a:avLst/>
-          </a:prstGeom>
-          <a:noFill/>
-        </p:spPr>
-        <p:txBody>
-          <a:bodyPr wrap="square" rtlCol="0">
-            <a:spAutoFit/>
-          </a:bodyPr>
-          <a:lstStyle/>
-          <a:p>
-            <a:r>
-              <a:rPr lang="ko-KR" altLang="en-US" sz="1400" dirty="0" smtClean="0"/>
-              <a:t>즐거운 운동시간 되세요</a:t>
-            </a:r>
-            <a:r>
-              <a:rPr lang="en-US" altLang="ko-KR" sz="1400" dirty="0" smtClean="0"/>
-              <a:t>~</a:t>
-            </a:r>
-            <a:endParaRPr lang="ko-KR" altLang="en-US" sz="1400" dirty="0"/>
           </a:p>
         </p:txBody>
       </p:sp>
     </p:spTree>
     <p:extLst>
       <p:ext uri="{BB962C8B-B14F-4D97-AF65-F5344CB8AC3E}">
-        <p14:creationId xmlns:p14="http://schemas.microsoft.com/office/powerpoint/2010/main" val="3011097816"/>
+        <p14:creationId xmlns:p14="http://schemas.microsoft.com/office/powerpoint/2010/main" val="993298834"/>
       </p:ext>
     </p:extLst>
   </p:cSld>
@@ -5672,10 +5413,9 @@
           <a:p>
             <a:pPr algn="ctr"/>
             <a:r>
-              <a:rPr lang="ko-KR" altLang="en-US" dirty="0" smtClean="0"/>
+              <a:rPr lang="ko-KR" altLang="en-US" dirty="0"/>
               <a:t>로고</a:t>
             </a:r>
-            <a:endParaRPr lang="ko-KR" altLang="en-US" dirty="0"/>
           </a:p>
         </p:txBody>
       </p:sp>
@@ -5768,15 +5508,23 @@
           <a:p>
             <a:pPr algn="ctr"/>
             <a:r>
-              <a:rPr lang="ko-KR" altLang="en-US" dirty="0" smtClean="0"/>
+              <a:rPr lang="ko-KR" altLang="en-US" dirty="0"/>
               <a:t>로그인</a:t>
             </a:r>
             <a:r>
-              <a:rPr lang="en-US" altLang="ko-KR" smtClean="0"/>
+              <a:rPr lang="en-US" altLang="ko-KR" dirty="0"/>
               <a:t>/</a:t>
             </a:r>
             <a:r>
-              <a:rPr lang="ko-KR" altLang="en-US" smtClean="0"/>
+              <a:rPr lang="ko-KR" altLang="en-US" dirty="0"/>
+              <a:t>회원가입</a:t>
+            </a:r>
+            <a:r>
+              <a:rPr lang="en-US" altLang="ko-KR" dirty="0"/>
+              <a:t>/</a:t>
+            </a:r>
+            <a:r>
+              <a:rPr lang="ko-KR" altLang="en-US" dirty="0" err="1"/>
               <a:t>사이트맵</a:t>
             </a:r>
             <a:endParaRPr lang="ko-KR" altLang="en-US" dirty="0"/>
@@ -5806,42 +5554,37 @@
           <a:lstStyle/>
           <a:p>
             <a:r>
-              <a:rPr lang="ko-KR" altLang="en-US" dirty="0" smtClean="0"/>
+              <a:rPr lang="ko-KR" altLang="en-US" dirty="0"/>
               <a:t>사이트 소개  </a:t>
             </a:r>
             <a:r>
               <a:rPr lang="en-US" altLang="ko-KR" dirty="0"/>
-              <a:t>+</a:t>
-            </a:r>
-            <a:r>
-              <a:rPr lang="en-US" altLang="ko-KR" dirty="0" smtClean="0"/>
-              <a:t>         </a:t>
-            </a:r>
-            <a:r>
-              <a:rPr lang="ko-KR" altLang="en-US" dirty="0" smtClean="0"/>
+              <a:t>+         </a:t>
+            </a:r>
+            <a:r>
+              <a:rPr lang="ko-KR" altLang="en-US" dirty="0"/>
               <a:t>상체</a:t>
             </a:r>
             <a:r>
-              <a:rPr lang="en-US" altLang="ko-KR" dirty="0" smtClean="0"/>
+              <a:rPr lang="en-US" altLang="ko-KR" dirty="0"/>
               <a:t>          +       </a:t>
             </a:r>
             <a:r>
-              <a:rPr lang="ko-KR" altLang="en-US" dirty="0" smtClean="0"/>
+              <a:rPr lang="ko-KR" altLang="en-US" dirty="0"/>
               <a:t>하체</a:t>
             </a:r>
             <a:r>
-              <a:rPr lang="en-US" altLang="ko-KR" dirty="0" smtClean="0"/>
+              <a:rPr lang="en-US" altLang="ko-KR" dirty="0"/>
               <a:t>              +    </a:t>
             </a:r>
             <a:r>
-              <a:rPr lang="ko-KR" altLang="en-US" b="1" dirty="0" smtClean="0"/>
+              <a:rPr lang="ko-KR" altLang="en-US" b="1" dirty="0"/>
               <a:t>커뮤니티</a:t>
             </a:r>
             <a:r>
-              <a:rPr lang="ko-KR" altLang="en-US" dirty="0" smtClean="0"/>
+              <a:rPr lang="ko-KR" altLang="en-US" dirty="0"/>
               <a:t> </a:t>
             </a:r>
-            <a:endParaRPr lang="ko-KR" altLang="en-US" dirty="0"/>
           </a:p>
         </p:txBody>
       </p:sp>
@@ -5880,10 +5623,9 @@
           <a:p>
             <a:pPr algn="ctr"/>
             <a:r>
-              <a:rPr lang="ko-KR" altLang="en-US" dirty="0" smtClean="0"/>
+              <a:rPr lang="ko-KR" altLang="en-US" dirty="0"/>
               <a:t>공지사항</a:t>
             </a:r>
-            <a:endParaRPr lang="ko-KR" altLang="en-US" dirty="0"/>
           </a:p>
         </p:txBody>
       </p:sp>
@@ -5922,18 +5664,17 @@
           <a:p>
             <a:pPr algn="ctr"/>
             <a:r>
-              <a:rPr lang="ko-KR" altLang="en-US" dirty="0" smtClean="0"/>
+              <a:rPr lang="ko-KR" altLang="en-US" b="1" dirty="0"/>
               <a:t>실시간</a:t>
             </a:r>
             <a:r>
-              <a:rPr lang="en-US" altLang="ko-KR" dirty="0" smtClean="0"/>
+              <a:rPr lang="en-US" altLang="ko-KR" b="1" dirty="0"/>
               <a:t> </a:t>
             </a:r>
             <a:r>
-              <a:rPr lang="ko-KR" altLang="en-US" dirty="0" smtClean="0"/>
+              <a:rPr lang="ko-KR" altLang="en-US" b="1" dirty="0"/>
               <a:t>채팅</a:t>
             </a:r>
-            <a:endParaRPr lang="ko-KR" altLang="en-US" dirty="0"/>
           </a:p>
         </p:txBody>
       </p:sp>
@@ -6090,7 +5831,7 @@
           <a:p>
             <a:pPr algn="ctr"/>
             <a:r>
-              <a:rPr lang="en-US" altLang="ko-KR" dirty="0" smtClean="0"/>
+              <a:rPr lang="en-US" altLang="ko-KR" dirty="0"/>
               <a:t>Q&amp;A</a:t>
             </a:r>
             <a:endParaRPr lang="ko-KR" altLang="en-US" dirty="0"/>
@@ -6172,10 +5913,9 @@
           <a:p>
             <a:pPr algn="ctr"/>
             <a:r>
-              <a:rPr lang="ko-KR" altLang="en-US" b="1" dirty="0" smtClean="0"/>
+              <a:rPr lang="ko-KR" altLang="en-US" dirty="0"/>
               <a:t>자유게시판</a:t>
             </a:r>
-            <a:endParaRPr lang="ko-KR" altLang="en-US" b="1" dirty="0"/>
           </a:p>
         </p:txBody>
       </p:sp>
@@ -6221,14 +5961,14 @@
       </p:sp>
       <p:sp>
         <p:nvSpPr>
-          <p:cNvPr id="26" name="직사각형 25"/>
-          <p:cNvSpPr/>
-          <p:nvPr/>
-        </p:nvSpPr>
-        <p:spPr>
-          <a:xfrm>
-            <a:off x="3383690" y="2496811"/>
-            <a:ext cx="4411367" cy="494270"/>
+          <p:cNvPr id="11" name="직사각형 10"/>
+          <p:cNvSpPr/>
+          <p:nvPr/>
+        </p:nvSpPr>
+        <p:spPr>
+          <a:xfrm>
+            <a:off x="3383690" y="3482791"/>
+            <a:ext cx="4880919" cy="3212757"/>
           </a:xfrm>
           <a:prstGeom prst="rect">
             <a:avLst/>
@@ -6253,24 +5993,291 @@
           <a:lstStyle/>
           <a:p>
             <a:pPr algn="ctr"/>
-            <a:r>
-              <a:rPr lang="ko-KR" altLang="en-US" dirty="0" err="1" smtClean="0"/>
-              <a:t>검색창</a:t>
-            </a:r>
             <a:endParaRPr lang="ko-KR" altLang="en-US" dirty="0"/>
           </a:p>
         </p:txBody>
       </p:sp>
       <p:sp>
         <p:nvSpPr>
-          <p:cNvPr id="27" name="직사각형 26"/>
-          <p:cNvSpPr/>
-          <p:nvPr/>
-        </p:nvSpPr>
-        <p:spPr>
-          <a:xfrm>
-            <a:off x="7795057" y="2496811"/>
-            <a:ext cx="832663" cy="494270"/>
+          <p:cNvPr id="29" name="직사각형 28"/>
+          <p:cNvSpPr/>
+          <p:nvPr/>
+        </p:nvSpPr>
+        <p:spPr>
+          <a:xfrm>
+            <a:off x="4946820" y="2550819"/>
+            <a:ext cx="1754660" cy="494270"/>
+          </a:xfrm>
+          <a:prstGeom prst="rect">
+            <a:avLst/>
+          </a:prstGeom>
+        </p:spPr>
+        <p:style>
+          <a:lnRef idx="2">
+            <a:schemeClr val="accent6"/>
+          </a:lnRef>
+          <a:fillRef idx="1">
+            <a:schemeClr val="lt1"/>
+          </a:fillRef>
+          <a:effectRef idx="0">
+            <a:schemeClr val="accent6"/>
+          </a:effectRef>
+          <a:fontRef idx="minor">
+            <a:schemeClr val="dk1"/>
+          </a:fontRef>
+        </p:style>
+        <p:txBody>
+          <a:bodyPr rtlCol="0" anchor="ctr"/>
+          <a:lstStyle/>
+          <a:p>
+            <a:pPr algn="ctr"/>
+            <a:r>
+              <a:rPr lang="ko-KR" altLang="en-US" dirty="0"/>
+              <a:t>실시간 채팅</a:t>
+            </a:r>
+          </a:p>
+        </p:txBody>
+      </p:sp>
+      <p:sp>
+        <p:nvSpPr>
+          <p:cNvPr id="2" name="TextBox 1"/>
+          <p:cNvSpPr txBox="1"/>
+          <p:nvPr/>
+        </p:nvSpPr>
+        <p:spPr>
+          <a:xfrm>
+            <a:off x="3540212" y="4181228"/>
+            <a:ext cx="2162433" cy="1815882"/>
+          </a:xfrm>
+          <a:prstGeom prst="rect">
+            <a:avLst/>
+          </a:prstGeom>
+          <a:noFill/>
+        </p:spPr>
+        <p:txBody>
+          <a:bodyPr wrap="square" rtlCol="0">
+            <a:spAutoFit/>
+          </a:bodyPr>
+          <a:lstStyle/>
+          <a:p>
+            <a:r>
+              <a:rPr lang="ko-KR" altLang="en-US" sz="1400" dirty="0"/>
+              <a:t>안녕하세요 </a:t>
+            </a:r>
+            <a:r>
+              <a:rPr lang="en-US" altLang="ko-KR" sz="1400" dirty="0"/>
+              <a:t>000 </a:t>
+            </a:r>
+            <a:r>
+              <a:rPr lang="ko-KR" altLang="en-US" sz="1400" dirty="0"/>
+              <a:t>트레이너입니다</a:t>
+            </a:r>
+            <a:r>
+              <a:rPr lang="en-US" altLang="ko-KR" sz="1400" dirty="0"/>
+              <a:t>. </a:t>
+            </a:r>
+          </a:p>
+          <a:p>
+            <a:r>
+              <a:rPr lang="ko-KR" altLang="en-US" sz="1400" dirty="0"/>
+              <a:t>그 부분은 </a:t>
+            </a:r>
+            <a:r>
+              <a:rPr lang="ko-KR" altLang="en-US" sz="1400" dirty="0" err="1"/>
+              <a:t>이러쿵</a:t>
+            </a:r>
+            <a:r>
+              <a:rPr lang="ko-KR" altLang="en-US" sz="1400" dirty="0"/>
+              <a:t> </a:t>
+            </a:r>
+            <a:r>
+              <a:rPr lang="ko-KR" altLang="en-US" sz="1400" dirty="0" err="1"/>
+              <a:t>저러쿵</a:t>
+            </a:r>
+            <a:r>
+              <a:rPr lang="ko-KR" altLang="en-US" sz="1400" dirty="0"/>
+              <a:t> 해서 </a:t>
+            </a:r>
+            <a:r>
+              <a:rPr lang="ko-KR" altLang="en-US" sz="1400" dirty="0" err="1"/>
+              <a:t>이러해서</a:t>
+            </a:r>
+            <a:r>
+              <a:rPr lang="ko-KR" altLang="en-US" sz="1400" dirty="0"/>
+              <a:t> 이렇게 하시면 됩니다</a:t>
+            </a:r>
+            <a:r>
+              <a:rPr lang="en-US" altLang="ko-KR" sz="1400" dirty="0"/>
+              <a:t>. </a:t>
+            </a:r>
+            <a:r>
+              <a:rPr lang="ko-KR" altLang="en-US" sz="1400" dirty="0"/>
+              <a:t>자세한 사항은 사이트 상체 스트레칭 부분 </a:t>
+            </a:r>
+            <a:r>
+              <a:rPr lang="en-US" altLang="ko-KR" sz="1400" dirty="0"/>
+              <a:t>000 </a:t>
+            </a:r>
+            <a:r>
+              <a:rPr lang="ko-KR" altLang="en-US" sz="1400" dirty="0"/>
+              <a:t>참고하시면 되겠습니다</a:t>
+            </a:r>
+            <a:r>
+              <a:rPr lang="en-US" altLang="ko-KR" sz="1400" dirty="0"/>
+              <a:t>.</a:t>
+            </a:r>
+            <a:endParaRPr lang="ko-KR" altLang="en-US" sz="1400" dirty="0"/>
+          </a:p>
+        </p:txBody>
+      </p:sp>
+      <p:sp>
+        <p:nvSpPr>
+          <p:cNvPr id="19" name="TextBox 18"/>
+          <p:cNvSpPr txBox="1"/>
+          <p:nvPr/>
+        </p:nvSpPr>
+        <p:spPr>
+          <a:xfrm>
+            <a:off x="6013620" y="3605597"/>
+            <a:ext cx="2162433" cy="523220"/>
+          </a:xfrm>
+          <a:prstGeom prst="rect">
+            <a:avLst/>
+          </a:prstGeom>
+          <a:noFill/>
+        </p:spPr>
+        <p:txBody>
+          <a:bodyPr wrap="square" rtlCol="0">
+            <a:spAutoFit/>
+          </a:bodyPr>
+          <a:lstStyle/>
+          <a:p>
+            <a:r>
+              <a:rPr lang="ko-KR" altLang="en-US" sz="1400" dirty="0"/>
+              <a:t>안녕하세요 상체 스트레칭 어찌하나요</a:t>
+            </a:r>
+            <a:r>
+              <a:rPr lang="en-US" altLang="ko-KR" sz="1400" dirty="0"/>
+              <a:t>?</a:t>
+            </a:r>
+            <a:endParaRPr lang="ko-KR" altLang="en-US" sz="1400" dirty="0"/>
+          </a:p>
+        </p:txBody>
+      </p:sp>
+      <p:sp>
+        <p:nvSpPr>
+          <p:cNvPr id="23" name="TextBox 22"/>
+          <p:cNvSpPr txBox="1"/>
+          <p:nvPr/>
+        </p:nvSpPr>
+        <p:spPr>
+          <a:xfrm>
+            <a:off x="6013620" y="5833932"/>
+            <a:ext cx="2162433" cy="307777"/>
+          </a:xfrm>
+          <a:prstGeom prst="rect">
+            <a:avLst/>
+          </a:prstGeom>
+          <a:noFill/>
+        </p:spPr>
+        <p:txBody>
+          <a:bodyPr wrap="square" rtlCol="0">
+            <a:spAutoFit/>
+          </a:bodyPr>
+          <a:lstStyle/>
+          <a:p>
+            <a:r>
+              <a:rPr lang="ko-KR" altLang="en-US" sz="1400" dirty="0"/>
+              <a:t>감사합니다</a:t>
+            </a:r>
+            <a:r>
+              <a:rPr lang="en-US" altLang="ko-KR" sz="1400" dirty="0"/>
+              <a:t>~</a:t>
+            </a:r>
+            <a:endParaRPr lang="ko-KR" altLang="en-US" sz="1400" dirty="0"/>
+          </a:p>
+        </p:txBody>
+      </p:sp>
+      <p:sp>
+        <p:nvSpPr>
+          <p:cNvPr id="24" name="TextBox 23"/>
+          <p:cNvSpPr txBox="1"/>
+          <p:nvPr/>
+        </p:nvSpPr>
+        <p:spPr>
+          <a:xfrm>
+            <a:off x="3540212" y="6276915"/>
+            <a:ext cx="2378674" cy="307777"/>
+          </a:xfrm>
+          <a:prstGeom prst="rect">
+            <a:avLst/>
+          </a:prstGeom>
+          <a:noFill/>
+        </p:spPr>
+        <p:txBody>
+          <a:bodyPr wrap="square" rtlCol="0">
+            <a:spAutoFit/>
+          </a:bodyPr>
+          <a:lstStyle/>
+          <a:p>
+            <a:r>
+              <a:rPr lang="ko-KR" altLang="en-US" sz="1400" dirty="0"/>
+              <a:t>즐거운 운동시간 되세요</a:t>
+            </a:r>
+            <a:r>
+              <a:rPr lang="en-US" altLang="ko-KR" sz="1400" dirty="0"/>
+              <a:t>~</a:t>
+            </a:r>
+            <a:endParaRPr lang="ko-KR" altLang="en-US" sz="1400" dirty="0"/>
+          </a:p>
+        </p:txBody>
+      </p:sp>
+    </p:spTree>
+    <p:extLst>
+      <p:ext uri="{BB962C8B-B14F-4D97-AF65-F5344CB8AC3E}">
+        <p14:creationId xmlns:p14="http://schemas.microsoft.com/office/powerpoint/2010/main" val="3011097816"/>
+      </p:ext>
+    </p:extLst>
+  </p:cSld>
+  <p:clrMapOvr>
+    <a:masterClrMapping/>
+  </p:clrMapOvr>
+</p:sld>
+</file>
+
+<file path=ppt/slides/slide13.xml><?xml version="1.0" encoding="utf-8"?>
+<p:sld xmlns:a="http://schemas.openxmlformats.org/drawingml/2006/main" xmlns:r="http://schemas.openxmlformats.org/officeDocument/2006/relationships" xmlns:p="http://schemas.openxmlformats.org/presentationml/2006/main">
+  <p:cSld>
+    <p:spTree>
+      <p:nvGrpSpPr>
+        <p:cNvPr id="1" name=""/>
+        <p:cNvGrpSpPr/>
+        <p:nvPr/>
+      </p:nvGrpSpPr>
+      <p:grpSpPr>
+        <a:xfrm>
+          <a:off x="0" y="0"/>
+          <a:ext cx="0" cy="0"/>
+          <a:chOff x="0" y="0"/>
+          <a:chExt cx="0" cy="0"/>
+        </a:xfrm>
+      </p:grpSpPr>
+      <p:sp>
+        <p:nvSpPr>
+          <p:cNvPr id="7" name="직사각형 6">
+            <a:extLst>
+              <a:ext uri="{FF2B5EF4-FFF2-40B4-BE49-F238E27FC236}">
+                <a16:creationId xmlns:a16="http://schemas.microsoft.com/office/drawing/2014/main" id="{E24CCDB8-487C-61E8-765D-09B2206C44B2}"/>
+              </a:ext>
+            </a:extLst>
+          </p:cNvPr>
+          <p:cNvSpPr/>
+          <p:nvPr/>
+        </p:nvSpPr>
+        <p:spPr>
+          <a:xfrm>
+            <a:off x="0" y="0"/>
+            <a:ext cx="12192000" cy="964734"/>
           </a:xfrm>
           <a:prstGeom prst="rect">
             <a:avLst/>
@@ -6297,28 +6304,27 @@
           <a:lstStyle/>
           <a:p>
             <a:pPr algn="ctr"/>
-            <a:r>
-              <a:rPr lang="ko-KR" altLang="en-US" dirty="0" smtClean="0"/>
-              <a:t>버튼</a:t>
-            </a:r>
-            <a:endParaRPr lang="ko-KR" altLang="en-US" dirty="0"/>
-          </a:p>
-        </p:txBody>
-      </p:sp>
-      <p:sp>
-        <p:nvSpPr>
-          <p:cNvPr id="28" name="직사각형 27"/>
-          <p:cNvSpPr/>
-          <p:nvPr/>
-        </p:nvSpPr>
-        <p:spPr>
-          <a:xfrm>
-            <a:off x="11359337" y="3373154"/>
-            <a:ext cx="832663" cy="494270"/>
-          </a:xfrm>
-          <a:prstGeom prst="rect">
-            <a:avLst/>
-          </a:prstGeom>
+            <a:endParaRPr lang="ko-KR" altLang="en-US"/>
+          </a:p>
+        </p:txBody>
+      </p:sp>
+      <p:sp>
+        <p:nvSpPr>
+          <p:cNvPr id="5" name="직사각형 4"/>
+          <p:cNvSpPr/>
+          <p:nvPr/>
+        </p:nvSpPr>
+        <p:spPr>
+          <a:xfrm>
+            <a:off x="0" y="0"/>
+            <a:ext cx="914400" cy="964734"/>
+          </a:xfrm>
+          <a:prstGeom prst="rect">
+            <a:avLst/>
+          </a:prstGeom>
+          <a:solidFill>
+            <a:schemeClr val="accent2"/>
+          </a:solidFill>
         </p:spPr>
         <p:style>
           <a:lnRef idx="2">
@@ -6342,7 +6348,667 @@
           <a:p>
             <a:pPr algn="ctr"/>
             <a:r>
-              <a:rPr lang="en-US" altLang="ko-KR" dirty="0" smtClean="0"/>
+              <a:rPr lang="ko-KR" altLang="en-US" dirty="0"/>
+              <a:t>로고</a:t>
+            </a:r>
+          </a:p>
+        </p:txBody>
+      </p:sp>
+      <p:sp>
+        <p:nvSpPr>
+          <p:cNvPr id="6" name="직사각형 5"/>
+          <p:cNvSpPr/>
+          <p:nvPr/>
+        </p:nvSpPr>
+        <p:spPr>
+          <a:xfrm>
+            <a:off x="914400" y="0"/>
+            <a:ext cx="8798011" cy="964734"/>
+          </a:xfrm>
+          <a:prstGeom prst="rect">
+            <a:avLst/>
+          </a:prstGeom>
+          <a:solidFill>
+            <a:schemeClr val="accent1">
+              <a:lumMod val="40000"/>
+              <a:lumOff val="60000"/>
+            </a:schemeClr>
+          </a:solidFill>
+        </p:spPr>
+        <p:style>
+          <a:lnRef idx="2">
+            <a:schemeClr val="accent1">
+              <a:shade val="50000"/>
+            </a:schemeClr>
+          </a:lnRef>
+          <a:fillRef idx="1">
+            <a:schemeClr val="accent1"/>
+          </a:fillRef>
+          <a:effectRef idx="0">
+            <a:schemeClr val="accent1"/>
+          </a:effectRef>
+          <a:fontRef idx="minor">
+            <a:schemeClr val="lt1"/>
+          </a:fontRef>
+        </p:style>
+        <p:txBody>
+          <a:bodyPr rtlCol="0" anchor="ctr"/>
+          <a:lstStyle/>
+          <a:p>
+            <a:pPr algn="ctr"/>
+            <a:endParaRPr lang="ko-KR" altLang="en-US"/>
+          </a:p>
+        </p:txBody>
+      </p:sp>
+      <p:sp>
+        <p:nvSpPr>
+          <p:cNvPr id="20" name="직사각형 19"/>
+          <p:cNvSpPr/>
+          <p:nvPr/>
+        </p:nvSpPr>
+        <p:spPr>
+          <a:xfrm>
+            <a:off x="9712411" y="0"/>
+            <a:ext cx="2479589" cy="964734"/>
+          </a:xfrm>
+          <a:prstGeom prst="rect">
+            <a:avLst/>
+          </a:prstGeom>
+          <a:solidFill>
+            <a:schemeClr val="accent5">
+              <a:lumMod val="60000"/>
+              <a:lumOff val="40000"/>
+            </a:schemeClr>
+          </a:solidFill>
+        </p:spPr>
+        <p:style>
+          <a:lnRef idx="2">
+            <a:schemeClr val="accent1">
+              <a:shade val="50000"/>
+            </a:schemeClr>
+          </a:lnRef>
+          <a:fillRef idx="1">
+            <a:schemeClr val="accent1"/>
+          </a:fillRef>
+          <a:effectRef idx="0">
+            <a:schemeClr val="accent1"/>
+          </a:effectRef>
+          <a:fontRef idx="minor">
+            <a:schemeClr val="lt1"/>
+          </a:fontRef>
+        </p:style>
+        <p:txBody>
+          <a:bodyPr rtlCol="0" anchor="ctr"/>
+          <a:lstStyle/>
+          <a:p>
+            <a:pPr algn="ctr"/>
+            <a:r>
+              <a:rPr lang="ko-KR" altLang="en-US" dirty="0"/>
+              <a:t>로그인</a:t>
+            </a:r>
+            <a:r>
+              <a:rPr lang="en-US" altLang="ko-KR"/>
+              <a:t>/</a:t>
+            </a:r>
+            <a:r>
+              <a:rPr lang="ko-KR" altLang="en-US"/>
+              <a:t>사이트맵</a:t>
+            </a:r>
+            <a:endParaRPr lang="ko-KR" altLang="en-US" dirty="0"/>
+          </a:p>
+        </p:txBody>
+      </p:sp>
+      <p:sp>
+        <p:nvSpPr>
+          <p:cNvPr id="8" name="TextBox 7"/>
+          <p:cNvSpPr txBox="1"/>
+          <p:nvPr/>
+        </p:nvSpPr>
+        <p:spPr>
+          <a:xfrm>
+            <a:off x="1272747" y="261589"/>
+            <a:ext cx="7821827" cy="369332"/>
+          </a:xfrm>
+          <a:prstGeom prst="rect">
+            <a:avLst/>
+          </a:prstGeom>
+          <a:noFill/>
+        </p:spPr>
+        <p:txBody>
+          <a:bodyPr wrap="square" rtlCol="0">
+            <a:spAutoFit/>
+          </a:bodyPr>
+          <a:lstStyle/>
+          <a:p>
+            <a:r>
+              <a:rPr lang="ko-KR" altLang="en-US" dirty="0"/>
+              <a:t>사이트 소개  </a:t>
+            </a:r>
+            <a:r>
+              <a:rPr lang="en-US" altLang="ko-KR" dirty="0"/>
+              <a:t>+         </a:t>
+            </a:r>
+            <a:r>
+              <a:rPr lang="ko-KR" altLang="en-US" dirty="0"/>
+              <a:t>상체</a:t>
+            </a:r>
+            <a:r>
+              <a:rPr lang="en-US" altLang="ko-KR" dirty="0"/>
+              <a:t>          +       </a:t>
+            </a:r>
+            <a:r>
+              <a:rPr lang="ko-KR" altLang="en-US" dirty="0"/>
+              <a:t>하체</a:t>
+            </a:r>
+            <a:r>
+              <a:rPr lang="en-US" altLang="ko-KR" dirty="0"/>
+              <a:t>              +    </a:t>
+            </a:r>
+            <a:r>
+              <a:rPr lang="ko-KR" altLang="en-US" b="1" dirty="0"/>
+              <a:t>커뮤니티</a:t>
+            </a:r>
+            <a:r>
+              <a:rPr lang="ko-KR" altLang="en-US" dirty="0"/>
+              <a:t> </a:t>
+            </a:r>
+          </a:p>
+        </p:txBody>
+      </p:sp>
+      <p:sp>
+        <p:nvSpPr>
+          <p:cNvPr id="4" name="직사각형 3"/>
+          <p:cNvSpPr/>
+          <p:nvPr/>
+        </p:nvSpPr>
+        <p:spPr>
+          <a:xfrm>
+            <a:off x="1272747" y="1681701"/>
+            <a:ext cx="1754660" cy="494270"/>
+          </a:xfrm>
+          <a:prstGeom prst="rect">
+            <a:avLst/>
+          </a:prstGeom>
+        </p:spPr>
+        <p:style>
+          <a:lnRef idx="2">
+            <a:schemeClr val="accent6"/>
+          </a:lnRef>
+          <a:fillRef idx="1">
+            <a:schemeClr val="lt1"/>
+          </a:fillRef>
+          <a:effectRef idx="0">
+            <a:schemeClr val="accent6"/>
+          </a:effectRef>
+          <a:fontRef idx="minor">
+            <a:schemeClr val="dk1"/>
+          </a:fontRef>
+        </p:style>
+        <p:txBody>
+          <a:bodyPr rtlCol="0" anchor="ctr"/>
+          <a:lstStyle/>
+          <a:p>
+            <a:pPr algn="ctr"/>
+            <a:r>
+              <a:rPr lang="ko-KR" altLang="en-US" dirty="0"/>
+              <a:t>공지사항</a:t>
+            </a:r>
+          </a:p>
+        </p:txBody>
+      </p:sp>
+      <p:sp>
+        <p:nvSpPr>
+          <p:cNvPr id="18" name="직사각형 17"/>
+          <p:cNvSpPr/>
+          <p:nvPr/>
+        </p:nvSpPr>
+        <p:spPr>
+          <a:xfrm>
+            <a:off x="6215452" y="1677889"/>
+            <a:ext cx="1754660" cy="494270"/>
+          </a:xfrm>
+          <a:prstGeom prst="rect">
+            <a:avLst/>
+          </a:prstGeom>
+        </p:spPr>
+        <p:style>
+          <a:lnRef idx="2">
+            <a:schemeClr val="accent6"/>
+          </a:lnRef>
+          <a:fillRef idx="1">
+            <a:schemeClr val="lt1"/>
+          </a:fillRef>
+          <a:effectRef idx="0">
+            <a:schemeClr val="accent6"/>
+          </a:effectRef>
+          <a:fontRef idx="minor">
+            <a:schemeClr val="dk1"/>
+          </a:fontRef>
+        </p:style>
+        <p:txBody>
+          <a:bodyPr rtlCol="0" anchor="ctr"/>
+          <a:lstStyle/>
+          <a:p>
+            <a:pPr algn="ctr"/>
+            <a:r>
+              <a:rPr lang="ko-KR" altLang="en-US" dirty="0"/>
+              <a:t>실시간</a:t>
+            </a:r>
+            <a:r>
+              <a:rPr lang="en-US" altLang="ko-KR" dirty="0"/>
+              <a:t> </a:t>
+            </a:r>
+            <a:r>
+              <a:rPr lang="ko-KR" altLang="en-US" dirty="0"/>
+              <a:t>채팅</a:t>
+            </a:r>
+          </a:p>
+        </p:txBody>
+      </p:sp>
+      <p:sp>
+        <p:nvSpPr>
+          <p:cNvPr id="10" name="직사각형 9"/>
+          <p:cNvSpPr/>
+          <p:nvPr/>
+        </p:nvSpPr>
+        <p:spPr>
+          <a:xfrm>
+            <a:off x="1272747" y="2229107"/>
+            <a:ext cx="1754660" cy="45719"/>
+          </a:xfrm>
+          <a:prstGeom prst="rect">
+            <a:avLst/>
+          </a:prstGeom>
+        </p:spPr>
+        <p:style>
+          <a:lnRef idx="2">
+            <a:schemeClr val="accent1">
+              <a:shade val="50000"/>
+            </a:schemeClr>
+          </a:lnRef>
+          <a:fillRef idx="1">
+            <a:schemeClr val="accent1"/>
+          </a:fillRef>
+          <a:effectRef idx="0">
+            <a:schemeClr val="accent1"/>
+          </a:effectRef>
+          <a:fontRef idx="minor">
+            <a:schemeClr val="lt1"/>
+          </a:fontRef>
+        </p:style>
+        <p:txBody>
+          <a:bodyPr rtlCol="0" anchor="ctr"/>
+          <a:lstStyle/>
+          <a:p>
+            <a:pPr algn="ctr"/>
+            <a:endParaRPr lang="ko-KR" altLang="en-US"/>
+          </a:p>
+        </p:txBody>
+      </p:sp>
+      <p:sp>
+        <p:nvSpPr>
+          <p:cNvPr id="21" name="직사각형 20"/>
+          <p:cNvSpPr/>
+          <p:nvPr/>
+        </p:nvSpPr>
+        <p:spPr>
+          <a:xfrm>
+            <a:off x="6215452" y="2225295"/>
+            <a:ext cx="1754660" cy="45719"/>
+          </a:xfrm>
+          <a:prstGeom prst="rect">
+            <a:avLst/>
+          </a:prstGeom>
+        </p:spPr>
+        <p:style>
+          <a:lnRef idx="2">
+            <a:schemeClr val="accent1">
+              <a:shade val="50000"/>
+            </a:schemeClr>
+          </a:lnRef>
+          <a:fillRef idx="1">
+            <a:schemeClr val="accent1"/>
+          </a:fillRef>
+          <a:effectRef idx="0">
+            <a:schemeClr val="accent1"/>
+          </a:effectRef>
+          <a:fontRef idx="minor">
+            <a:schemeClr val="lt1"/>
+          </a:fontRef>
+        </p:style>
+        <p:txBody>
+          <a:bodyPr rtlCol="0" anchor="ctr"/>
+          <a:lstStyle/>
+          <a:p>
+            <a:pPr algn="ctr"/>
+            <a:endParaRPr lang="ko-KR" altLang="en-US"/>
+          </a:p>
+        </p:txBody>
+      </p:sp>
+      <p:sp>
+        <p:nvSpPr>
+          <p:cNvPr id="13" name="직사각형 12"/>
+          <p:cNvSpPr/>
+          <p:nvPr/>
+        </p:nvSpPr>
+        <p:spPr>
+          <a:xfrm>
+            <a:off x="152403" y="3324894"/>
+            <a:ext cx="11887193" cy="3528552"/>
+          </a:xfrm>
+          <a:prstGeom prst="rect">
+            <a:avLst/>
+          </a:prstGeom>
+        </p:spPr>
+        <p:style>
+          <a:lnRef idx="2">
+            <a:schemeClr val="accent6"/>
+          </a:lnRef>
+          <a:fillRef idx="1">
+            <a:schemeClr val="lt1"/>
+          </a:fillRef>
+          <a:effectRef idx="0">
+            <a:schemeClr val="accent6"/>
+          </a:effectRef>
+          <a:fontRef idx="minor">
+            <a:schemeClr val="dk1"/>
+          </a:fontRef>
+        </p:style>
+        <p:txBody>
+          <a:bodyPr rtlCol="0" anchor="ctr"/>
+          <a:lstStyle/>
+          <a:p>
+            <a:pPr algn="ctr"/>
+            <a:endParaRPr lang="ko-KR" altLang="en-US" dirty="0"/>
+          </a:p>
+        </p:txBody>
+      </p:sp>
+      <p:sp>
+        <p:nvSpPr>
+          <p:cNvPr id="14" name="직사각형 13"/>
+          <p:cNvSpPr/>
+          <p:nvPr/>
+        </p:nvSpPr>
+        <p:spPr>
+          <a:xfrm>
+            <a:off x="3744099" y="1677889"/>
+            <a:ext cx="1754660" cy="494270"/>
+          </a:xfrm>
+          <a:prstGeom prst="rect">
+            <a:avLst/>
+          </a:prstGeom>
+        </p:spPr>
+        <p:style>
+          <a:lnRef idx="2">
+            <a:schemeClr val="accent6"/>
+          </a:lnRef>
+          <a:fillRef idx="1">
+            <a:schemeClr val="lt1"/>
+          </a:fillRef>
+          <a:effectRef idx="0">
+            <a:schemeClr val="accent6"/>
+          </a:effectRef>
+          <a:fontRef idx="minor">
+            <a:schemeClr val="dk1"/>
+          </a:fontRef>
+        </p:style>
+        <p:txBody>
+          <a:bodyPr rtlCol="0" anchor="ctr"/>
+          <a:lstStyle/>
+          <a:p>
+            <a:pPr algn="ctr"/>
+            <a:r>
+              <a:rPr lang="en-US" altLang="ko-KR" dirty="0"/>
+              <a:t>Q&amp;A</a:t>
+            </a:r>
+            <a:endParaRPr lang="ko-KR" altLang="en-US" dirty="0"/>
+          </a:p>
+        </p:txBody>
+      </p:sp>
+      <p:sp>
+        <p:nvSpPr>
+          <p:cNvPr id="15" name="직사각형 14"/>
+          <p:cNvSpPr/>
+          <p:nvPr/>
+        </p:nvSpPr>
+        <p:spPr>
+          <a:xfrm>
+            <a:off x="3744099" y="2225295"/>
+            <a:ext cx="1754660" cy="45719"/>
+          </a:xfrm>
+          <a:prstGeom prst="rect">
+            <a:avLst/>
+          </a:prstGeom>
+        </p:spPr>
+        <p:style>
+          <a:lnRef idx="2">
+            <a:schemeClr val="accent1">
+              <a:shade val="50000"/>
+            </a:schemeClr>
+          </a:lnRef>
+          <a:fillRef idx="1">
+            <a:schemeClr val="accent1"/>
+          </a:fillRef>
+          <a:effectRef idx="0">
+            <a:schemeClr val="accent1"/>
+          </a:effectRef>
+          <a:fontRef idx="minor">
+            <a:schemeClr val="lt1"/>
+          </a:fontRef>
+        </p:style>
+        <p:txBody>
+          <a:bodyPr rtlCol="0" anchor="ctr"/>
+          <a:lstStyle/>
+          <a:p>
+            <a:pPr algn="ctr"/>
+            <a:endParaRPr lang="ko-KR" altLang="en-US"/>
+          </a:p>
+        </p:txBody>
+      </p:sp>
+      <p:sp>
+        <p:nvSpPr>
+          <p:cNvPr id="16" name="직사각형 15"/>
+          <p:cNvSpPr/>
+          <p:nvPr/>
+        </p:nvSpPr>
+        <p:spPr>
+          <a:xfrm>
+            <a:off x="8686805" y="1677889"/>
+            <a:ext cx="1754660" cy="494270"/>
+          </a:xfrm>
+          <a:prstGeom prst="rect">
+            <a:avLst/>
+          </a:prstGeom>
+        </p:spPr>
+        <p:style>
+          <a:lnRef idx="2">
+            <a:schemeClr val="accent6"/>
+          </a:lnRef>
+          <a:fillRef idx="1">
+            <a:schemeClr val="lt1"/>
+          </a:fillRef>
+          <a:effectRef idx="0">
+            <a:schemeClr val="accent6"/>
+          </a:effectRef>
+          <a:fontRef idx="minor">
+            <a:schemeClr val="dk1"/>
+          </a:fontRef>
+        </p:style>
+        <p:txBody>
+          <a:bodyPr rtlCol="0" anchor="ctr"/>
+          <a:lstStyle/>
+          <a:p>
+            <a:pPr algn="ctr"/>
+            <a:r>
+              <a:rPr lang="ko-KR" altLang="en-US" b="1" dirty="0"/>
+              <a:t>자유게시판</a:t>
+            </a:r>
+          </a:p>
+        </p:txBody>
+      </p:sp>
+      <p:sp>
+        <p:nvSpPr>
+          <p:cNvPr id="17" name="직사각형 16"/>
+          <p:cNvSpPr/>
+          <p:nvPr/>
+        </p:nvSpPr>
+        <p:spPr>
+          <a:xfrm>
+            <a:off x="8686805" y="2225295"/>
+            <a:ext cx="1754660" cy="45719"/>
+          </a:xfrm>
+          <a:prstGeom prst="rect">
+            <a:avLst/>
+          </a:prstGeom>
+        </p:spPr>
+        <p:style>
+          <a:lnRef idx="2">
+            <a:schemeClr val="accent1">
+              <a:shade val="50000"/>
+            </a:schemeClr>
+          </a:lnRef>
+          <a:fillRef idx="1">
+            <a:schemeClr val="accent1"/>
+          </a:fillRef>
+          <a:effectRef idx="0">
+            <a:schemeClr val="accent1"/>
+          </a:effectRef>
+          <a:fontRef idx="minor">
+            <a:schemeClr val="lt1"/>
+          </a:fontRef>
+        </p:style>
+        <p:txBody>
+          <a:bodyPr rtlCol="0" anchor="ctr"/>
+          <a:lstStyle/>
+          <a:p>
+            <a:pPr algn="ctr"/>
+            <a:endParaRPr lang="ko-KR" altLang="en-US"/>
+          </a:p>
+        </p:txBody>
+      </p:sp>
+      <p:sp>
+        <p:nvSpPr>
+          <p:cNvPr id="26" name="직사각형 25"/>
+          <p:cNvSpPr/>
+          <p:nvPr/>
+        </p:nvSpPr>
+        <p:spPr>
+          <a:xfrm>
+            <a:off x="3383690" y="2496811"/>
+            <a:ext cx="4411367" cy="494270"/>
+          </a:xfrm>
+          <a:prstGeom prst="rect">
+            <a:avLst/>
+          </a:prstGeom>
+        </p:spPr>
+        <p:style>
+          <a:lnRef idx="2">
+            <a:schemeClr val="accent6"/>
+          </a:lnRef>
+          <a:fillRef idx="1">
+            <a:schemeClr val="lt1"/>
+          </a:fillRef>
+          <a:effectRef idx="0">
+            <a:schemeClr val="accent6"/>
+          </a:effectRef>
+          <a:fontRef idx="minor">
+            <a:schemeClr val="dk1"/>
+          </a:fontRef>
+        </p:style>
+        <p:txBody>
+          <a:bodyPr rtlCol="0" anchor="ctr"/>
+          <a:lstStyle/>
+          <a:p>
+            <a:pPr algn="ctr"/>
+            <a:r>
+              <a:rPr lang="ko-KR" altLang="en-US" dirty="0" err="1"/>
+              <a:t>검색창</a:t>
+            </a:r>
+            <a:endParaRPr lang="ko-KR" altLang="en-US" dirty="0"/>
+          </a:p>
+        </p:txBody>
+      </p:sp>
+      <p:sp>
+        <p:nvSpPr>
+          <p:cNvPr id="27" name="직사각형 26"/>
+          <p:cNvSpPr/>
+          <p:nvPr/>
+        </p:nvSpPr>
+        <p:spPr>
+          <a:xfrm>
+            <a:off x="7795057" y="2496811"/>
+            <a:ext cx="832663" cy="494270"/>
+          </a:xfrm>
+          <a:prstGeom prst="rect">
+            <a:avLst/>
+          </a:prstGeom>
+        </p:spPr>
+        <p:style>
+          <a:lnRef idx="2">
+            <a:schemeClr val="accent1">
+              <a:shade val="50000"/>
+            </a:schemeClr>
+          </a:lnRef>
+          <a:fillRef idx="1">
+            <a:schemeClr val="accent1"/>
+          </a:fillRef>
+          <a:effectRef idx="0">
+            <a:schemeClr val="accent1"/>
+          </a:effectRef>
+          <a:fontRef idx="minor">
+            <a:schemeClr val="lt1"/>
+          </a:fontRef>
+        </p:style>
+        <p:txBody>
+          <a:bodyPr rtlCol="0" anchor="ctr"/>
+          <a:lstStyle/>
+          <a:p>
+            <a:pPr algn="ctr"/>
+            <a:r>
+              <a:rPr lang="ko-KR" altLang="en-US" dirty="0"/>
+              <a:t>버튼</a:t>
+            </a:r>
+          </a:p>
+        </p:txBody>
+      </p:sp>
+      <p:sp>
+        <p:nvSpPr>
+          <p:cNvPr id="28" name="직사각형 27"/>
+          <p:cNvSpPr/>
+          <p:nvPr/>
+        </p:nvSpPr>
+        <p:spPr>
+          <a:xfrm>
+            <a:off x="11359337" y="3373154"/>
+            <a:ext cx="832663" cy="494270"/>
+          </a:xfrm>
+          <a:prstGeom prst="rect">
+            <a:avLst/>
+          </a:prstGeom>
+        </p:spPr>
+        <p:style>
+          <a:lnRef idx="2">
+            <a:schemeClr val="accent1">
+              <a:shade val="50000"/>
+            </a:schemeClr>
+          </a:lnRef>
+          <a:fillRef idx="1">
+            <a:schemeClr val="accent1"/>
+          </a:fillRef>
+          <a:effectRef idx="0">
+            <a:schemeClr val="accent1"/>
+          </a:effectRef>
+          <a:fontRef idx="minor">
+            <a:schemeClr val="lt1"/>
+          </a:fontRef>
+        </p:style>
+        <p:txBody>
+          <a:bodyPr rtlCol="0" anchor="ctr"/>
+          <a:lstStyle/>
+          <a:p>
+            <a:pPr algn="ctr"/>
+            <a:r>
+              <a:rPr lang="en-US" altLang="ko-KR" dirty="0"/>
               <a:t>TOP</a:t>
             </a:r>
             <a:endParaRPr lang="ko-KR" altLang="en-US" dirty="0"/>
@@ -6965,18 +7631,17 @@
           <a:p>
             <a:pPr algn="ctr"/>
             <a:r>
-              <a:rPr lang="ko-KR" altLang="en-US" sz="1200" dirty="0" smtClean="0"/>
+              <a:rPr lang="ko-KR" altLang="en-US" sz="1200" dirty="0"/>
               <a:t>제목</a:t>
             </a:r>
             <a:r>
-              <a:rPr lang="en-US" altLang="ko-KR" sz="1200" dirty="0" smtClean="0"/>
+              <a:rPr lang="en-US" altLang="ko-KR" sz="1200" dirty="0"/>
               <a:t>,</a:t>
             </a:r>
             <a:r>
-              <a:rPr lang="ko-KR" altLang="en-US" sz="1200" dirty="0" smtClean="0"/>
+              <a:rPr lang="ko-KR" altLang="en-US" sz="1200" dirty="0"/>
               <a:t>내용</a:t>
             </a:r>
-            <a:endParaRPr lang="ko-KR" altLang="en-US" sz="1200" dirty="0"/>
           </a:p>
         </p:txBody>
       </p:sp>
@@ -7010,82 +7675,6 @@
           <a:chExt cx="0" cy="0"/>
         </a:xfrm>
       </p:grpSpPr>
-      <p:pic>
-        <p:nvPicPr>
-          <p:cNvPr id="14" name="그림 13">
-            <a:extLst>
-              <a:ext uri="{FF2B5EF4-FFF2-40B4-BE49-F238E27FC236}">
-                <a16:creationId xmlns:a16="http://schemas.microsoft.com/office/drawing/2014/main" id="{2CA8B48E-D015-A6B7-7279-A0904523EC86}"/>
-              </a:ext>
-            </a:extLst>
-          </p:cNvPr>
-          <p:cNvPicPr>
-            <a:picLocks noChangeAspect="1"/>
-          </p:cNvPicPr>
-          <p:nvPr/>
-        </p:nvPicPr>
-        <p:blipFill>
-          <a:blip r:embed="rId2"/>
-          <a:stretch>
-            <a:fillRect/>
-          </a:stretch>
-        </p:blipFill>
-        <p:spPr>
-          <a:xfrm>
-            <a:off x="3825880" y="2037874"/>
-            <a:ext cx="2576413" cy="4442418"/>
-          </a:xfrm>
-          <a:prstGeom prst="rect">
-            <a:avLst/>
-          </a:prstGeom>
-        </p:spPr>
-      </p:pic>
-      <p:sp>
-        <p:nvSpPr>
-          <p:cNvPr id="2" name="직사각형 1">
-            <a:extLst>
-              <a:ext uri="{FF2B5EF4-FFF2-40B4-BE49-F238E27FC236}">
-                <a16:creationId xmlns:a16="http://schemas.microsoft.com/office/drawing/2014/main" id="{463D16ED-1706-04DA-F0B7-6BBDA3C18598}"/>
-              </a:ext>
-            </a:extLst>
-          </p:cNvPr>
-          <p:cNvSpPr/>
-          <p:nvPr/>
-        </p:nvSpPr>
-        <p:spPr>
-          <a:xfrm>
-            <a:off x="5416554" y="1964723"/>
-            <a:ext cx="2165683" cy="4625054"/>
-          </a:xfrm>
-          <a:prstGeom prst="rect">
-            <a:avLst/>
-          </a:prstGeom>
-        </p:spPr>
-        <p:style>
-          <a:lnRef idx="2">
-            <a:schemeClr val="accent1">
-              <a:shade val="50000"/>
-            </a:schemeClr>
-          </a:lnRef>
-          <a:fillRef idx="1">
-            <a:schemeClr val="accent1"/>
-          </a:fillRef>
-          <a:effectRef idx="0">
-            <a:schemeClr val="accent1"/>
-          </a:effectRef>
-          <a:fontRef idx="minor">
-            <a:schemeClr val="lt1"/>
-          </a:fontRef>
-        </p:style>
-        <p:txBody>
-          <a:bodyPr rtlCol="0" anchor="ctr"/>
-          <a:lstStyle/>
-          <a:p>
-            <a:pPr algn="ctr"/>
-            <a:endParaRPr lang="ko-KR" altLang="en-US"/>
-          </a:p>
-        </p:txBody>
-      </p:sp>
       <p:sp>
         <p:nvSpPr>
           <p:cNvPr id="7" name="직사각형 6">
@@ -7132,36 +7721,6 @@
           </a:p>
         </p:txBody>
       </p:sp>
-      <p:pic>
-        <p:nvPicPr>
-          <p:cNvPr id="16" name="그림 15">
-            <a:extLst>
-              <a:ext uri="{FF2B5EF4-FFF2-40B4-BE49-F238E27FC236}">
-                <a16:creationId xmlns:a16="http://schemas.microsoft.com/office/drawing/2014/main" id="{58D4FC7A-FF5E-53D8-D57F-A6F2F04525F9}"/>
-              </a:ext>
-            </a:extLst>
-          </p:cNvPr>
-          <p:cNvPicPr>
-            <a:picLocks noChangeAspect="1"/>
-          </p:cNvPicPr>
-          <p:nvPr/>
-        </p:nvPicPr>
-        <p:blipFill>
-          <a:blip r:embed="rId3"/>
-          <a:stretch>
-            <a:fillRect/>
-          </a:stretch>
-        </p:blipFill>
-        <p:spPr>
-          <a:xfrm>
-            <a:off x="5538926" y="2021729"/>
-            <a:ext cx="2384775" cy="4361262"/>
-          </a:xfrm>
-          <a:prstGeom prst="rect">
-            <a:avLst/>
-          </a:prstGeom>
-        </p:spPr>
-      </p:pic>
       <p:sp>
         <p:nvSpPr>
           <p:cNvPr id="5" name="직사각형 4"/>
@@ -7202,10 +7761,9 @@
           <a:p>
             <a:pPr algn="ctr"/>
             <a:r>
-              <a:rPr lang="ko-KR" altLang="en-US" dirty="0" smtClean="0"/>
+              <a:rPr lang="ko-KR" altLang="en-US" dirty="0"/>
               <a:t>로고</a:t>
             </a:r>
-            <a:endParaRPr lang="ko-KR" altLang="en-US" dirty="0"/>
           </a:p>
         </p:txBody>
       </p:sp>
@@ -7298,23 +7856,23 @@
           <a:p>
             <a:pPr algn="ctr"/>
             <a:r>
-              <a:rPr lang="ko-KR" altLang="en-US" dirty="0" smtClean="0"/>
+              <a:rPr lang="ko-KR" altLang="en-US" dirty="0"/>
               <a:t>로그인</a:t>
             </a:r>
             <a:r>
-              <a:rPr lang="en-US" altLang="ko-KR" dirty="0" smtClean="0"/>
+              <a:rPr lang="en-US" altLang="ko-KR" dirty="0"/>
               <a:t>/</a:t>
             </a:r>
             <a:r>
-              <a:rPr lang="ko-KR" altLang="en-US" dirty="0" smtClean="0"/>
+              <a:rPr lang="ko-KR" altLang="en-US" dirty="0"/>
               <a:t>회원가입</a:t>
             </a:r>
             <a:r>
-              <a:rPr lang="en-US" altLang="ko-KR" dirty="0" smtClean="0"/>
+              <a:rPr lang="en-US" altLang="ko-KR" dirty="0"/>
               <a:t>/</a:t>
             </a:r>
             <a:r>
-              <a:rPr lang="ko-KR" altLang="en-US" dirty="0" err="1" smtClean="0"/>
+              <a:rPr lang="ko-KR" altLang="en-US" dirty="0" err="1"/>
               <a:t>사이트맵</a:t>
             </a:r>
             <a:endParaRPr lang="ko-KR" altLang="en-US" dirty="0"/>
@@ -7376,24 +7934,24 @@
       </p:sp>
       <p:sp>
         <p:nvSpPr>
-          <p:cNvPr id="25" name="타원 24">
-            <a:extLst>
-              <a:ext uri="{FF2B5EF4-FFF2-40B4-BE49-F238E27FC236}">
-                <a16:creationId xmlns:a16="http://schemas.microsoft.com/office/drawing/2014/main" id="{3C67D037-C3F6-1E97-68F4-7D3E31422AF9}"/>
-              </a:ext>
-            </a:extLst>
-          </p:cNvPr>
-          <p:cNvSpPr/>
-          <p:nvPr/>
-        </p:nvSpPr>
-        <p:spPr>
-          <a:xfrm>
-            <a:off x="8004005" y="6101540"/>
-            <a:ext cx="1090569" cy="419449"/>
-          </a:xfrm>
-          <a:prstGeom prst="ellipse">
-            <a:avLst/>
-          </a:prstGeom>
+          <p:cNvPr id="2" name="직사각형 1"/>
+          <p:cNvSpPr/>
+          <p:nvPr/>
+        </p:nvSpPr>
+        <p:spPr>
+          <a:xfrm>
+            <a:off x="914400" y="964734"/>
+            <a:ext cx="8798011" cy="2173882"/>
+          </a:xfrm>
+          <a:prstGeom prst="rect">
+            <a:avLst/>
+          </a:prstGeom>
+          <a:solidFill>
+            <a:schemeClr val="accent1">
+              <a:lumMod val="60000"/>
+              <a:lumOff val="40000"/>
+            </a:schemeClr>
+          </a:solidFill>
         </p:spPr>
         <p:style>
           <a:lnRef idx="2">
@@ -7416,105 +7974,89 @@
           <a:lstStyle/>
           <a:p>
             <a:pPr algn="ctr"/>
-            <a:r>
-              <a:rPr lang="ko-KR" altLang="en-US"/>
-              <a:t>클릭</a:t>
-            </a:r>
-          </a:p>
-        </p:txBody>
-      </p:sp>
-      <p:sp>
-        <p:nvSpPr>
-          <p:cNvPr id="26" name="화살표: 왼쪽으로 구부러짐 9">
-            <a:extLst>
-              <a:ext uri="{FF2B5EF4-FFF2-40B4-BE49-F238E27FC236}">
-                <a16:creationId xmlns:a16="http://schemas.microsoft.com/office/drawing/2014/main" id="{27162F53-0071-63FB-CA6C-5F630779DDEF}"/>
-              </a:ext>
-            </a:extLst>
-          </p:cNvPr>
-          <p:cNvSpPr/>
-          <p:nvPr/>
-        </p:nvSpPr>
-        <p:spPr>
-          <a:xfrm>
-            <a:off x="7976418" y="3375981"/>
-            <a:ext cx="731520" cy="1216152"/>
-          </a:xfrm>
-          <a:prstGeom prst="curvedLeftArrow">
-            <a:avLst>
-              <a:gd name="adj1" fmla="val 25000"/>
-              <a:gd name="adj2" fmla="val 50000"/>
-              <a:gd name="adj3" fmla="val 23853"/>
-            </a:avLst>
-          </a:prstGeom>
-        </p:spPr>
-        <p:style>
-          <a:lnRef idx="2">
-            <a:schemeClr val="accent1">
-              <a:shade val="50000"/>
-            </a:schemeClr>
-          </a:lnRef>
-          <a:fillRef idx="1">
-            <a:schemeClr val="accent1"/>
-          </a:fillRef>
-          <a:effectRef idx="0">
-            <a:schemeClr val="accent1"/>
-          </a:effectRef>
-          <a:fontRef idx="minor">
-            <a:schemeClr val="lt1"/>
-          </a:fontRef>
-        </p:style>
-        <p:txBody>
-          <a:bodyPr rtlCol="0" anchor="ctr"/>
-          <a:lstStyle/>
-          <a:p>
-            <a:pPr algn="ctr"/>
-            <a:endParaRPr lang="ko-KR" altLang="en-US">
-              <a:solidFill>
-                <a:schemeClr val="tx1"/>
-              </a:solidFill>
-            </a:endParaRPr>
-          </a:p>
-        </p:txBody>
-      </p:sp>
-      <p:sp>
-        <p:nvSpPr>
-          <p:cNvPr id="9" name="직사각형 8"/>
-          <p:cNvSpPr/>
-          <p:nvPr/>
-        </p:nvSpPr>
-        <p:spPr>
-          <a:xfrm>
-            <a:off x="3019601" y="1138489"/>
-            <a:ext cx="5420064" cy="494270"/>
-          </a:xfrm>
-          <a:prstGeom prst="rect">
-            <a:avLst/>
-          </a:prstGeom>
-          <a:ln/>
-        </p:spPr>
-        <p:style>
-          <a:lnRef idx="2">
-            <a:schemeClr val="accent1"/>
-          </a:lnRef>
-          <a:fillRef idx="1">
-            <a:schemeClr val="lt1"/>
-          </a:fillRef>
-          <a:effectRef idx="0">
-            <a:schemeClr val="accent1"/>
-          </a:effectRef>
-          <a:fontRef idx="minor">
-            <a:schemeClr val="dk1"/>
-          </a:fontRef>
-        </p:style>
-        <p:txBody>
-          <a:bodyPr rtlCol="0" anchor="ctr"/>
-          <a:lstStyle/>
-          <a:p>
-            <a:pPr algn="ctr"/>
-            <a:r>
-              <a:rPr lang="ko-KR" altLang="en-US" dirty="0" err="1" smtClean="0"/>
-              <a:t>검색창</a:t>
+            <a:endParaRPr lang="ko-KR" altLang="en-US"/>
+          </a:p>
+        </p:txBody>
+      </p:sp>
+      <p:sp>
+        <p:nvSpPr>
+          <p:cNvPr id="3" name="TextBox 2"/>
+          <p:cNvSpPr txBox="1"/>
+          <p:nvPr/>
+        </p:nvSpPr>
+        <p:spPr>
+          <a:xfrm>
+            <a:off x="1272747" y="1180153"/>
+            <a:ext cx="1482810" cy="646331"/>
+          </a:xfrm>
+          <a:prstGeom prst="rect">
+            <a:avLst/>
+          </a:prstGeom>
+          <a:noFill/>
+        </p:spPr>
+        <p:txBody>
+          <a:bodyPr wrap="square" rtlCol="0">
+            <a:spAutoFit/>
+          </a:bodyPr>
+          <a:lstStyle/>
+          <a:p>
+            <a:r>
+              <a:rPr lang="ko-KR" altLang="en-US" dirty="0"/>
+              <a:t>사이트 소개</a:t>
+            </a:r>
+            <a:endParaRPr lang="en-US" altLang="ko-KR" dirty="0"/>
+          </a:p>
+          <a:p>
+            <a:r>
+              <a:rPr lang="ko-KR" altLang="en-US" dirty="0"/>
+              <a:t>이용방법</a:t>
+            </a:r>
+          </a:p>
+        </p:txBody>
+      </p:sp>
+      <p:sp>
+        <p:nvSpPr>
+          <p:cNvPr id="11" name="TextBox 10"/>
+          <p:cNvSpPr txBox="1"/>
+          <p:nvPr/>
+        </p:nvSpPr>
+        <p:spPr>
+          <a:xfrm>
+            <a:off x="3113904" y="1180153"/>
+            <a:ext cx="1482810" cy="1200329"/>
+          </a:xfrm>
+          <a:prstGeom prst="rect">
+            <a:avLst/>
+          </a:prstGeom>
+          <a:noFill/>
+        </p:spPr>
+        <p:txBody>
+          <a:bodyPr wrap="square" rtlCol="0">
+            <a:spAutoFit/>
+          </a:bodyPr>
+          <a:lstStyle/>
+          <a:p>
+            <a:r>
+              <a:rPr lang="en-US" altLang="ko-KR" dirty="0"/>
+              <a:t>Anatomy</a:t>
+            </a:r>
+          </a:p>
+          <a:p>
+            <a:r>
+              <a:rPr lang="en-US" altLang="ko-KR" dirty="0"/>
+              <a:t>Stretching</a:t>
+            </a:r>
+          </a:p>
+          <a:p>
+            <a:r>
+              <a:rPr lang="en-US" altLang="ko-KR" dirty="0"/>
+              <a:t>Exercise</a:t>
+            </a:r>
+          </a:p>
+          <a:p>
+            <a:r>
+              <a:rPr lang="en-US" altLang="ko-KR" dirty="0"/>
+              <a:t>Taping</a:t>
             </a:r>
             <a:endParaRPr lang="ko-KR" altLang="en-US" dirty="0"/>
           </a:p>
@@ -7522,52 +8064,108 @@
       </p:sp>
       <p:sp>
         <p:nvSpPr>
-          <p:cNvPr id="11" name="직사각형 10"/>
-          <p:cNvSpPr/>
-          <p:nvPr/>
-        </p:nvSpPr>
-        <p:spPr>
-          <a:xfrm>
-            <a:off x="8439665" y="1138489"/>
-            <a:ext cx="832663" cy="494270"/>
-          </a:xfrm>
-          <a:prstGeom prst="rect">
-            <a:avLst/>
-          </a:prstGeom>
-        </p:spPr>
-        <p:style>
-          <a:lnRef idx="2">
-            <a:schemeClr val="accent1">
-              <a:shade val="50000"/>
-            </a:schemeClr>
-          </a:lnRef>
-          <a:fillRef idx="1">
-            <a:schemeClr val="accent1"/>
-          </a:fillRef>
-          <a:effectRef idx="0">
-            <a:schemeClr val="accent1"/>
-          </a:effectRef>
-          <a:fontRef idx="minor">
-            <a:schemeClr val="lt1"/>
-          </a:fontRef>
-        </p:style>
-        <p:txBody>
-          <a:bodyPr rtlCol="0" anchor="ctr"/>
-          <a:lstStyle/>
-          <a:p>
-            <a:pPr algn="ctr"/>
-            <a:r>
-              <a:rPr lang="ko-KR" altLang="en-US" dirty="0" smtClean="0"/>
-              <a:t>버튼</a:t>
+          <p:cNvPr id="12" name="TextBox 11"/>
+          <p:cNvSpPr txBox="1"/>
+          <p:nvPr/>
+        </p:nvSpPr>
+        <p:spPr>
+          <a:xfrm>
+            <a:off x="5362836" y="1180153"/>
+            <a:ext cx="1482810" cy="1200329"/>
+          </a:xfrm>
+          <a:prstGeom prst="rect">
+            <a:avLst/>
+          </a:prstGeom>
+          <a:noFill/>
+        </p:spPr>
+        <p:txBody>
+          <a:bodyPr wrap="square" rtlCol="0">
+            <a:spAutoFit/>
+          </a:bodyPr>
+          <a:lstStyle/>
+          <a:p>
+            <a:r>
+              <a:rPr lang="en-US" altLang="ko-KR" dirty="0"/>
+              <a:t>Anatomy</a:t>
+            </a:r>
+          </a:p>
+          <a:p>
+            <a:r>
+              <a:rPr lang="en-US" altLang="ko-KR" dirty="0"/>
+              <a:t>Stretching</a:t>
+            </a:r>
+          </a:p>
+          <a:p>
+            <a:r>
+              <a:rPr lang="en-US" altLang="ko-KR" dirty="0"/>
+              <a:t>Exercise</a:t>
+            </a:r>
+          </a:p>
+          <a:p>
+            <a:r>
+              <a:rPr lang="en-US" altLang="ko-KR" dirty="0"/>
+              <a:t>Taping</a:t>
             </a:r>
             <a:endParaRPr lang="ko-KR" altLang="en-US" dirty="0"/>
+          </a:p>
+        </p:txBody>
+      </p:sp>
+      <p:sp>
+        <p:nvSpPr>
+          <p:cNvPr id="13" name="TextBox 12"/>
+          <p:cNvSpPr txBox="1"/>
+          <p:nvPr/>
+        </p:nvSpPr>
+        <p:spPr>
+          <a:xfrm>
+            <a:off x="7611764" y="1183157"/>
+            <a:ext cx="1482810" cy="1200329"/>
+          </a:xfrm>
+          <a:prstGeom prst="rect">
+            <a:avLst/>
+          </a:prstGeom>
+          <a:noFill/>
+        </p:spPr>
+        <p:txBody>
+          <a:bodyPr wrap="square" rtlCol="0">
+            <a:spAutoFit/>
+          </a:bodyPr>
+          <a:lstStyle/>
+          <a:p>
+            <a:r>
+              <a:rPr lang="ko-KR" altLang="en-US" dirty="0"/>
+              <a:t>공지사항</a:t>
+            </a:r>
+            <a:endParaRPr lang="en-US" altLang="ko-KR" dirty="0"/>
+          </a:p>
+          <a:p>
+            <a:r>
+              <a:rPr lang="en-US" altLang="ko-KR" dirty="0"/>
+              <a:t>Q&amp;A</a:t>
+            </a:r>
+          </a:p>
+          <a:p>
+            <a:r>
+              <a:rPr lang="ko-KR" altLang="en-US" dirty="0"/>
+              <a:t>실시간 채팅 </a:t>
+            </a:r>
+            <a:r>
+              <a:rPr lang="en-US" altLang="ko-KR" dirty="0"/>
+              <a:t> </a:t>
+            </a:r>
+          </a:p>
+          <a:p>
+            <a:r>
+              <a:rPr lang="ko-KR" altLang="en-US" dirty="0"/>
+              <a:t>자유게시판</a:t>
+            </a:r>
           </a:p>
         </p:txBody>
       </p:sp>
     </p:spTree>
     <p:extLst>
       <p:ext uri="{BB962C8B-B14F-4D97-AF65-F5344CB8AC3E}">
-        <p14:creationId xmlns:p14="http://schemas.microsoft.com/office/powerpoint/2010/main" val="584882605"/>
+        <p14:creationId xmlns:p14="http://schemas.microsoft.com/office/powerpoint/2010/main" val="4028363531"/>
       </p:ext>
     </p:extLst>
   </p:cSld>
@@ -7594,6 +8192,82 @@
           <a:chExt cx="0" cy="0"/>
         </a:xfrm>
       </p:grpSpPr>
+      <p:pic>
+        <p:nvPicPr>
+          <p:cNvPr id="14" name="그림 13">
+            <a:extLst>
+              <a:ext uri="{FF2B5EF4-FFF2-40B4-BE49-F238E27FC236}">
+                <a16:creationId xmlns:a16="http://schemas.microsoft.com/office/drawing/2014/main" id="{2CA8B48E-D015-A6B7-7279-A0904523EC86}"/>
+              </a:ext>
+            </a:extLst>
+          </p:cNvPr>
+          <p:cNvPicPr>
+            <a:picLocks noChangeAspect="1"/>
+          </p:cNvPicPr>
+          <p:nvPr/>
+        </p:nvPicPr>
+        <p:blipFill>
+          <a:blip r:embed="rId2"/>
+          <a:stretch>
+            <a:fillRect/>
+          </a:stretch>
+        </p:blipFill>
+        <p:spPr>
+          <a:xfrm>
+            <a:off x="3825880" y="2037874"/>
+            <a:ext cx="2576413" cy="4442418"/>
+          </a:xfrm>
+          <a:prstGeom prst="rect">
+            <a:avLst/>
+          </a:prstGeom>
+        </p:spPr>
+      </p:pic>
+      <p:sp>
+        <p:nvSpPr>
+          <p:cNvPr id="2" name="직사각형 1">
+            <a:extLst>
+              <a:ext uri="{FF2B5EF4-FFF2-40B4-BE49-F238E27FC236}">
+                <a16:creationId xmlns:a16="http://schemas.microsoft.com/office/drawing/2014/main" id="{463D16ED-1706-04DA-F0B7-6BBDA3C18598}"/>
+              </a:ext>
+            </a:extLst>
+          </p:cNvPr>
+          <p:cNvSpPr/>
+          <p:nvPr/>
+        </p:nvSpPr>
+        <p:spPr>
+          <a:xfrm>
+            <a:off x="5416554" y="1964723"/>
+            <a:ext cx="2165683" cy="4625054"/>
+          </a:xfrm>
+          <a:prstGeom prst="rect">
+            <a:avLst/>
+          </a:prstGeom>
+        </p:spPr>
+        <p:style>
+          <a:lnRef idx="2">
+            <a:schemeClr val="accent1">
+              <a:shade val="50000"/>
+            </a:schemeClr>
+          </a:lnRef>
+          <a:fillRef idx="1">
+            <a:schemeClr val="accent1"/>
+          </a:fillRef>
+          <a:effectRef idx="0">
+            <a:schemeClr val="accent1"/>
+          </a:effectRef>
+          <a:fontRef idx="minor">
+            <a:schemeClr val="lt1"/>
+          </a:fontRef>
+        </p:style>
+        <p:txBody>
+          <a:bodyPr rtlCol="0" anchor="ctr"/>
+          <a:lstStyle/>
+          <a:p>
+            <a:pPr algn="ctr"/>
+            <a:endParaRPr lang="ko-KR" altLang="en-US"/>
+          </a:p>
+        </p:txBody>
+      </p:sp>
       <p:sp>
         <p:nvSpPr>
           <p:cNvPr id="7" name="직사각형 6">
@@ -7640,6 +8314,36 @@
           </a:p>
         </p:txBody>
       </p:sp>
+      <p:pic>
+        <p:nvPicPr>
+          <p:cNvPr id="16" name="그림 15">
+            <a:extLst>
+              <a:ext uri="{FF2B5EF4-FFF2-40B4-BE49-F238E27FC236}">
+                <a16:creationId xmlns:a16="http://schemas.microsoft.com/office/drawing/2014/main" id="{58D4FC7A-FF5E-53D8-D57F-A6F2F04525F9}"/>
+              </a:ext>
+            </a:extLst>
+          </p:cNvPr>
+          <p:cNvPicPr>
+            <a:picLocks noChangeAspect="1"/>
+          </p:cNvPicPr>
+          <p:nvPr/>
+        </p:nvPicPr>
+        <p:blipFill>
+          <a:blip r:embed="rId3"/>
+          <a:stretch>
+            <a:fillRect/>
+          </a:stretch>
+        </p:blipFill>
+        <p:spPr>
+          <a:xfrm>
+            <a:off x="5538926" y="2021729"/>
+            <a:ext cx="2384775" cy="4361262"/>
+          </a:xfrm>
+          <a:prstGeom prst="rect">
+            <a:avLst/>
+          </a:prstGeom>
+        </p:spPr>
+      </p:pic>
       <p:sp>
         <p:nvSpPr>
           <p:cNvPr id="5" name="직사각형 4"/>
@@ -7680,10 +8384,9 @@
           <a:p>
             <a:pPr algn="ctr"/>
             <a:r>
-              <a:rPr lang="ko-KR" altLang="en-US" dirty="0" smtClean="0"/>
+              <a:rPr lang="ko-KR" altLang="en-US" dirty="0"/>
               <a:t>로고</a:t>
             </a:r>
-            <a:endParaRPr lang="ko-KR" altLang="en-US" dirty="0"/>
           </a:p>
         </p:txBody>
       </p:sp>
@@ -7776,23 +8479,23 @@
           <a:p>
             <a:pPr algn="ctr"/>
             <a:r>
-              <a:rPr lang="ko-KR" altLang="en-US" dirty="0" smtClean="0"/>
+              <a:rPr lang="ko-KR" altLang="en-US" dirty="0"/>
               <a:t>로그인</a:t>
             </a:r>
             <a:r>
-              <a:rPr lang="en-US" altLang="ko-KR" dirty="0" smtClean="0"/>
+              <a:rPr lang="en-US" altLang="ko-KR" dirty="0"/>
               <a:t>/</a:t>
             </a:r>
             <a:r>
-              <a:rPr lang="ko-KR" altLang="en-US" dirty="0" smtClean="0"/>
+              <a:rPr lang="ko-KR" altLang="en-US" dirty="0"/>
               <a:t>회원가입</a:t>
             </a:r>
             <a:r>
-              <a:rPr lang="en-US" altLang="ko-KR" dirty="0" smtClean="0"/>
+              <a:rPr lang="en-US" altLang="ko-KR" dirty="0"/>
               <a:t>/</a:t>
             </a:r>
             <a:r>
-              <a:rPr lang="ko-KR" altLang="en-US" dirty="0" err="1" smtClean="0"/>
+              <a:rPr lang="ko-KR" altLang="en-US" dirty="0" err="1"/>
               <a:t>사이트맵</a:t>
             </a:r>
             <a:endParaRPr lang="ko-KR" altLang="en-US" dirty="0"/>
@@ -7854,24 +8557,24 @@
       </p:sp>
       <p:sp>
         <p:nvSpPr>
-          <p:cNvPr id="15" name="직사각형 14"/>
-          <p:cNvSpPr/>
-          <p:nvPr/>
-        </p:nvSpPr>
-        <p:spPr>
-          <a:xfrm>
-            <a:off x="263611" y="2080054"/>
-            <a:ext cx="4802659" cy="3863546"/>
-          </a:xfrm>
-          <a:prstGeom prst="rect">
-            <a:avLst/>
-          </a:prstGeom>
-          <a:solidFill>
-            <a:schemeClr val="accent1">
-              <a:lumMod val="60000"/>
-              <a:lumOff val="40000"/>
-            </a:schemeClr>
-          </a:solidFill>
+          <p:cNvPr id="25" name="타원 24">
+            <a:extLst>
+              <a:ext uri="{FF2B5EF4-FFF2-40B4-BE49-F238E27FC236}">
+                <a16:creationId xmlns:a16="http://schemas.microsoft.com/office/drawing/2014/main" id="{3C67D037-C3F6-1E97-68F4-7D3E31422AF9}"/>
+              </a:ext>
+            </a:extLst>
+          </p:cNvPr>
+          <p:cNvSpPr/>
+          <p:nvPr/>
+        </p:nvSpPr>
+        <p:spPr>
+          <a:xfrm>
+            <a:off x="8004005" y="6101540"/>
+            <a:ext cx="1090569" cy="419449"/>
+          </a:xfrm>
+          <a:prstGeom prst="ellipse">
+            <a:avLst/>
+          </a:prstGeom>
         </p:spPr>
         <p:style>
           <a:lnRef idx="2">
@@ -7895,33 +8598,36 @@
           <a:p>
             <a:pPr algn="ctr"/>
             <a:r>
-              <a:rPr lang="en-US" altLang="ko-KR" dirty="0" err="1" smtClean="0"/>
-              <a:t>Img</a:t>
-            </a:r>
-            <a:endParaRPr lang="ko-KR" altLang="en-US" dirty="0"/>
-          </a:p>
-        </p:txBody>
-      </p:sp>
-      <p:sp>
-        <p:nvSpPr>
-          <p:cNvPr id="17" name="직사각형 16"/>
-          <p:cNvSpPr/>
-          <p:nvPr/>
-        </p:nvSpPr>
-        <p:spPr>
-          <a:xfrm>
-            <a:off x="6384325" y="2080054"/>
-            <a:ext cx="4802659" cy="3863546"/>
-          </a:xfrm>
-          <a:prstGeom prst="rect">
-            <a:avLst/>
-          </a:prstGeom>
-          <a:solidFill>
-            <a:schemeClr val="accent1">
-              <a:lumMod val="60000"/>
-              <a:lumOff val="40000"/>
-            </a:schemeClr>
-          </a:solidFill>
+              <a:rPr lang="ko-KR" altLang="en-US"/>
+              <a:t>클릭</a:t>
+            </a:r>
+          </a:p>
+        </p:txBody>
+      </p:sp>
+      <p:sp>
+        <p:nvSpPr>
+          <p:cNvPr id="26" name="화살표: 왼쪽으로 구부러짐 9">
+            <a:extLst>
+              <a:ext uri="{FF2B5EF4-FFF2-40B4-BE49-F238E27FC236}">
+                <a16:creationId xmlns:a16="http://schemas.microsoft.com/office/drawing/2014/main" id="{27162F53-0071-63FB-CA6C-5F630779DDEF}"/>
+              </a:ext>
+            </a:extLst>
+          </p:cNvPr>
+          <p:cNvSpPr/>
+          <p:nvPr/>
+        </p:nvSpPr>
+        <p:spPr>
+          <a:xfrm>
+            <a:off x="7976418" y="3375981"/>
+            <a:ext cx="731520" cy="1216152"/>
+          </a:xfrm>
+          <a:prstGeom prst="curvedLeftArrow">
+            <a:avLst>
+              <a:gd name="adj1" fmla="val 25000"/>
+              <a:gd name="adj2" fmla="val 50000"/>
+              <a:gd name="adj3" fmla="val 23853"/>
+            </a:avLst>
+          </a:prstGeom>
         </p:spPr>
         <p:style>
           <a:lnRef idx="2">
@@ -7944,30 +8650,104 @@
           <a:lstStyle/>
           <a:p>
             <a:pPr algn="ctr"/>
-            <a:r>
-              <a:rPr lang="ko-KR" altLang="en-US" dirty="0" err="1" smtClean="0"/>
-              <a:t>웜업</a:t>
-            </a:r>
-            <a:r>
-              <a:rPr lang="ko-KR" altLang="en-US" dirty="0" smtClean="0"/>
-              <a:t> </a:t>
-            </a:r>
-            <a:r>
-              <a:rPr lang="ko-KR" altLang="en-US" dirty="0" err="1" smtClean="0"/>
-              <a:t>설명글</a:t>
-            </a:r>
-            <a:r>
-              <a:rPr lang="en-US" altLang="ko-KR" dirty="0" smtClean="0"/>
-              <a:t> </a:t>
+            <a:endParaRPr lang="ko-KR" altLang="en-US">
+              <a:solidFill>
+                <a:schemeClr val="tx1"/>
+              </a:solidFill>
+            </a:endParaRPr>
+          </a:p>
+        </p:txBody>
+      </p:sp>
+      <p:sp>
+        <p:nvSpPr>
+          <p:cNvPr id="9" name="직사각형 8"/>
+          <p:cNvSpPr/>
+          <p:nvPr/>
+        </p:nvSpPr>
+        <p:spPr>
+          <a:xfrm>
+            <a:off x="3019601" y="1138489"/>
+            <a:ext cx="5420064" cy="494270"/>
+          </a:xfrm>
+          <a:prstGeom prst="rect">
+            <a:avLst/>
+          </a:prstGeom>
+          <a:ln/>
+        </p:spPr>
+        <p:style>
+          <a:lnRef idx="2">
+            <a:schemeClr val="accent1"/>
+          </a:lnRef>
+          <a:fillRef idx="1">
+            <a:schemeClr val="lt1"/>
+          </a:fillRef>
+          <a:effectRef idx="0">
+            <a:schemeClr val="accent1"/>
+          </a:effectRef>
+          <a:fontRef idx="minor">
+            <a:schemeClr val="dk1"/>
+          </a:fontRef>
+        </p:style>
+        <p:txBody>
+          <a:bodyPr rtlCol="0" anchor="ctr"/>
+          <a:lstStyle/>
+          <a:p>
+            <a:pPr algn="ctr"/>
+            <a:r>
+              <a:rPr lang="ko-KR" altLang="en-US" dirty="0" err="1"/>
+              <a:t>검색창</a:t>
             </a:r>
             <a:endParaRPr lang="ko-KR" altLang="en-US" dirty="0"/>
+          </a:p>
+        </p:txBody>
+      </p:sp>
+      <p:sp>
+        <p:nvSpPr>
+          <p:cNvPr id="11" name="직사각형 10"/>
+          <p:cNvSpPr/>
+          <p:nvPr/>
+        </p:nvSpPr>
+        <p:spPr>
+          <a:xfrm>
+            <a:off x="8439665" y="1138489"/>
+            <a:ext cx="832663" cy="494270"/>
+          </a:xfrm>
+          <a:prstGeom prst="rect">
+            <a:avLst/>
+          </a:prstGeom>
+        </p:spPr>
+        <p:style>
+          <a:lnRef idx="2">
+            <a:schemeClr val="accent1">
+              <a:shade val="50000"/>
+            </a:schemeClr>
+          </a:lnRef>
+          <a:fillRef idx="1">
+            <a:schemeClr val="accent1"/>
+          </a:fillRef>
+          <a:effectRef idx="0">
+            <a:schemeClr val="accent1"/>
+          </a:effectRef>
+          <a:fontRef idx="minor">
+            <a:schemeClr val="lt1"/>
+          </a:fontRef>
+        </p:style>
+        <p:txBody>
+          <a:bodyPr rtlCol="0" anchor="ctr"/>
+          <a:lstStyle/>
+          <a:p>
+            <a:pPr algn="ctr"/>
+            <a:r>
+              <a:rPr lang="ko-KR" altLang="en-US" dirty="0"/>
+              <a:t>버튼</a:t>
+            </a:r>
           </a:p>
         </p:txBody>
       </p:sp>
     </p:spTree>
     <p:extLst>
       <p:ext uri="{BB962C8B-B14F-4D97-AF65-F5344CB8AC3E}">
-        <p14:creationId xmlns:p14="http://schemas.microsoft.com/office/powerpoint/2010/main" val="3481791588"/>
+        <p14:creationId xmlns:p14="http://schemas.microsoft.com/office/powerpoint/2010/main" val="584882605"/>
       </p:ext>
     </p:extLst>
   </p:cSld>
@@ -8080,10 +8860,9 @@
           <a:p>
             <a:pPr algn="ctr"/>
             <a:r>
-              <a:rPr lang="ko-KR" altLang="en-US" dirty="0" smtClean="0"/>
+              <a:rPr lang="ko-KR" altLang="en-US" dirty="0"/>
               <a:t>로고</a:t>
             </a:r>
-            <a:endParaRPr lang="ko-KR" altLang="en-US" dirty="0"/>
           </a:p>
         </p:txBody>
       </p:sp>
@@ -8176,23 +8955,23 @@
           <a:p>
             <a:pPr algn="ctr"/>
             <a:r>
-              <a:rPr lang="ko-KR" altLang="en-US" dirty="0" smtClean="0"/>
+              <a:rPr lang="ko-KR" altLang="en-US" dirty="0"/>
               <a:t>로그인</a:t>
             </a:r>
             <a:r>
-              <a:rPr lang="en-US" altLang="ko-KR" dirty="0" smtClean="0"/>
+              <a:rPr lang="en-US" altLang="ko-KR" dirty="0"/>
               <a:t>/</a:t>
             </a:r>
             <a:r>
-              <a:rPr lang="ko-KR" altLang="en-US" dirty="0" smtClean="0"/>
+              <a:rPr lang="ko-KR" altLang="en-US" dirty="0"/>
               <a:t>회원가입</a:t>
             </a:r>
             <a:r>
-              <a:rPr lang="en-US" altLang="ko-KR" dirty="0" smtClean="0"/>
+              <a:rPr lang="en-US" altLang="ko-KR" dirty="0"/>
               <a:t>/</a:t>
             </a:r>
             <a:r>
-              <a:rPr lang="ko-KR" altLang="en-US" dirty="0" err="1" smtClean="0"/>
+              <a:rPr lang="ko-KR" altLang="en-US" dirty="0" err="1"/>
               <a:t>사이트맵</a:t>
             </a:r>
             <a:endParaRPr lang="ko-KR" altLang="en-US" dirty="0"/>
@@ -8295,7 +9074,7 @@
           <a:p>
             <a:pPr algn="ctr"/>
             <a:r>
-              <a:rPr lang="en-US" altLang="ko-KR" dirty="0" err="1" smtClean="0"/>
+              <a:rPr lang="en-US" altLang="ko-KR" dirty="0" err="1"/>
               <a:t>Img</a:t>
             </a:r>
             <a:endParaRPr lang="ko-KR" altLang="en-US" dirty="0"/>
@@ -8310,7 +9089,7 @@
         </p:nvSpPr>
         <p:spPr>
           <a:xfrm>
-            <a:off x="6347254" y="2080054"/>
+            <a:off x="6384325" y="2080054"/>
             <a:ext cx="4802659" cy="3863546"/>
           </a:xfrm>
           <a:prstGeom prst="rect">
@@ -8345,19 +9124,19 @@
           <a:p>
             <a:pPr algn="ctr"/>
             <a:r>
-              <a:rPr lang="ko-KR" altLang="en-US" dirty="0" err="1" smtClean="0"/>
-              <a:t>쿨다운</a:t>
-            </a:r>
-            <a:r>
-              <a:rPr lang="ko-KR" altLang="en-US" dirty="0" smtClean="0"/>
+              <a:rPr lang="ko-KR" altLang="en-US" dirty="0" err="1"/>
+              <a:t>웜업</a:t>
+            </a:r>
+            <a:r>
+              <a:rPr lang="ko-KR" altLang="en-US" dirty="0"/>
               <a:t> </a:t>
             </a:r>
             <a:r>
-              <a:rPr lang="ko-KR" altLang="en-US" dirty="0" err="1" smtClean="0"/>
+              <a:rPr lang="ko-KR" altLang="en-US" dirty="0" err="1"/>
               <a:t>설명글</a:t>
             </a:r>
             <a:r>
-              <a:rPr lang="en-US" altLang="ko-KR" dirty="0" smtClean="0"/>
+              <a:rPr lang="en-US" altLang="ko-KR" dirty="0"/>
               <a:t> </a:t>
             </a:r>
             <a:endParaRPr lang="ko-KR" altLang="en-US" dirty="0"/>
@@ -8367,7 +9146,7 @@
     </p:spTree>
     <p:extLst>
       <p:ext uri="{BB962C8B-B14F-4D97-AF65-F5344CB8AC3E}">
-        <p14:creationId xmlns:p14="http://schemas.microsoft.com/office/powerpoint/2010/main" val="4013054715"/>
+        <p14:creationId xmlns:p14="http://schemas.microsoft.com/office/powerpoint/2010/main" val="3481791588"/>
       </p:ext>
     </p:extLst>
   </p:cSld>
@@ -8480,10 +9259,9 @@
           <a:p>
             <a:pPr algn="ctr"/>
             <a:r>
-              <a:rPr lang="ko-KR" altLang="en-US" dirty="0" smtClean="0"/>
+              <a:rPr lang="ko-KR" altLang="en-US" dirty="0"/>
               <a:t>로고</a:t>
             </a:r>
-            <a:endParaRPr lang="ko-KR" altLang="en-US" dirty="0"/>
           </a:p>
         </p:txBody>
       </p:sp>
@@ -8576,23 +9354,23 @@
           <a:p>
             <a:pPr algn="ctr"/>
             <a:r>
-              <a:rPr lang="ko-KR" altLang="en-US" dirty="0" smtClean="0"/>
+              <a:rPr lang="ko-KR" altLang="en-US" dirty="0"/>
               <a:t>로그인</a:t>
             </a:r>
             <a:r>
-              <a:rPr lang="en-US" altLang="ko-KR" dirty="0" smtClean="0"/>
+              <a:rPr lang="en-US" altLang="ko-KR" dirty="0"/>
               <a:t>/</a:t>
             </a:r>
             <a:r>
-              <a:rPr lang="ko-KR" altLang="en-US" dirty="0" smtClean="0"/>
+              <a:rPr lang="ko-KR" altLang="en-US" dirty="0"/>
               <a:t>회원가입</a:t>
             </a:r>
             <a:r>
-              <a:rPr lang="en-US" altLang="ko-KR" dirty="0" smtClean="0"/>
+              <a:rPr lang="en-US" altLang="ko-KR" dirty="0"/>
               <a:t>/</a:t>
             </a:r>
             <a:r>
-              <a:rPr lang="ko-KR" altLang="en-US" dirty="0" err="1" smtClean="0"/>
+              <a:rPr lang="ko-KR" altLang="en-US" dirty="0" err="1"/>
               <a:t>사이트맵</a:t>
             </a:r>
             <a:endParaRPr lang="ko-KR" altLang="en-US" dirty="0"/>
@@ -8622,7 +9400,7 @@
           <a:lstStyle/>
           <a:p>
             <a:r>
-              <a:rPr lang="ko-KR" altLang="en-US" b="1" dirty="0"/>
+              <a:rPr lang="ko-KR" altLang="en-US" dirty="0"/>
               <a:t>사이트 소개  </a:t>
             </a:r>
             <a:r>
@@ -8654,102 +9432,24 @@
       </p:sp>
       <p:sp>
         <p:nvSpPr>
-          <p:cNvPr id="4" name="직사각형 3"/>
-          <p:cNvSpPr/>
-          <p:nvPr/>
-        </p:nvSpPr>
-        <p:spPr>
-          <a:xfrm>
-            <a:off x="3126258" y="1742302"/>
-            <a:ext cx="1754660" cy="494270"/>
-          </a:xfrm>
-          <a:prstGeom prst="rect">
-            <a:avLst/>
-          </a:prstGeom>
-        </p:spPr>
-        <p:style>
-          <a:lnRef idx="2">
-            <a:schemeClr val="accent6"/>
-          </a:lnRef>
-          <a:fillRef idx="1">
-            <a:schemeClr val="lt1"/>
-          </a:fillRef>
-          <a:effectRef idx="0">
-            <a:schemeClr val="accent6"/>
-          </a:effectRef>
-          <a:fontRef idx="minor">
-            <a:schemeClr val="dk1"/>
-          </a:fontRef>
-        </p:style>
-        <p:txBody>
-          <a:bodyPr rtlCol="0" anchor="ctr"/>
-          <a:lstStyle/>
-          <a:p>
-            <a:pPr algn="ctr"/>
-            <a:r>
-              <a:rPr lang="ko-KR" altLang="en-US" b="1" dirty="0" smtClean="0"/>
-              <a:t>사이트 소개</a:t>
-            </a:r>
-            <a:endParaRPr lang="ko-KR" altLang="en-US" b="1" dirty="0"/>
-          </a:p>
-        </p:txBody>
-      </p:sp>
-      <p:sp>
-        <p:nvSpPr>
-          <p:cNvPr id="18" name="직사각형 17"/>
-          <p:cNvSpPr/>
-          <p:nvPr/>
-        </p:nvSpPr>
-        <p:spPr>
-          <a:xfrm>
-            <a:off x="6639697" y="1742302"/>
-            <a:ext cx="1754660" cy="494270"/>
-          </a:xfrm>
-          <a:prstGeom prst="rect">
-            <a:avLst/>
-          </a:prstGeom>
-        </p:spPr>
-        <p:style>
-          <a:lnRef idx="2">
-            <a:schemeClr val="accent6"/>
-          </a:lnRef>
-          <a:fillRef idx="1">
-            <a:schemeClr val="lt1"/>
-          </a:fillRef>
-          <a:effectRef idx="0">
-            <a:schemeClr val="accent6"/>
-          </a:effectRef>
-          <a:fontRef idx="minor">
-            <a:schemeClr val="dk1"/>
-          </a:fontRef>
-        </p:style>
-        <p:txBody>
-          <a:bodyPr rtlCol="0" anchor="ctr"/>
-          <a:lstStyle/>
-          <a:p>
-            <a:pPr algn="ctr"/>
-            <a:r>
-              <a:rPr lang="ko-KR" altLang="en-US" dirty="0" smtClean="0"/>
-              <a:t>이용방법</a:t>
-            </a:r>
-            <a:endParaRPr lang="ko-KR" altLang="en-US" dirty="0"/>
-          </a:p>
-        </p:txBody>
-      </p:sp>
-      <p:sp>
-        <p:nvSpPr>
-          <p:cNvPr id="10" name="직사각형 9"/>
-          <p:cNvSpPr/>
-          <p:nvPr/>
-        </p:nvSpPr>
-        <p:spPr>
-          <a:xfrm>
-            <a:off x="3126258" y="2289708"/>
-            <a:ext cx="1754660" cy="45719"/>
-          </a:xfrm>
-          <a:prstGeom prst="rect">
-            <a:avLst/>
-          </a:prstGeom>
+          <p:cNvPr id="15" name="직사각형 14"/>
+          <p:cNvSpPr/>
+          <p:nvPr/>
+        </p:nvSpPr>
+        <p:spPr>
+          <a:xfrm>
+            <a:off x="263611" y="2080054"/>
+            <a:ext cx="4802659" cy="3863546"/>
+          </a:xfrm>
+          <a:prstGeom prst="rect">
+            <a:avLst/>
+          </a:prstGeom>
+          <a:solidFill>
+            <a:schemeClr val="accent1">
+              <a:lumMod val="60000"/>
+              <a:lumOff val="40000"/>
+            </a:schemeClr>
+          </a:solidFill>
         </p:spPr>
         <p:style>
           <a:lnRef idx="2">
@@ -8772,24 +9472,34 @@
           <a:lstStyle/>
           <a:p>
             <a:pPr algn="ctr"/>
-            <a:endParaRPr lang="ko-KR" altLang="en-US"/>
-          </a:p>
-        </p:txBody>
-      </p:sp>
-      <p:sp>
-        <p:nvSpPr>
-          <p:cNvPr id="21" name="직사각형 20"/>
-          <p:cNvSpPr/>
-          <p:nvPr/>
-        </p:nvSpPr>
-        <p:spPr>
-          <a:xfrm>
-            <a:off x="6639697" y="2289708"/>
-            <a:ext cx="1754660" cy="45719"/>
-          </a:xfrm>
-          <a:prstGeom prst="rect">
-            <a:avLst/>
-          </a:prstGeom>
+            <a:r>
+              <a:rPr lang="en-US" altLang="ko-KR" dirty="0" err="1"/>
+              <a:t>Img</a:t>
+            </a:r>
+            <a:endParaRPr lang="ko-KR" altLang="en-US" dirty="0"/>
+          </a:p>
+        </p:txBody>
+      </p:sp>
+      <p:sp>
+        <p:nvSpPr>
+          <p:cNvPr id="17" name="직사각형 16"/>
+          <p:cNvSpPr/>
+          <p:nvPr/>
+        </p:nvSpPr>
+        <p:spPr>
+          <a:xfrm>
+            <a:off x="6347254" y="2080054"/>
+            <a:ext cx="4802659" cy="3863546"/>
+          </a:xfrm>
+          <a:prstGeom prst="rect">
+            <a:avLst/>
+          </a:prstGeom>
+          <a:solidFill>
+            <a:schemeClr val="accent1">
+              <a:lumMod val="60000"/>
+              <a:lumOff val="40000"/>
+            </a:schemeClr>
+          </a:solidFill>
         </p:spPr>
         <p:style>
           <a:lnRef idx="2">
@@ -8812,89 +9522,21 @@
           <a:lstStyle/>
           <a:p>
             <a:pPr algn="ctr"/>
-            <a:endParaRPr lang="ko-KR" altLang="en-US"/>
-          </a:p>
-        </p:txBody>
-      </p:sp>
-      <p:sp>
-        <p:nvSpPr>
-          <p:cNvPr id="22" name="직사각형 21"/>
-          <p:cNvSpPr/>
-          <p:nvPr/>
-        </p:nvSpPr>
-        <p:spPr>
-          <a:xfrm>
-            <a:off x="4786183" y="2767005"/>
-            <a:ext cx="1754660" cy="494270"/>
-          </a:xfrm>
-          <a:prstGeom prst="rect">
-            <a:avLst/>
-          </a:prstGeom>
-        </p:spPr>
-        <p:style>
-          <a:lnRef idx="2">
-            <a:schemeClr val="accent6"/>
-          </a:lnRef>
-          <a:fillRef idx="1">
-            <a:schemeClr val="lt1"/>
-          </a:fillRef>
-          <a:effectRef idx="0">
-            <a:schemeClr val="accent6"/>
-          </a:effectRef>
-          <a:fontRef idx="minor">
-            <a:schemeClr val="dk1"/>
-          </a:fontRef>
-        </p:style>
-        <p:txBody>
-          <a:bodyPr rtlCol="0" anchor="ctr"/>
-          <a:lstStyle/>
-          <a:p>
-            <a:pPr algn="ctr"/>
-            <a:r>
-              <a:rPr lang="ko-KR" altLang="en-US" dirty="0" smtClean="0"/>
-              <a:t>사이트 소개</a:t>
-            </a:r>
-            <a:endParaRPr lang="ko-KR" altLang="en-US" dirty="0"/>
-          </a:p>
-        </p:txBody>
-      </p:sp>
-      <p:sp>
-        <p:nvSpPr>
-          <p:cNvPr id="13" name="직사각형 12"/>
-          <p:cNvSpPr/>
-          <p:nvPr/>
-        </p:nvSpPr>
-        <p:spPr>
-          <a:xfrm>
-            <a:off x="1767016" y="3648697"/>
-            <a:ext cx="7945395" cy="2829697"/>
-          </a:xfrm>
-          <a:prstGeom prst="rect">
-            <a:avLst/>
-          </a:prstGeom>
-        </p:spPr>
-        <p:style>
-          <a:lnRef idx="2">
-            <a:schemeClr val="accent6"/>
-          </a:lnRef>
-          <a:fillRef idx="1">
-            <a:schemeClr val="lt1"/>
-          </a:fillRef>
-          <a:effectRef idx="0">
-            <a:schemeClr val="accent6"/>
-          </a:effectRef>
-          <a:fontRef idx="minor">
-            <a:schemeClr val="dk1"/>
-          </a:fontRef>
-        </p:style>
-        <p:txBody>
-          <a:bodyPr rtlCol="0" anchor="ctr"/>
-          <a:lstStyle/>
-          <a:p>
-            <a:pPr algn="ctr"/>
-            <a:r>
-              <a:rPr lang="ko-KR" altLang="en-US" dirty="0" err="1" smtClean="0"/>
-              <a:t>소개글</a:t>
+            <a:r>
+              <a:rPr lang="ko-KR" altLang="en-US" dirty="0" err="1"/>
+              <a:t>쿨다운</a:t>
+            </a:r>
+            <a:r>
+              <a:rPr lang="ko-KR" altLang="en-US" dirty="0"/>
+              <a:t> </a:t>
+            </a:r>
+            <a:r>
+              <a:rPr lang="ko-KR" altLang="en-US" dirty="0" err="1"/>
+              <a:t>설명글</a:t>
+            </a:r>
+            <a:r>
+              <a:rPr lang="en-US" altLang="ko-KR" dirty="0"/>
+              <a:t> </a:t>
             </a:r>
             <a:endParaRPr lang="ko-KR" altLang="en-US" dirty="0"/>
           </a:p>
@@ -8903,7 +9545,7 @@
     </p:spTree>
     <p:extLst>
       <p:ext uri="{BB962C8B-B14F-4D97-AF65-F5344CB8AC3E}">
-        <p14:creationId xmlns:p14="http://schemas.microsoft.com/office/powerpoint/2010/main" val="3803393067"/>
+        <p14:creationId xmlns:p14="http://schemas.microsoft.com/office/powerpoint/2010/main" val="4013054715"/>
       </p:ext>
     </p:extLst>
   </p:cSld>
@@ -9016,10 +9658,9 @@
           <a:p>
             <a:pPr algn="ctr"/>
             <a:r>
-              <a:rPr lang="ko-KR" altLang="en-US" dirty="0" smtClean="0"/>
+              <a:rPr lang="ko-KR" altLang="en-US" dirty="0"/>
               <a:t>로고</a:t>
             </a:r>
-            <a:endParaRPr lang="ko-KR" altLang="en-US" dirty="0"/>
           </a:p>
         </p:txBody>
       </p:sp>
@@ -9112,23 +9753,23 @@
           <a:p>
             <a:pPr algn="ctr"/>
             <a:r>
-              <a:rPr lang="ko-KR" altLang="en-US" dirty="0" smtClean="0"/>
+              <a:rPr lang="ko-KR" altLang="en-US" dirty="0"/>
               <a:t>로그인</a:t>
             </a:r>
             <a:r>
-              <a:rPr lang="en-US" altLang="ko-KR" dirty="0" smtClean="0"/>
+              <a:rPr lang="en-US" altLang="ko-KR" dirty="0"/>
               <a:t>/</a:t>
             </a:r>
             <a:r>
-              <a:rPr lang="ko-KR" altLang="en-US" dirty="0" smtClean="0"/>
+              <a:rPr lang="ko-KR" altLang="en-US" dirty="0"/>
               <a:t>회원가입</a:t>
             </a:r>
             <a:r>
-              <a:rPr lang="en-US" altLang="ko-KR" dirty="0" smtClean="0"/>
+              <a:rPr lang="en-US" altLang="ko-KR" dirty="0"/>
               <a:t>/</a:t>
             </a:r>
             <a:r>
-              <a:rPr lang="ko-KR" altLang="en-US" dirty="0" err="1" smtClean="0"/>
+              <a:rPr lang="ko-KR" altLang="en-US" dirty="0" err="1"/>
               <a:t>사이트맵</a:t>
             </a:r>
             <a:endParaRPr lang="ko-KR" altLang="en-US" dirty="0"/>
@@ -9223,10 +9864,9 @@
           <a:p>
             <a:pPr algn="ctr"/>
             <a:r>
-              <a:rPr lang="ko-KR" altLang="en-US" dirty="0" smtClean="0"/>
+              <a:rPr lang="ko-KR" altLang="en-US" b="1" dirty="0"/>
               <a:t>사이트 소개</a:t>
             </a:r>
-            <a:endParaRPr lang="ko-KR" altLang="en-US" dirty="0"/>
           </a:p>
         </p:txBody>
       </p:sp>
@@ -9265,10 +9905,9 @@
           <a:p>
             <a:pPr algn="ctr"/>
             <a:r>
-              <a:rPr lang="ko-KR" altLang="en-US" b="1" dirty="0" smtClean="0"/>
+              <a:rPr lang="ko-KR" altLang="en-US" dirty="0"/>
               <a:t>이용방법</a:t>
             </a:r>
-            <a:endParaRPr lang="ko-KR" altLang="en-US" b="1" dirty="0"/>
           </a:p>
         </p:txBody>
       </p:sp>
@@ -9387,10 +10026,9 @@
           <a:p>
             <a:pPr algn="ctr"/>
             <a:r>
-              <a:rPr lang="ko-KR" altLang="en-US" dirty="0" smtClean="0"/>
-              <a:t>이용방법</a:t>
-            </a:r>
-            <a:endParaRPr lang="ko-KR" altLang="en-US" dirty="0"/>
+              <a:rPr lang="ko-KR" altLang="en-US" dirty="0"/>
+              <a:t>사이트 소개</a:t>
+            </a:r>
           </a:p>
         </p:txBody>
       </p:sp>
@@ -9429,12 +10067,8 @@
           <a:p>
             <a:pPr algn="ctr"/>
             <a:r>
-              <a:rPr lang="ko-KR" altLang="en-US" dirty="0" smtClean="0"/>
-              <a:t>이용방법 </a:t>
-            </a:r>
-            <a:r>
-              <a:rPr lang="ko-KR" altLang="en-US" dirty="0" err="1" smtClean="0"/>
-              <a:t>설명글</a:t>
+              <a:rPr lang="ko-KR" altLang="en-US" dirty="0" err="1"/>
+              <a:t>소개글</a:t>
             </a:r>
             <a:endParaRPr lang="ko-KR" altLang="en-US" dirty="0"/>
           </a:p>
@@ -9443,7 +10077,7 @@
     </p:spTree>
     <p:extLst>
       <p:ext uri="{BB962C8B-B14F-4D97-AF65-F5344CB8AC3E}">
-        <p14:creationId xmlns:p14="http://schemas.microsoft.com/office/powerpoint/2010/main" val="1959818747"/>
+        <p14:creationId xmlns:p14="http://schemas.microsoft.com/office/powerpoint/2010/main" val="3803393067"/>
       </p:ext>
     </p:extLst>
   </p:cSld>
@@ -9556,10 +10190,9 @@
           <a:p>
             <a:pPr algn="ctr"/>
             <a:r>
-              <a:rPr lang="ko-KR" altLang="en-US" dirty="0" smtClean="0"/>
+              <a:rPr lang="ko-KR" altLang="en-US" dirty="0"/>
               <a:t>로고</a:t>
             </a:r>
-            <a:endParaRPr lang="ko-KR" altLang="en-US" dirty="0"/>
           </a:p>
         </p:txBody>
       </p:sp>
@@ -9652,23 +10285,23 @@
           <a:p>
             <a:pPr algn="ctr"/>
             <a:r>
-              <a:rPr lang="ko-KR" altLang="en-US" dirty="0" smtClean="0"/>
+              <a:rPr lang="ko-KR" altLang="en-US" dirty="0"/>
               <a:t>로그인</a:t>
             </a:r>
             <a:r>
-              <a:rPr lang="en-US" altLang="ko-KR" dirty="0" smtClean="0"/>
+              <a:rPr lang="en-US" altLang="ko-KR" dirty="0"/>
               <a:t>/</a:t>
             </a:r>
             <a:r>
-              <a:rPr lang="ko-KR" altLang="en-US" dirty="0" smtClean="0"/>
+              <a:rPr lang="ko-KR" altLang="en-US" dirty="0"/>
               <a:t>회원가입</a:t>
             </a:r>
             <a:r>
-              <a:rPr lang="en-US" altLang="ko-KR" dirty="0" smtClean="0"/>
+              <a:rPr lang="en-US" altLang="ko-KR" dirty="0"/>
               <a:t>/</a:t>
             </a:r>
             <a:r>
-              <a:rPr lang="ko-KR" altLang="en-US" dirty="0" err="1" smtClean="0"/>
+              <a:rPr lang="ko-KR" altLang="en-US" dirty="0" err="1"/>
               <a:t>사이트맵</a:t>
             </a:r>
             <a:endParaRPr lang="ko-KR" altLang="en-US" dirty="0"/>
@@ -9698,38 +10331,33 @@
           <a:lstStyle/>
           <a:p>
             <a:r>
-              <a:rPr lang="ko-KR" altLang="en-US" dirty="0" smtClean="0"/>
+              <a:rPr lang="ko-KR" altLang="en-US" b="1" dirty="0"/>
               <a:t>사이트 소개  </a:t>
             </a:r>
             <a:r>
               <a:rPr lang="en-US" altLang="ko-KR" dirty="0"/>
-              <a:t>+</a:t>
-            </a:r>
-            <a:r>
-              <a:rPr lang="en-US" altLang="ko-KR" dirty="0" smtClean="0"/>
-              <a:t>         </a:t>
-            </a:r>
-            <a:r>
-              <a:rPr lang="ko-KR" altLang="en-US" b="1" dirty="0" smtClean="0"/>
+              <a:t>+         </a:t>
+            </a:r>
+            <a:r>
+              <a:rPr lang="ko-KR" altLang="en-US" dirty="0"/>
               <a:t>상체</a:t>
             </a:r>
             <a:r>
-              <a:rPr lang="en-US" altLang="ko-KR" dirty="0" smtClean="0"/>
+              <a:rPr lang="en-US" altLang="ko-KR" dirty="0"/>
               <a:t>          +       </a:t>
             </a:r>
             <a:r>
-              <a:rPr lang="ko-KR" altLang="en-US" dirty="0" smtClean="0"/>
+              <a:rPr lang="ko-KR" altLang="en-US" dirty="0"/>
               <a:t>하체</a:t>
             </a:r>
             <a:r>
-              <a:rPr lang="en-US" altLang="ko-KR" dirty="0" smtClean="0"/>
+              <a:rPr lang="en-US" altLang="ko-KR" dirty="0"/>
               <a:t>              +    </a:t>
             </a:r>
             <a:r>
-              <a:rPr lang="ko-KR" altLang="en-US" dirty="0" smtClean="0"/>
+              <a:rPr lang="ko-KR" altLang="en-US" dirty="0"/>
               <a:t>커뮤니티 </a:t>
             </a:r>
-            <a:endParaRPr lang="ko-KR" altLang="en-US" dirty="0"/>
           </a:p>
         </p:txBody>
       </p:sp>
@@ -9741,7 +10369,7 @@
         </p:nvSpPr>
         <p:spPr>
           <a:xfrm>
-            <a:off x="1272747" y="1681701"/>
+            <a:off x="3126258" y="1742302"/>
             <a:ext cx="1754660" cy="494270"/>
           </a:xfrm>
           <a:prstGeom prst="rect">
@@ -9768,10 +10396,9 @@
           <a:p>
             <a:pPr algn="ctr"/>
             <a:r>
-              <a:rPr lang="en-US" altLang="ko-KR" b="1" dirty="0" smtClean="0"/>
-              <a:t>Anatomy</a:t>
-            </a:r>
-            <a:endParaRPr lang="ko-KR" altLang="en-US" b="1" dirty="0"/>
+              <a:rPr lang="ko-KR" altLang="en-US" dirty="0"/>
+              <a:t>사이트 소개</a:t>
+            </a:r>
           </a:p>
         </p:txBody>
       </p:sp>
@@ -9783,7 +10410,7 @@
         </p:nvSpPr>
         <p:spPr>
           <a:xfrm>
-            <a:off x="6215452" y="1677889"/>
+            <a:off x="6639697" y="1742302"/>
             <a:ext cx="1754660" cy="494270"/>
           </a:xfrm>
           <a:prstGeom prst="rect">
@@ -9810,10 +10437,9 @@
           <a:p>
             <a:pPr algn="ctr"/>
             <a:r>
-              <a:rPr lang="en-US" altLang="ko-KR" dirty="0" smtClean="0"/>
-              <a:t>Exercise</a:t>
-            </a:r>
-            <a:endParaRPr lang="ko-KR" altLang="en-US" dirty="0"/>
+              <a:rPr lang="ko-KR" altLang="en-US" b="1" dirty="0"/>
+              <a:t>이용방법</a:t>
+            </a:r>
           </a:p>
         </p:txBody>
       </p:sp>
@@ -9825,7 +10451,7 @@
         </p:nvSpPr>
         <p:spPr>
           <a:xfrm>
-            <a:off x="1272747" y="2229107"/>
+            <a:off x="3126258" y="2289708"/>
             <a:ext cx="1754660" cy="45719"/>
           </a:xfrm>
           <a:prstGeom prst="rect">
@@ -9865,7 +10491,7 @@
         </p:nvSpPr>
         <p:spPr>
           <a:xfrm>
-            <a:off x="6215452" y="2225295"/>
+            <a:off x="6639697" y="2289708"/>
             <a:ext cx="1754660" cy="45719"/>
           </a:xfrm>
           <a:prstGeom prst="rect">
@@ -9905,8 +10531,8 @@
         </p:nvSpPr>
         <p:spPr>
           <a:xfrm>
-            <a:off x="1985327" y="2595331"/>
-            <a:ext cx="1223318" cy="494270"/>
+            <a:off x="4786183" y="2767005"/>
+            <a:ext cx="1754660" cy="494270"/>
           </a:xfrm>
           <a:prstGeom prst="rect">
             <a:avLst/>
@@ -9932,8 +10558,8 @@
           <a:p>
             <a:pPr algn="ctr"/>
             <a:r>
-              <a:rPr lang="ko-KR" altLang="en-US" b="1" dirty="0"/>
-              <a:t>등</a:t>
+              <a:rPr lang="ko-KR" altLang="en-US" dirty="0"/>
+              <a:t>이용방법</a:t>
             </a:r>
           </a:p>
         </p:txBody>
@@ -9946,8 +10572,8 @@
         </p:nvSpPr>
         <p:spPr>
           <a:xfrm>
-            <a:off x="152403" y="4274132"/>
-            <a:ext cx="11887193" cy="2579314"/>
+            <a:off x="1767016" y="3648697"/>
+            <a:ext cx="7945395" cy="2829697"/>
           </a:xfrm>
           <a:prstGeom prst="rect">
             <a:avLst/>
@@ -9972,655 +10598,13 @@
           <a:lstStyle/>
           <a:p>
             <a:pPr algn="ctr"/>
-            <a:endParaRPr lang="ko-KR" altLang="en-US" dirty="0"/>
-          </a:p>
-        </p:txBody>
-      </p:sp>
-      <p:sp>
-        <p:nvSpPr>
-          <p:cNvPr id="14" name="직사각형 13"/>
-          <p:cNvSpPr/>
-          <p:nvPr/>
-        </p:nvSpPr>
-        <p:spPr>
-          <a:xfrm>
-            <a:off x="3744099" y="1677889"/>
-            <a:ext cx="1754660" cy="494270"/>
-          </a:xfrm>
-          <a:prstGeom prst="rect">
-            <a:avLst/>
-          </a:prstGeom>
-        </p:spPr>
-        <p:style>
-          <a:lnRef idx="2">
-            <a:schemeClr val="accent6"/>
-          </a:lnRef>
-          <a:fillRef idx="1">
-            <a:schemeClr val="lt1"/>
-          </a:fillRef>
-          <a:effectRef idx="0">
-            <a:schemeClr val="accent6"/>
-          </a:effectRef>
-          <a:fontRef idx="minor">
-            <a:schemeClr val="dk1"/>
-          </a:fontRef>
-        </p:style>
-        <p:txBody>
-          <a:bodyPr rtlCol="0" anchor="ctr"/>
-          <a:lstStyle/>
-          <a:p>
-            <a:pPr algn="ctr"/>
-            <a:r>
-              <a:rPr lang="en-US" altLang="ko-KR" dirty="0" smtClean="0"/>
-              <a:t>Stretching</a:t>
-            </a:r>
-            <a:endParaRPr lang="ko-KR" altLang="en-US" dirty="0"/>
-          </a:p>
-        </p:txBody>
-      </p:sp>
-      <p:sp>
-        <p:nvSpPr>
-          <p:cNvPr id="15" name="직사각형 14"/>
-          <p:cNvSpPr/>
-          <p:nvPr/>
-        </p:nvSpPr>
-        <p:spPr>
-          <a:xfrm>
-            <a:off x="3744099" y="2225295"/>
-            <a:ext cx="1754660" cy="45719"/>
-          </a:xfrm>
-          <a:prstGeom prst="rect">
-            <a:avLst/>
-          </a:prstGeom>
-        </p:spPr>
-        <p:style>
-          <a:lnRef idx="2">
-            <a:schemeClr val="accent1">
-              <a:shade val="50000"/>
-            </a:schemeClr>
-          </a:lnRef>
-          <a:fillRef idx="1">
-            <a:schemeClr val="accent1"/>
-          </a:fillRef>
-          <a:effectRef idx="0">
-            <a:schemeClr val="accent1"/>
-          </a:effectRef>
-          <a:fontRef idx="minor">
-            <a:schemeClr val="lt1"/>
-          </a:fontRef>
-        </p:style>
-        <p:txBody>
-          <a:bodyPr rtlCol="0" anchor="ctr"/>
-          <a:lstStyle/>
-          <a:p>
-            <a:pPr algn="ctr"/>
-            <a:endParaRPr lang="ko-KR" altLang="en-US"/>
-          </a:p>
-        </p:txBody>
-      </p:sp>
-      <p:sp>
-        <p:nvSpPr>
-          <p:cNvPr id="16" name="직사각형 15"/>
-          <p:cNvSpPr/>
-          <p:nvPr/>
-        </p:nvSpPr>
-        <p:spPr>
-          <a:xfrm>
-            <a:off x="8686805" y="1677889"/>
-            <a:ext cx="1754660" cy="494270"/>
-          </a:xfrm>
-          <a:prstGeom prst="rect">
-            <a:avLst/>
-          </a:prstGeom>
-        </p:spPr>
-        <p:style>
-          <a:lnRef idx="2">
-            <a:schemeClr val="accent6"/>
-          </a:lnRef>
-          <a:fillRef idx="1">
-            <a:schemeClr val="lt1"/>
-          </a:fillRef>
-          <a:effectRef idx="0">
-            <a:schemeClr val="accent6"/>
-          </a:effectRef>
-          <a:fontRef idx="minor">
-            <a:schemeClr val="dk1"/>
-          </a:fontRef>
-        </p:style>
-        <p:txBody>
-          <a:bodyPr rtlCol="0" anchor="ctr"/>
-          <a:lstStyle/>
-          <a:p>
-            <a:pPr algn="ctr"/>
-            <a:r>
-              <a:rPr lang="en-US" altLang="ko-KR" dirty="0" smtClean="0"/>
-              <a:t>Taping</a:t>
-            </a:r>
-            <a:endParaRPr lang="ko-KR" altLang="en-US" dirty="0"/>
-          </a:p>
-        </p:txBody>
-      </p:sp>
-      <p:sp>
-        <p:nvSpPr>
-          <p:cNvPr id="17" name="직사각형 16"/>
-          <p:cNvSpPr/>
-          <p:nvPr/>
-        </p:nvSpPr>
-        <p:spPr>
-          <a:xfrm>
-            <a:off x="8686805" y="2225295"/>
-            <a:ext cx="1754660" cy="45719"/>
-          </a:xfrm>
-          <a:prstGeom prst="rect">
-            <a:avLst/>
-          </a:prstGeom>
-        </p:spPr>
-        <p:style>
-          <a:lnRef idx="2">
-            <a:schemeClr val="accent1">
-              <a:shade val="50000"/>
-            </a:schemeClr>
-          </a:lnRef>
-          <a:fillRef idx="1">
-            <a:schemeClr val="accent1"/>
-          </a:fillRef>
-          <a:effectRef idx="0">
-            <a:schemeClr val="accent1"/>
-          </a:effectRef>
-          <a:fontRef idx="minor">
-            <a:schemeClr val="lt1"/>
-          </a:fontRef>
-        </p:style>
-        <p:txBody>
-          <a:bodyPr rtlCol="0" anchor="ctr"/>
-          <a:lstStyle/>
-          <a:p>
-            <a:pPr algn="ctr"/>
-            <a:endParaRPr lang="ko-KR" altLang="en-US"/>
-          </a:p>
-        </p:txBody>
-      </p:sp>
-      <p:sp>
-        <p:nvSpPr>
-          <p:cNvPr id="19" name="직사각형 18"/>
-          <p:cNvSpPr/>
-          <p:nvPr/>
-        </p:nvSpPr>
-        <p:spPr>
-          <a:xfrm>
-            <a:off x="3558754" y="2595331"/>
-            <a:ext cx="1223318" cy="494270"/>
-          </a:xfrm>
-          <a:prstGeom prst="rect">
-            <a:avLst/>
-          </a:prstGeom>
-        </p:spPr>
-        <p:style>
-          <a:lnRef idx="2">
-            <a:schemeClr val="accent6"/>
-          </a:lnRef>
-          <a:fillRef idx="1">
-            <a:schemeClr val="lt1"/>
-          </a:fillRef>
-          <a:effectRef idx="0">
-            <a:schemeClr val="accent6"/>
-          </a:effectRef>
-          <a:fontRef idx="minor">
-            <a:schemeClr val="dk1"/>
-          </a:fontRef>
-        </p:style>
-        <p:txBody>
-          <a:bodyPr rtlCol="0" anchor="ctr"/>
-          <a:lstStyle/>
-          <a:p>
-            <a:pPr algn="ctr"/>
-            <a:r>
-              <a:rPr lang="ko-KR" altLang="en-US" smtClean="0"/>
-              <a:t>가슴</a:t>
-            </a:r>
-            <a:endParaRPr lang="ko-KR" altLang="en-US" dirty="0"/>
-          </a:p>
-        </p:txBody>
-      </p:sp>
-      <p:sp>
-        <p:nvSpPr>
-          <p:cNvPr id="23" name="직사각형 22"/>
-          <p:cNvSpPr/>
-          <p:nvPr/>
-        </p:nvSpPr>
-        <p:spPr>
-          <a:xfrm>
-            <a:off x="5132181" y="2595331"/>
-            <a:ext cx="1223318" cy="494270"/>
-          </a:xfrm>
-          <a:prstGeom prst="rect">
-            <a:avLst/>
-          </a:prstGeom>
-        </p:spPr>
-        <p:style>
-          <a:lnRef idx="2">
-            <a:schemeClr val="accent6"/>
-          </a:lnRef>
-          <a:fillRef idx="1">
-            <a:schemeClr val="lt1"/>
-          </a:fillRef>
-          <a:effectRef idx="0">
-            <a:schemeClr val="accent6"/>
-          </a:effectRef>
-          <a:fontRef idx="minor">
-            <a:schemeClr val="dk1"/>
-          </a:fontRef>
-        </p:style>
-        <p:txBody>
-          <a:bodyPr rtlCol="0" anchor="ctr"/>
-          <a:lstStyle/>
-          <a:p>
-            <a:pPr algn="ctr"/>
-            <a:r>
-              <a:rPr lang="ko-KR" altLang="en-US" smtClean="0"/>
-              <a:t>어깨</a:t>
-            </a:r>
-            <a:endParaRPr lang="ko-KR" altLang="en-US" dirty="0"/>
-          </a:p>
-        </p:txBody>
-      </p:sp>
-      <p:sp>
-        <p:nvSpPr>
-          <p:cNvPr id="24" name="직사각형 23"/>
-          <p:cNvSpPr/>
-          <p:nvPr/>
-        </p:nvSpPr>
-        <p:spPr>
-          <a:xfrm>
-            <a:off x="6705608" y="2595331"/>
-            <a:ext cx="1223318" cy="494270"/>
-          </a:xfrm>
-          <a:prstGeom prst="rect">
-            <a:avLst/>
-          </a:prstGeom>
-        </p:spPr>
-        <p:style>
-          <a:lnRef idx="2">
-            <a:schemeClr val="accent6"/>
-          </a:lnRef>
-          <a:fillRef idx="1">
-            <a:schemeClr val="lt1"/>
-          </a:fillRef>
-          <a:effectRef idx="0">
-            <a:schemeClr val="accent6"/>
-          </a:effectRef>
-          <a:fontRef idx="minor">
-            <a:schemeClr val="dk1"/>
-          </a:fontRef>
-        </p:style>
-        <p:txBody>
-          <a:bodyPr rtlCol="0" anchor="ctr"/>
-          <a:lstStyle/>
-          <a:p>
-            <a:pPr algn="ctr"/>
-            <a:r>
-              <a:rPr lang="ko-KR" altLang="en-US" smtClean="0"/>
-              <a:t>복부</a:t>
-            </a:r>
-            <a:endParaRPr lang="ko-KR" altLang="en-US" dirty="0"/>
-          </a:p>
-        </p:txBody>
-      </p:sp>
-      <p:sp>
-        <p:nvSpPr>
-          <p:cNvPr id="25" name="직사각형 24"/>
-          <p:cNvSpPr/>
-          <p:nvPr/>
-        </p:nvSpPr>
-        <p:spPr>
-          <a:xfrm>
-            <a:off x="8279035" y="2595331"/>
-            <a:ext cx="1223318" cy="494270"/>
-          </a:xfrm>
-          <a:prstGeom prst="rect">
-            <a:avLst/>
-          </a:prstGeom>
-        </p:spPr>
-        <p:style>
-          <a:lnRef idx="2">
-            <a:schemeClr val="accent6"/>
-          </a:lnRef>
-          <a:fillRef idx="1">
-            <a:schemeClr val="lt1"/>
-          </a:fillRef>
-          <a:effectRef idx="0">
-            <a:schemeClr val="accent6"/>
-          </a:effectRef>
-          <a:fontRef idx="minor">
-            <a:schemeClr val="dk1"/>
-          </a:fontRef>
-        </p:style>
-        <p:txBody>
-          <a:bodyPr rtlCol="0" anchor="ctr"/>
-          <a:lstStyle/>
-          <a:p>
-            <a:pPr algn="ctr"/>
-            <a:r>
-              <a:rPr lang="ko-KR" altLang="en-US" dirty="0" smtClean="0"/>
-              <a:t>팔</a:t>
-            </a:r>
-            <a:endParaRPr lang="ko-KR" altLang="en-US" dirty="0"/>
-          </a:p>
-        </p:txBody>
-      </p:sp>
-      <p:sp>
-        <p:nvSpPr>
-          <p:cNvPr id="26" name="직사각형 25"/>
-          <p:cNvSpPr/>
-          <p:nvPr/>
-        </p:nvSpPr>
-        <p:spPr>
-          <a:xfrm>
-            <a:off x="3534029" y="3361244"/>
-            <a:ext cx="4411367" cy="494270"/>
-          </a:xfrm>
-          <a:prstGeom prst="rect">
-            <a:avLst/>
-          </a:prstGeom>
-        </p:spPr>
-        <p:style>
-          <a:lnRef idx="2">
-            <a:schemeClr val="accent6"/>
-          </a:lnRef>
-          <a:fillRef idx="1">
-            <a:schemeClr val="lt1"/>
-          </a:fillRef>
-          <a:effectRef idx="0">
-            <a:schemeClr val="accent6"/>
-          </a:effectRef>
-          <a:fontRef idx="minor">
-            <a:schemeClr val="dk1"/>
-          </a:fontRef>
-        </p:style>
-        <p:txBody>
-          <a:bodyPr rtlCol="0" anchor="ctr"/>
-          <a:lstStyle/>
-          <a:p>
-            <a:pPr algn="ctr"/>
-            <a:r>
-              <a:rPr lang="ko-KR" altLang="en-US" dirty="0" err="1" smtClean="0"/>
-              <a:t>검색창</a:t>
-            </a:r>
-            <a:endParaRPr lang="ko-KR" altLang="en-US" dirty="0"/>
-          </a:p>
-        </p:txBody>
-      </p:sp>
-      <p:sp>
-        <p:nvSpPr>
-          <p:cNvPr id="27" name="직사각형 26"/>
-          <p:cNvSpPr/>
-          <p:nvPr/>
-        </p:nvSpPr>
-        <p:spPr>
-          <a:xfrm>
-            <a:off x="7945396" y="3361244"/>
-            <a:ext cx="832663" cy="494270"/>
-          </a:xfrm>
-          <a:prstGeom prst="rect">
-            <a:avLst/>
-          </a:prstGeom>
-        </p:spPr>
-        <p:style>
-          <a:lnRef idx="2">
-            <a:schemeClr val="accent1">
-              <a:shade val="50000"/>
-            </a:schemeClr>
-          </a:lnRef>
-          <a:fillRef idx="1">
-            <a:schemeClr val="accent1"/>
-          </a:fillRef>
-          <a:effectRef idx="0">
-            <a:schemeClr val="accent1"/>
-          </a:effectRef>
-          <a:fontRef idx="minor">
-            <a:schemeClr val="lt1"/>
-          </a:fontRef>
-        </p:style>
-        <p:txBody>
-          <a:bodyPr rtlCol="0" anchor="ctr"/>
-          <a:lstStyle/>
-          <a:p>
-            <a:pPr algn="ctr"/>
-            <a:r>
-              <a:rPr lang="ko-KR" altLang="en-US" dirty="0" smtClean="0"/>
-              <a:t>버튼</a:t>
-            </a:r>
-            <a:endParaRPr lang="ko-KR" altLang="en-US" dirty="0"/>
-          </a:p>
-        </p:txBody>
-      </p:sp>
-      <p:sp>
-        <p:nvSpPr>
-          <p:cNvPr id="2" name="직사각형 1"/>
-          <p:cNvSpPr/>
-          <p:nvPr/>
-        </p:nvSpPr>
-        <p:spPr>
-          <a:xfrm>
-            <a:off x="457199" y="4771244"/>
-            <a:ext cx="4522574" cy="1136822"/>
-          </a:xfrm>
-          <a:prstGeom prst="rect">
-            <a:avLst/>
-          </a:prstGeom>
-        </p:spPr>
-        <p:style>
-          <a:lnRef idx="2">
-            <a:schemeClr val="accent1">
-              <a:shade val="50000"/>
-            </a:schemeClr>
-          </a:lnRef>
-          <a:fillRef idx="1">
-            <a:schemeClr val="accent1"/>
-          </a:fillRef>
-          <a:effectRef idx="0">
-            <a:schemeClr val="accent1"/>
-          </a:effectRef>
-          <a:fontRef idx="minor">
-            <a:schemeClr val="lt1"/>
-          </a:fontRef>
-        </p:style>
-        <p:txBody>
-          <a:bodyPr rtlCol="0" anchor="ctr"/>
-          <a:lstStyle/>
-          <a:p>
-            <a:pPr algn="ctr"/>
-            <a:r>
-              <a:rPr lang="en-US" altLang="ko-KR" dirty="0" err="1" smtClean="0"/>
-              <a:t>Img</a:t>
-            </a:r>
-            <a:r>
-              <a:rPr lang="ko-KR" altLang="en-US" dirty="0" smtClean="0"/>
-              <a:t> </a:t>
-            </a:r>
-            <a:endParaRPr lang="ko-KR" altLang="en-US" dirty="0"/>
-          </a:p>
-        </p:txBody>
-      </p:sp>
-      <p:sp>
-        <p:nvSpPr>
-          <p:cNvPr id="28" name="직사각형 27"/>
-          <p:cNvSpPr/>
-          <p:nvPr/>
-        </p:nvSpPr>
-        <p:spPr>
-          <a:xfrm>
-            <a:off x="6017754" y="4771244"/>
-            <a:ext cx="5078616" cy="1136822"/>
-          </a:xfrm>
-          <a:prstGeom prst="rect">
-            <a:avLst/>
-          </a:prstGeom>
-        </p:spPr>
-        <p:style>
-          <a:lnRef idx="2">
-            <a:schemeClr val="accent1">
-              <a:shade val="50000"/>
-            </a:schemeClr>
-          </a:lnRef>
-          <a:fillRef idx="1">
-            <a:schemeClr val="accent1"/>
-          </a:fillRef>
-          <a:effectRef idx="0">
-            <a:schemeClr val="accent1"/>
-          </a:effectRef>
-          <a:fontRef idx="minor">
-            <a:schemeClr val="lt1"/>
-          </a:fontRef>
-        </p:style>
-        <p:txBody>
-          <a:bodyPr rtlCol="0" anchor="ctr"/>
-          <a:lstStyle/>
-          <a:p>
-            <a:pPr algn="ctr"/>
-            <a:r>
-              <a:rPr lang="en-US" altLang="ko-KR" dirty="0" err="1" smtClean="0"/>
-              <a:t>Img</a:t>
-            </a:r>
-            <a:r>
-              <a:rPr lang="en-US" altLang="ko-KR" dirty="0" smtClean="0"/>
-              <a:t> </a:t>
-            </a:r>
-            <a:endParaRPr lang="ko-KR" altLang="en-US" dirty="0"/>
-          </a:p>
-        </p:txBody>
-      </p:sp>
-      <p:sp>
-        <p:nvSpPr>
-          <p:cNvPr id="3" name="직사각형 2"/>
-          <p:cNvSpPr/>
-          <p:nvPr/>
-        </p:nvSpPr>
-        <p:spPr>
-          <a:xfrm>
-            <a:off x="420129" y="4312548"/>
-            <a:ext cx="3113899" cy="354975"/>
-          </a:xfrm>
-          <a:prstGeom prst="rect">
-            <a:avLst/>
-          </a:prstGeom>
-        </p:spPr>
-        <p:style>
-          <a:lnRef idx="2">
-            <a:schemeClr val="accent1">
-              <a:shade val="50000"/>
-            </a:schemeClr>
-          </a:lnRef>
-          <a:fillRef idx="1">
-            <a:schemeClr val="accent1"/>
-          </a:fillRef>
-          <a:effectRef idx="0">
-            <a:schemeClr val="accent1"/>
-          </a:effectRef>
-          <a:fontRef idx="minor">
-            <a:schemeClr val="lt1"/>
-          </a:fontRef>
-        </p:style>
-        <p:txBody>
-          <a:bodyPr rtlCol="0" anchor="ctr"/>
-          <a:lstStyle/>
-          <a:p>
-            <a:pPr algn="ctr"/>
-            <a:r>
-              <a:rPr lang="ko-KR" altLang="en-US" smtClean="0"/>
-              <a:t>이름</a:t>
-            </a:r>
-            <a:endParaRPr lang="ko-KR" altLang="en-US"/>
-          </a:p>
-        </p:txBody>
-      </p:sp>
-      <p:sp>
-        <p:nvSpPr>
-          <p:cNvPr id="9" name="직사각형 8"/>
-          <p:cNvSpPr/>
-          <p:nvPr/>
-        </p:nvSpPr>
-        <p:spPr>
-          <a:xfrm>
-            <a:off x="457199" y="6164220"/>
-            <a:ext cx="10639171" cy="469557"/>
-          </a:xfrm>
-          <a:prstGeom prst="rect">
-            <a:avLst/>
-          </a:prstGeom>
-        </p:spPr>
-        <p:style>
-          <a:lnRef idx="2">
-            <a:schemeClr val="accent1">
-              <a:shade val="50000"/>
-            </a:schemeClr>
-          </a:lnRef>
-          <a:fillRef idx="1">
-            <a:schemeClr val="accent1"/>
-          </a:fillRef>
-          <a:effectRef idx="0">
-            <a:schemeClr val="accent1"/>
-          </a:effectRef>
-          <a:fontRef idx="minor">
-            <a:schemeClr val="lt1"/>
-          </a:fontRef>
-        </p:style>
-        <p:txBody>
-          <a:bodyPr rtlCol="0" anchor="ctr"/>
-          <a:lstStyle/>
-          <a:p>
-            <a:pPr algn="ctr"/>
-            <a:r>
-              <a:rPr lang="ko-KR" altLang="en-US" dirty="0" err="1" smtClean="0"/>
+            <a:r>
+              <a:rPr lang="ko-KR" altLang="en-US" dirty="0"/>
+              <a:t>이용방법 </a:t>
+            </a:r>
+            <a:r>
+              <a:rPr lang="ko-KR" altLang="en-US" dirty="0" err="1"/>
               <a:t>설명글</a:t>
-            </a:r>
-            <a:r>
-              <a:rPr lang="en-US" altLang="ko-KR" dirty="0" smtClean="0"/>
-              <a:t> </a:t>
-            </a:r>
-            <a:endParaRPr lang="ko-KR" altLang="en-US" dirty="0"/>
-          </a:p>
-        </p:txBody>
-      </p:sp>
-      <p:sp>
-        <p:nvSpPr>
-          <p:cNvPr id="29" name="직사각형 28"/>
-          <p:cNvSpPr/>
-          <p:nvPr/>
-        </p:nvSpPr>
-        <p:spPr>
-          <a:xfrm>
-            <a:off x="11359337" y="3373154"/>
-            <a:ext cx="832663" cy="494270"/>
-          </a:xfrm>
-          <a:prstGeom prst="rect">
-            <a:avLst/>
-          </a:prstGeom>
-        </p:spPr>
-        <p:style>
-          <a:lnRef idx="2">
-            <a:schemeClr val="accent1">
-              <a:shade val="50000"/>
-            </a:schemeClr>
-          </a:lnRef>
-          <a:fillRef idx="1">
-            <a:schemeClr val="accent1"/>
-          </a:fillRef>
-          <a:effectRef idx="0">
-            <a:schemeClr val="accent1"/>
-          </a:effectRef>
-          <a:fontRef idx="minor">
-            <a:schemeClr val="lt1"/>
-          </a:fontRef>
-        </p:style>
-        <p:txBody>
-          <a:bodyPr rtlCol="0" anchor="ctr"/>
-          <a:lstStyle/>
-          <a:p>
-            <a:pPr algn="ctr"/>
-            <a:r>
-              <a:rPr lang="en-US" altLang="ko-KR" dirty="0" smtClean="0"/>
-              <a:t>TOP</a:t>
             </a:r>
             <a:endParaRPr lang="ko-KR" altLang="en-US" dirty="0"/>
           </a:p>
@@ -10629,7 +10613,7 @@
     </p:spTree>
     <p:extLst>
       <p:ext uri="{BB962C8B-B14F-4D97-AF65-F5344CB8AC3E}">
-        <p14:creationId xmlns:p14="http://schemas.microsoft.com/office/powerpoint/2010/main" val="1149275704"/>
+        <p14:creationId xmlns:p14="http://schemas.microsoft.com/office/powerpoint/2010/main" val="1959818747"/>
       </p:ext>
     </p:extLst>
   </p:cSld>
@@ -10742,10 +10726,9 @@
           <a:p>
             <a:pPr algn="ctr"/>
             <a:r>
-              <a:rPr lang="ko-KR" altLang="en-US" dirty="0" smtClean="0"/>
+              <a:rPr lang="ko-KR" altLang="en-US" dirty="0"/>
               <a:t>로고</a:t>
             </a:r>
-            <a:endParaRPr lang="ko-KR" altLang="en-US" dirty="0"/>
           </a:p>
         </p:txBody>
       </p:sp>
@@ -10838,23 +10821,23 @@
           <a:p>
             <a:pPr algn="ctr"/>
             <a:r>
-              <a:rPr lang="ko-KR" altLang="en-US" dirty="0" smtClean="0"/>
+              <a:rPr lang="ko-KR" altLang="en-US" dirty="0"/>
               <a:t>로그인</a:t>
             </a:r>
             <a:r>
-              <a:rPr lang="en-US" altLang="ko-KR" dirty="0" smtClean="0"/>
+              <a:rPr lang="en-US" altLang="ko-KR" dirty="0"/>
               <a:t>/</a:t>
             </a:r>
             <a:r>
-              <a:rPr lang="ko-KR" altLang="en-US" dirty="0" smtClean="0"/>
+              <a:rPr lang="ko-KR" altLang="en-US" dirty="0"/>
               <a:t>회원가입</a:t>
             </a:r>
             <a:r>
-              <a:rPr lang="en-US" altLang="ko-KR" dirty="0" smtClean="0"/>
+              <a:rPr lang="en-US" altLang="ko-KR" dirty="0"/>
               <a:t>/</a:t>
             </a:r>
             <a:r>
-              <a:rPr lang="ko-KR" altLang="en-US" dirty="0" err="1" smtClean="0"/>
+              <a:rPr lang="ko-KR" altLang="en-US" dirty="0" err="1"/>
               <a:t>사이트맵</a:t>
             </a:r>
             <a:endParaRPr lang="ko-KR" altLang="en-US" dirty="0"/>
@@ -10884,38 +10867,33 @@
           <a:lstStyle/>
           <a:p>
             <a:r>
-              <a:rPr lang="ko-KR" altLang="en-US" dirty="0" smtClean="0"/>
+              <a:rPr lang="ko-KR" altLang="en-US" dirty="0"/>
               <a:t>사이트 소개  </a:t>
             </a:r>
             <a:r>
               <a:rPr lang="en-US" altLang="ko-KR" dirty="0"/>
-              <a:t>+</a:t>
-            </a:r>
-            <a:r>
-              <a:rPr lang="en-US" altLang="ko-KR" dirty="0" smtClean="0"/>
-              <a:t>         </a:t>
-            </a:r>
-            <a:r>
-              <a:rPr lang="ko-KR" altLang="en-US" dirty="0" smtClean="0"/>
+              <a:t>+         </a:t>
+            </a:r>
+            <a:r>
+              <a:rPr lang="ko-KR" altLang="en-US" b="1" dirty="0"/>
               <a:t>상체</a:t>
             </a:r>
             <a:r>
-              <a:rPr lang="en-US" altLang="ko-KR" dirty="0" smtClean="0"/>
+              <a:rPr lang="en-US" altLang="ko-KR" dirty="0"/>
               <a:t>          +       </a:t>
             </a:r>
             <a:r>
-              <a:rPr lang="ko-KR" altLang="en-US" b="1" dirty="0" smtClean="0"/>
+              <a:rPr lang="ko-KR" altLang="en-US" dirty="0"/>
               <a:t>하체</a:t>
             </a:r>
             <a:r>
-              <a:rPr lang="en-US" altLang="ko-KR" dirty="0" smtClean="0"/>
+              <a:rPr lang="en-US" altLang="ko-KR" dirty="0"/>
               <a:t>              +    </a:t>
             </a:r>
             <a:r>
-              <a:rPr lang="ko-KR" altLang="en-US" dirty="0" smtClean="0"/>
+              <a:rPr lang="ko-KR" altLang="en-US" dirty="0"/>
               <a:t>커뮤니티 </a:t>
             </a:r>
-            <a:endParaRPr lang="ko-KR" altLang="en-US" dirty="0"/>
           </a:p>
         </p:txBody>
       </p:sp>
@@ -10954,7 +10932,7 @@
           <a:p>
             <a:pPr algn="ctr"/>
             <a:r>
-              <a:rPr lang="en-US" altLang="ko-KR" b="1" dirty="0" smtClean="0"/>
+              <a:rPr lang="en-US" altLang="ko-KR" b="1" dirty="0"/>
               <a:t>Anatomy</a:t>
             </a:r>
             <a:endParaRPr lang="ko-KR" altLang="en-US" b="1" dirty="0"/>
@@ -10996,7 +10974,7 @@
           <a:p>
             <a:pPr algn="ctr"/>
             <a:r>
-              <a:rPr lang="en-US" altLang="ko-KR" dirty="0" smtClean="0"/>
+              <a:rPr lang="en-US" altLang="ko-KR" dirty="0"/>
               <a:t>Exercise</a:t>
             </a:r>
             <a:endParaRPr lang="ko-KR" altLang="en-US" dirty="0"/>
@@ -11118,10 +11096,9 @@
           <a:p>
             <a:pPr algn="ctr"/>
             <a:r>
-              <a:rPr lang="ko-KR" altLang="en-US" b="1" dirty="0" err="1" smtClean="0"/>
-              <a:t>고관절</a:t>
-            </a:r>
-            <a:endParaRPr lang="ko-KR" altLang="en-US" b="1" dirty="0"/>
+              <a:rPr lang="ko-KR" altLang="en-US" b="1" dirty="0"/>
+              <a:t>등</a:t>
+            </a:r>
           </a:p>
         </p:txBody>
       </p:sp>
@@ -11198,7 +11175,7 @@
           <a:p>
             <a:pPr algn="ctr"/>
             <a:r>
-              <a:rPr lang="en-US" altLang="ko-KR" dirty="0" smtClean="0"/>
+              <a:rPr lang="en-US" altLang="ko-KR" dirty="0"/>
               <a:t>Stretching</a:t>
             </a:r>
             <a:endParaRPr lang="ko-KR" altLang="en-US" dirty="0"/>
@@ -11280,7 +11257,7 @@
           <a:p>
             <a:pPr algn="ctr"/>
             <a:r>
-              <a:rPr lang="en-US" altLang="ko-KR" dirty="0" smtClean="0"/>
+              <a:rPr lang="en-US" altLang="ko-KR" dirty="0"/>
               <a:t>Taping</a:t>
             </a:r>
             <a:endParaRPr lang="ko-KR" altLang="en-US" dirty="0"/>
@@ -11362,8 +11339,8 @@
           <a:p>
             <a:pPr algn="ctr"/>
             <a:r>
-              <a:rPr lang="ko-KR" altLang="en-US" dirty="0" smtClean="0"/>
-              <a:t>허벅지</a:t>
+              <a:rPr lang="ko-KR" altLang="en-US"/>
+              <a:t>가슴</a:t>
             </a:r>
             <a:endParaRPr lang="ko-KR" altLang="en-US" dirty="0"/>
           </a:p>
@@ -11404,8 +11381,8 @@
           <a:p>
             <a:pPr algn="ctr"/>
             <a:r>
-              <a:rPr lang="ko-KR" altLang="en-US" dirty="0" smtClean="0"/>
-              <a:t>무릎</a:t>
+              <a:rPr lang="ko-KR" altLang="en-US"/>
+              <a:t>어깨</a:t>
             </a:r>
             <a:endParaRPr lang="ko-KR" altLang="en-US" dirty="0"/>
           </a:p>
@@ -11446,8 +11423,8 @@
           <a:p>
             <a:pPr algn="ctr"/>
             <a:r>
-              <a:rPr lang="ko-KR" altLang="en-US" dirty="0" smtClean="0"/>
-              <a:t>종아리</a:t>
+              <a:rPr lang="ko-KR" altLang="en-US"/>
+              <a:t>복부</a:t>
             </a:r>
             <a:endParaRPr lang="ko-KR" altLang="en-US" dirty="0"/>
           </a:p>
@@ -11488,10 +11465,9 @@
           <a:p>
             <a:pPr algn="ctr"/>
             <a:r>
-              <a:rPr lang="ko-KR" altLang="en-US" dirty="0" smtClean="0"/>
-              <a:t>발목</a:t>
-            </a:r>
-            <a:endParaRPr lang="ko-KR" altLang="en-US" dirty="0"/>
+              <a:rPr lang="ko-KR" altLang="en-US" dirty="0"/>
+              <a:t>팔</a:t>
+            </a:r>
           </a:p>
         </p:txBody>
       </p:sp>
@@ -11530,7 +11506,7 @@
           <a:p>
             <a:pPr algn="ctr"/>
             <a:r>
-              <a:rPr lang="ko-KR" altLang="en-US" dirty="0" err="1" smtClean="0"/>
+              <a:rPr lang="ko-KR" altLang="en-US" dirty="0" err="1"/>
               <a:t>검색창</a:t>
             </a:r>
             <a:endParaRPr lang="ko-KR" altLang="en-US" dirty="0"/>
@@ -11574,10 +11550,9 @@
           <a:p>
             <a:pPr algn="ctr"/>
             <a:r>
-              <a:rPr lang="ko-KR" altLang="en-US" dirty="0" smtClean="0"/>
+              <a:rPr lang="ko-KR" altLang="en-US" dirty="0"/>
               <a:t>버튼</a:t>
             </a:r>
-            <a:endParaRPr lang="ko-KR" altLang="en-US" dirty="0"/>
           </a:p>
         </p:txBody>
       </p:sp>
@@ -11618,14 +11593,13 @@
           <a:p>
             <a:pPr algn="ctr"/>
             <a:r>
-              <a:rPr lang="en-US" altLang="ko-KR" dirty="0" err="1" smtClean="0"/>
+              <a:rPr lang="en-US" altLang="ko-KR" dirty="0" err="1"/>
               <a:t>Img</a:t>
             </a:r>
             <a:r>
-              <a:rPr lang="ko-KR" altLang="en-US" dirty="0" smtClean="0"/>
+              <a:rPr lang="ko-KR" altLang="en-US" dirty="0"/>
               <a:t> </a:t>
             </a:r>
-            <a:endParaRPr lang="ko-KR" altLang="en-US" dirty="0"/>
           </a:p>
         </p:txBody>
       </p:sp>
@@ -11666,11 +11640,11 @@
           <a:p>
             <a:pPr algn="ctr"/>
             <a:r>
-              <a:rPr lang="en-US" altLang="ko-KR" dirty="0" err="1" smtClean="0"/>
+              <a:rPr lang="en-US" altLang="ko-KR" dirty="0" err="1"/>
               <a:t>Img</a:t>
             </a:r>
             <a:r>
-              <a:rPr lang="en-US" altLang="ko-KR" dirty="0" smtClean="0"/>
+              <a:rPr lang="en-US" altLang="ko-KR" dirty="0"/>
               <a:t> </a:t>
             </a:r>
             <a:endParaRPr lang="ko-KR" altLang="en-US" dirty="0"/>
@@ -11714,10 +11688,9 @@
           <a:p>
             <a:pPr algn="ctr"/>
             <a:r>
-              <a:rPr lang="ko-KR" altLang="en-US" smtClean="0"/>
+              <a:rPr lang="ko-KR" altLang="en-US"/>
               <a:t>이름</a:t>
             </a:r>
-            <a:endParaRPr lang="ko-KR" altLang="en-US"/>
           </a:p>
         </p:txBody>
       </p:sp>
@@ -11758,11 +11731,11 @@
           <a:p>
             <a:pPr algn="ctr"/>
             <a:r>
-              <a:rPr lang="ko-KR" altLang="en-US" dirty="0" err="1" smtClean="0"/>
+              <a:rPr lang="ko-KR" altLang="en-US" dirty="0" err="1"/>
               <a:t>설명글</a:t>
             </a:r>
             <a:r>
-              <a:rPr lang="en-US" altLang="ko-KR" dirty="0" smtClean="0"/>
+              <a:rPr lang="en-US" altLang="ko-KR" dirty="0"/>
               <a:t> </a:t>
             </a:r>
             <a:endParaRPr lang="ko-KR" altLang="en-US" dirty="0"/>
@@ -11806,7 +11779,7 @@
           <a:p>
             <a:pPr algn="ctr"/>
             <a:r>
-              <a:rPr lang="en-US" altLang="ko-KR" dirty="0" smtClean="0"/>
+              <a:rPr lang="en-US" altLang="ko-KR" dirty="0"/>
               <a:t>TOP</a:t>
             </a:r>
             <a:endParaRPr lang="ko-KR" altLang="en-US" dirty="0"/>
@@ -11816,7 +11789,7 @@
     </p:spTree>
     <p:extLst>
       <p:ext uri="{BB962C8B-B14F-4D97-AF65-F5344CB8AC3E}">
-        <p14:creationId xmlns:p14="http://schemas.microsoft.com/office/powerpoint/2010/main" val="4004364051"/>
+        <p14:creationId xmlns:p14="http://schemas.microsoft.com/office/powerpoint/2010/main" val="1149275704"/>
       </p:ext>
     </p:extLst>
   </p:cSld>
@@ -11929,10 +11902,9 @@
           <a:p>
             <a:pPr algn="ctr"/>
             <a:r>
-              <a:rPr lang="ko-KR" altLang="en-US" dirty="0" smtClean="0"/>
+              <a:rPr lang="ko-KR" altLang="en-US" dirty="0"/>
               <a:t>로고</a:t>
             </a:r>
-            <a:endParaRPr lang="ko-KR" altLang="en-US" dirty="0"/>
           </a:p>
         </p:txBody>
       </p:sp>
@@ -12025,23 +11997,23 @@
           <a:p>
             <a:pPr algn="ctr"/>
             <a:r>
-              <a:rPr lang="ko-KR" altLang="en-US" dirty="0" smtClean="0"/>
+              <a:rPr lang="ko-KR" altLang="en-US" dirty="0"/>
               <a:t>로그인</a:t>
             </a:r>
             <a:r>
-              <a:rPr lang="en-US" altLang="ko-KR" dirty="0" smtClean="0"/>
+              <a:rPr lang="en-US" altLang="ko-KR" dirty="0"/>
               <a:t>/</a:t>
             </a:r>
             <a:r>
-              <a:rPr lang="ko-KR" altLang="en-US" dirty="0" smtClean="0"/>
+              <a:rPr lang="ko-KR" altLang="en-US" dirty="0"/>
               <a:t>회원가입</a:t>
             </a:r>
             <a:r>
-              <a:rPr lang="en-US" altLang="ko-KR" dirty="0" smtClean="0"/>
+              <a:rPr lang="en-US" altLang="ko-KR" dirty="0"/>
               <a:t>/</a:t>
             </a:r>
             <a:r>
-              <a:rPr lang="ko-KR" altLang="en-US" dirty="0" err="1" smtClean="0"/>
+              <a:rPr lang="ko-KR" altLang="en-US" dirty="0" err="1"/>
               <a:t>사이트맵</a:t>
             </a:r>
             <a:endParaRPr lang="ko-KR" altLang="en-US" dirty="0"/>
@@ -12071,42 +12043,33 @@
           <a:lstStyle/>
           <a:p>
             <a:r>
-              <a:rPr lang="ko-KR" altLang="en-US" dirty="0" smtClean="0"/>
+              <a:rPr lang="ko-KR" altLang="en-US" dirty="0"/>
               <a:t>사이트 소개  </a:t>
             </a:r>
             <a:r>
               <a:rPr lang="en-US" altLang="ko-KR" dirty="0"/>
-              <a:t>+</a:t>
-            </a:r>
-            <a:r>
-              <a:rPr lang="en-US" altLang="ko-KR" dirty="0" smtClean="0"/>
-              <a:t>         </a:t>
-            </a:r>
-            <a:r>
-              <a:rPr lang="ko-KR" altLang="en-US" dirty="0" smtClean="0"/>
+              <a:t>+         </a:t>
+            </a:r>
+            <a:r>
+              <a:rPr lang="ko-KR" altLang="en-US" dirty="0"/>
               <a:t>상체</a:t>
             </a:r>
             <a:r>
-              <a:rPr lang="en-US" altLang="ko-KR" dirty="0" smtClean="0"/>
+              <a:rPr lang="en-US" altLang="ko-KR" dirty="0"/>
               <a:t>          +       </a:t>
             </a:r>
             <a:r>
-              <a:rPr lang="ko-KR" altLang="en-US" dirty="0" smtClean="0"/>
+              <a:rPr lang="ko-KR" altLang="en-US" b="1" dirty="0"/>
               <a:t>하체</a:t>
             </a:r>
             <a:r>
-              <a:rPr lang="en-US" altLang="ko-KR" dirty="0" smtClean="0"/>
+              <a:rPr lang="en-US" altLang="ko-KR" dirty="0"/>
               <a:t>              +    </a:t>
             </a:r>
             <a:r>
-              <a:rPr lang="ko-KR" altLang="en-US" b="1" dirty="0" smtClean="0"/>
-              <a:t>커뮤니티</a:t>
-            </a:r>
-            <a:r>
-              <a:rPr lang="ko-KR" altLang="en-US" dirty="0" smtClean="0"/>
-              <a:t> </a:t>
-            </a:r>
-            <a:endParaRPr lang="ko-KR" altLang="en-US" dirty="0"/>
+              <a:rPr lang="ko-KR" altLang="en-US" dirty="0"/>
+              <a:t>커뮤니티 </a:t>
+            </a:r>
           </a:p>
         </p:txBody>
       </p:sp>
@@ -12145,8 +12108,8 @@
           <a:p>
             <a:pPr algn="ctr"/>
             <a:r>
-              <a:rPr lang="ko-KR" altLang="en-US" b="1" dirty="0" smtClean="0"/>
-              <a:t>공지사항</a:t>
+              <a:rPr lang="en-US" altLang="ko-KR" b="1" dirty="0"/>
+              <a:t>Anatomy</a:t>
             </a:r>
             <a:endParaRPr lang="ko-KR" altLang="en-US" b="1" dirty="0"/>
           </a:p>
@@ -12187,16 +12150,8 @@
           <a:p>
             <a:pPr algn="ctr"/>
             <a:r>
-              <a:rPr lang="ko-KR" altLang="en-US" dirty="0" smtClean="0"/>
-              <a:t>실시간</a:t>
-            </a:r>
-            <a:r>
-              <a:rPr lang="en-US" altLang="ko-KR" dirty="0" smtClean="0"/>
-              <a:t> </a:t>
-            </a:r>
-            <a:r>
-              <a:rPr lang="ko-KR" altLang="en-US" dirty="0" smtClean="0"/>
-              <a:t>채팅</a:t>
+              <a:rPr lang="en-US" altLang="ko-KR" dirty="0"/>
+              <a:t>Exercise</a:t>
             </a:r>
             <a:endParaRPr lang="ko-KR" altLang="en-US" dirty="0"/>
           </a:p>
@@ -12284,14 +12239,56 @@
       </p:sp>
       <p:sp>
         <p:nvSpPr>
+          <p:cNvPr id="22" name="직사각형 21"/>
+          <p:cNvSpPr/>
+          <p:nvPr/>
+        </p:nvSpPr>
+        <p:spPr>
+          <a:xfrm>
+            <a:off x="1985327" y="2595331"/>
+            <a:ext cx="1223318" cy="494270"/>
+          </a:xfrm>
+          <a:prstGeom prst="rect">
+            <a:avLst/>
+          </a:prstGeom>
+        </p:spPr>
+        <p:style>
+          <a:lnRef idx="2">
+            <a:schemeClr val="accent6"/>
+          </a:lnRef>
+          <a:fillRef idx="1">
+            <a:schemeClr val="lt1"/>
+          </a:fillRef>
+          <a:effectRef idx="0">
+            <a:schemeClr val="accent6"/>
+          </a:effectRef>
+          <a:fontRef idx="minor">
+            <a:schemeClr val="dk1"/>
+          </a:fontRef>
+        </p:style>
+        <p:txBody>
+          <a:bodyPr rtlCol="0" anchor="ctr"/>
+          <a:lstStyle/>
+          <a:p>
+            <a:pPr algn="ctr"/>
+            <a:r>
+              <a:rPr lang="ko-KR" altLang="en-US" b="1" dirty="0" err="1"/>
+              <a:t>고관절</a:t>
+            </a:r>
+            <a:endParaRPr lang="ko-KR" altLang="en-US" b="1" dirty="0"/>
+          </a:p>
+        </p:txBody>
+      </p:sp>
+      <p:sp>
+        <p:nvSpPr>
           <p:cNvPr id="13" name="직사각형 12"/>
           <p:cNvSpPr/>
           <p:nvPr/>
         </p:nvSpPr>
         <p:spPr>
           <a:xfrm>
-            <a:off x="152403" y="3324894"/>
-            <a:ext cx="11887193" cy="3528552"/>
+            <a:off x="152403" y="4274132"/>
+            <a:ext cx="11887193" cy="2579314"/>
           </a:xfrm>
           <a:prstGeom prst="rect">
             <a:avLst/>
@@ -12355,8 +12352,8 @@
           <a:p>
             <a:pPr algn="ctr"/>
             <a:r>
-              <a:rPr lang="en-US" altLang="ko-KR" dirty="0" smtClean="0"/>
-              <a:t>Q&amp;A</a:t>
+              <a:rPr lang="en-US" altLang="ko-KR" dirty="0"/>
+              <a:t>Stretching</a:t>
             </a:r>
             <a:endParaRPr lang="ko-KR" altLang="en-US" dirty="0"/>
           </a:p>
@@ -12437,8 +12434,8 @@
           <a:p>
             <a:pPr algn="ctr"/>
             <a:r>
-              <a:rPr lang="ko-KR" altLang="en-US" dirty="0" smtClean="0"/>
-              <a:t>자유게시판</a:t>
+              <a:rPr lang="en-US" altLang="ko-KR" dirty="0"/>
+              <a:t>Taping</a:t>
             </a:r>
             <a:endParaRPr lang="ko-KR" altLang="en-US" dirty="0"/>
           </a:p>
@@ -12486,14 +12483,14 @@
       </p:sp>
       <p:sp>
         <p:nvSpPr>
-          <p:cNvPr id="11" name="직사각형 10"/>
-          <p:cNvSpPr/>
-          <p:nvPr/>
-        </p:nvSpPr>
-        <p:spPr>
-          <a:xfrm>
-            <a:off x="1186249" y="3546389"/>
-            <a:ext cx="9765956" cy="3212757"/>
+          <p:cNvPr id="19" name="직사각형 18"/>
+          <p:cNvSpPr/>
+          <p:nvPr/>
+        </p:nvSpPr>
+        <p:spPr>
+          <a:xfrm>
+            <a:off x="3558754" y="2595331"/>
+            <a:ext cx="1223318" cy="494270"/>
           </a:xfrm>
           <a:prstGeom prst="rect">
             <a:avLst/>
@@ -12517,42 +12514,174 @@
           <a:bodyPr rtlCol="0" anchor="ctr"/>
           <a:lstStyle/>
           <a:p>
-            <a:pPr marL="342900" indent="-342900" algn="ctr">
-              <a:buAutoNum type="arabicPeriod"/>
-            </a:pPr>
-            <a:r>
-              <a:rPr lang="ko-KR" altLang="en-US" dirty="0" err="1" smtClean="0"/>
-              <a:t>공지글</a:t>
-            </a:r>
-            <a:endParaRPr lang="en-US" altLang="ko-KR" dirty="0" smtClean="0"/>
-          </a:p>
-          <a:p>
-            <a:pPr marL="342900" indent="-342900" algn="ctr">
-              <a:buAutoNum type="arabicPeriod"/>
-            </a:pPr>
-            <a:r>
-              <a:rPr lang="ko-KR" altLang="en-US" dirty="0" err="1" smtClean="0"/>
-              <a:t>공지글</a:t>
-            </a:r>
-            <a:endParaRPr lang="en-US" altLang="ko-KR" dirty="0" smtClean="0"/>
-          </a:p>
-          <a:p>
-            <a:pPr marL="342900" indent="-342900" algn="ctr">
-              <a:buAutoNum type="arabicPeriod"/>
-            </a:pPr>
-            <a:r>
-              <a:rPr lang="ko-KR" altLang="en-US" dirty="0" err="1" smtClean="0"/>
-              <a:t>공지글</a:t>
-            </a:r>
-            <a:endParaRPr lang="en-US" altLang="ko-KR" dirty="0" smtClean="0"/>
-          </a:p>
-          <a:p>
-            <a:pPr marL="342900" indent="-342900" algn="ctr">
-              <a:buAutoNum type="arabicPeriod"/>
-            </a:pPr>
-            <a:r>
-              <a:rPr lang="ko-KR" altLang="en-US" dirty="0" err="1" smtClean="0"/>
-              <a:t>공지글</a:t>
+            <a:pPr algn="ctr"/>
+            <a:r>
+              <a:rPr lang="ko-KR" altLang="en-US" dirty="0"/>
+              <a:t>허벅지</a:t>
+            </a:r>
+          </a:p>
+        </p:txBody>
+      </p:sp>
+      <p:sp>
+        <p:nvSpPr>
+          <p:cNvPr id="23" name="직사각형 22"/>
+          <p:cNvSpPr/>
+          <p:nvPr/>
+        </p:nvSpPr>
+        <p:spPr>
+          <a:xfrm>
+            <a:off x="5132181" y="2595331"/>
+            <a:ext cx="1223318" cy="494270"/>
+          </a:xfrm>
+          <a:prstGeom prst="rect">
+            <a:avLst/>
+          </a:prstGeom>
+        </p:spPr>
+        <p:style>
+          <a:lnRef idx="2">
+            <a:schemeClr val="accent6"/>
+          </a:lnRef>
+          <a:fillRef idx="1">
+            <a:schemeClr val="lt1"/>
+          </a:fillRef>
+          <a:effectRef idx="0">
+            <a:schemeClr val="accent6"/>
+          </a:effectRef>
+          <a:fontRef idx="minor">
+            <a:schemeClr val="dk1"/>
+          </a:fontRef>
+        </p:style>
+        <p:txBody>
+          <a:bodyPr rtlCol="0" anchor="ctr"/>
+          <a:lstStyle/>
+          <a:p>
+            <a:pPr algn="ctr"/>
+            <a:r>
+              <a:rPr lang="ko-KR" altLang="en-US" dirty="0"/>
+              <a:t>무릎</a:t>
+            </a:r>
+          </a:p>
+        </p:txBody>
+      </p:sp>
+      <p:sp>
+        <p:nvSpPr>
+          <p:cNvPr id="24" name="직사각형 23"/>
+          <p:cNvSpPr/>
+          <p:nvPr/>
+        </p:nvSpPr>
+        <p:spPr>
+          <a:xfrm>
+            <a:off x="6705608" y="2595331"/>
+            <a:ext cx="1223318" cy="494270"/>
+          </a:xfrm>
+          <a:prstGeom prst="rect">
+            <a:avLst/>
+          </a:prstGeom>
+        </p:spPr>
+        <p:style>
+          <a:lnRef idx="2">
+            <a:schemeClr val="accent6"/>
+          </a:lnRef>
+          <a:fillRef idx="1">
+            <a:schemeClr val="lt1"/>
+          </a:fillRef>
+          <a:effectRef idx="0">
+            <a:schemeClr val="accent6"/>
+          </a:effectRef>
+          <a:fontRef idx="minor">
+            <a:schemeClr val="dk1"/>
+          </a:fontRef>
+        </p:style>
+        <p:txBody>
+          <a:bodyPr rtlCol="0" anchor="ctr"/>
+          <a:lstStyle/>
+          <a:p>
+            <a:pPr algn="ctr"/>
+            <a:r>
+              <a:rPr lang="ko-KR" altLang="en-US" dirty="0"/>
+              <a:t>종아리</a:t>
+            </a:r>
+          </a:p>
+        </p:txBody>
+      </p:sp>
+      <p:sp>
+        <p:nvSpPr>
+          <p:cNvPr id="25" name="직사각형 24"/>
+          <p:cNvSpPr/>
+          <p:nvPr/>
+        </p:nvSpPr>
+        <p:spPr>
+          <a:xfrm>
+            <a:off x="8279035" y="2595331"/>
+            <a:ext cx="1223318" cy="494270"/>
+          </a:xfrm>
+          <a:prstGeom prst="rect">
+            <a:avLst/>
+          </a:prstGeom>
+        </p:spPr>
+        <p:style>
+          <a:lnRef idx="2">
+            <a:schemeClr val="accent6"/>
+          </a:lnRef>
+          <a:fillRef idx="1">
+            <a:schemeClr val="lt1"/>
+          </a:fillRef>
+          <a:effectRef idx="0">
+            <a:schemeClr val="accent6"/>
+          </a:effectRef>
+          <a:fontRef idx="minor">
+            <a:schemeClr val="dk1"/>
+          </a:fontRef>
+        </p:style>
+        <p:txBody>
+          <a:bodyPr rtlCol="0" anchor="ctr"/>
+          <a:lstStyle/>
+          <a:p>
+            <a:pPr algn="ctr"/>
+            <a:r>
+              <a:rPr lang="ko-KR" altLang="en-US" dirty="0"/>
+              <a:t>발목</a:t>
+            </a:r>
+          </a:p>
+        </p:txBody>
+      </p:sp>
+      <p:sp>
+        <p:nvSpPr>
+          <p:cNvPr id="26" name="직사각형 25"/>
+          <p:cNvSpPr/>
+          <p:nvPr/>
+        </p:nvSpPr>
+        <p:spPr>
+          <a:xfrm>
+            <a:off x="3534029" y="3361244"/>
+            <a:ext cx="4411367" cy="494270"/>
+          </a:xfrm>
+          <a:prstGeom prst="rect">
+            <a:avLst/>
+          </a:prstGeom>
+        </p:spPr>
+        <p:style>
+          <a:lnRef idx="2">
+            <a:schemeClr val="accent6"/>
+          </a:lnRef>
+          <a:fillRef idx="1">
+            <a:schemeClr val="lt1"/>
+          </a:fillRef>
+          <a:effectRef idx="0">
+            <a:schemeClr val="accent6"/>
+          </a:effectRef>
+          <a:fontRef idx="minor">
+            <a:schemeClr val="dk1"/>
+          </a:fontRef>
+        </p:style>
+        <p:txBody>
+          <a:bodyPr rtlCol="0" anchor="ctr"/>
+          <a:lstStyle/>
+          <a:p>
+            <a:pPr algn="ctr"/>
+            <a:r>
+              <a:rPr lang="ko-KR" altLang="en-US" dirty="0" err="1"/>
+              <a:t>검색창</a:t>
             </a:r>
             <a:endParaRPr lang="ko-KR" altLang="en-US" dirty="0"/>
           </a:p>
@@ -12560,41 +12689,272 @@
       </p:sp>
       <p:sp>
         <p:nvSpPr>
+          <p:cNvPr id="27" name="직사각형 26"/>
+          <p:cNvSpPr/>
+          <p:nvPr/>
+        </p:nvSpPr>
+        <p:spPr>
+          <a:xfrm>
+            <a:off x="7945396" y="3361244"/>
+            <a:ext cx="832663" cy="494270"/>
+          </a:xfrm>
+          <a:prstGeom prst="rect">
+            <a:avLst/>
+          </a:prstGeom>
+        </p:spPr>
+        <p:style>
+          <a:lnRef idx="2">
+            <a:schemeClr val="accent1">
+              <a:shade val="50000"/>
+            </a:schemeClr>
+          </a:lnRef>
+          <a:fillRef idx="1">
+            <a:schemeClr val="accent1"/>
+          </a:fillRef>
+          <a:effectRef idx="0">
+            <a:schemeClr val="accent1"/>
+          </a:effectRef>
+          <a:fontRef idx="minor">
+            <a:schemeClr val="lt1"/>
+          </a:fontRef>
+        </p:style>
+        <p:txBody>
+          <a:bodyPr rtlCol="0" anchor="ctr"/>
+          <a:lstStyle/>
+          <a:p>
+            <a:pPr algn="ctr"/>
+            <a:r>
+              <a:rPr lang="ko-KR" altLang="en-US" dirty="0"/>
+              <a:t>버튼</a:t>
+            </a:r>
+          </a:p>
+        </p:txBody>
+      </p:sp>
+      <p:sp>
+        <p:nvSpPr>
+          <p:cNvPr id="2" name="직사각형 1"/>
+          <p:cNvSpPr/>
+          <p:nvPr/>
+        </p:nvSpPr>
+        <p:spPr>
+          <a:xfrm>
+            <a:off x="457199" y="4771244"/>
+            <a:ext cx="4522574" cy="1136822"/>
+          </a:xfrm>
+          <a:prstGeom prst="rect">
+            <a:avLst/>
+          </a:prstGeom>
+        </p:spPr>
+        <p:style>
+          <a:lnRef idx="2">
+            <a:schemeClr val="accent1">
+              <a:shade val="50000"/>
+            </a:schemeClr>
+          </a:lnRef>
+          <a:fillRef idx="1">
+            <a:schemeClr val="accent1"/>
+          </a:fillRef>
+          <a:effectRef idx="0">
+            <a:schemeClr val="accent1"/>
+          </a:effectRef>
+          <a:fontRef idx="minor">
+            <a:schemeClr val="lt1"/>
+          </a:fontRef>
+        </p:style>
+        <p:txBody>
+          <a:bodyPr rtlCol="0" anchor="ctr"/>
+          <a:lstStyle/>
+          <a:p>
+            <a:pPr algn="ctr"/>
+            <a:r>
+              <a:rPr lang="en-US" altLang="ko-KR" dirty="0" err="1"/>
+              <a:t>Img</a:t>
+            </a:r>
+            <a:r>
+              <a:rPr lang="ko-KR" altLang="en-US" dirty="0"/>
+              <a:t> </a:t>
+            </a:r>
+          </a:p>
+        </p:txBody>
+      </p:sp>
+      <p:sp>
+        <p:nvSpPr>
+          <p:cNvPr id="28" name="직사각형 27"/>
+          <p:cNvSpPr/>
+          <p:nvPr/>
+        </p:nvSpPr>
+        <p:spPr>
+          <a:xfrm>
+            <a:off x="6017754" y="4771244"/>
+            <a:ext cx="5078616" cy="1136822"/>
+          </a:xfrm>
+          <a:prstGeom prst="rect">
+            <a:avLst/>
+          </a:prstGeom>
+        </p:spPr>
+        <p:style>
+          <a:lnRef idx="2">
+            <a:schemeClr val="accent1">
+              <a:shade val="50000"/>
+            </a:schemeClr>
+          </a:lnRef>
+          <a:fillRef idx="1">
+            <a:schemeClr val="accent1"/>
+          </a:fillRef>
+          <a:effectRef idx="0">
+            <a:schemeClr val="accent1"/>
+          </a:effectRef>
+          <a:fontRef idx="minor">
+            <a:schemeClr val="lt1"/>
+          </a:fontRef>
+        </p:style>
+        <p:txBody>
+          <a:bodyPr rtlCol="0" anchor="ctr"/>
+          <a:lstStyle/>
+          <a:p>
+            <a:pPr algn="ctr"/>
+            <a:r>
+              <a:rPr lang="en-US" altLang="ko-KR" dirty="0" err="1"/>
+              <a:t>Img</a:t>
+            </a:r>
+            <a:r>
+              <a:rPr lang="en-US" altLang="ko-KR" dirty="0"/>
+              <a:t> </a:t>
+            </a:r>
+            <a:endParaRPr lang="ko-KR" altLang="en-US" dirty="0"/>
+          </a:p>
+        </p:txBody>
+      </p:sp>
+      <p:sp>
+        <p:nvSpPr>
+          <p:cNvPr id="3" name="직사각형 2"/>
+          <p:cNvSpPr/>
+          <p:nvPr/>
+        </p:nvSpPr>
+        <p:spPr>
+          <a:xfrm>
+            <a:off x="420129" y="4312548"/>
+            <a:ext cx="3113899" cy="354975"/>
+          </a:xfrm>
+          <a:prstGeom prst="rect">
+            <a:avLst/>
+          </a:prstGeom>
+        </p:spPr>
+        <p:style>
+          <a:lnRef idx="2">
+            <a:schemeClr val="accent1">
+              <a:shade val="50000"/>
+            </a:schemeClr>
+          </a:lnRef>
+          <a:fillRef idx="1">
+            <a:schemeClr val="accent1"/>
+          </a:fillRef>
+          <a:effectRef idx="0">
+            <a:schemeClr val="accent1"/>
+          </a:effectRef>
+          <a:fontRef idx="minor">
+            <a:schemeClr val="lt1"/>
+          </a:fontRef>
+        </p:style>
+        <p:txBody>
+          <a:bodyPr rtlCol="0" anchor="ctr"/>
+          <a:lstStyle/>
+          <a:p>
+            <a:pPr algn="ctr"/>
+            <a:r>
+              <a:rPr lang="ko-KR" altLang="en-US"/>
+              <a:t>이름</a:t>
+            </a:r>
+          </a:p>
+        </p:txBody>
+      </p:sp>
+      <p:sp>
+        <p:nvSpPr>
+          <p:cNvPr id="9" name="직사각형 8"/>
+          <p:cNvSpPr/>
+          <p:nvPr/>
+        </p:nvSpPr>
+        <p:spPr>
+          <a:xfrm>
+            <a:off x="457199" y="6164220"/>
+            <a:ext cx="10639171" cy="469557"/>
+          </a:xfrm>
+          <a:prstGeom prst="rect">
+            <a:avLst/>
+          </a:prstGeom>
+        </p:spPr>
+        <p:style>
+          <a:lnRef idx="2">
+            <a:schemeClr val="accent1">
+              <a:shade val="50000"/>
+            </a:schemeClr>
+          </a:lnRef>
+          <a:fillRef idx="1">
+            <a:schemeClr val="accent1"/>
+          </a:fillRef>
+          <a:effectRef idx="0">
+            <a:schemeClr val="accent1"/>
+          </a:effectRef>
+          <a:fontRef idx="minor">
+            <a:schemeClr val="lt1"/>
+          </a:fontRef>
+        </p:style>
+        <p:txBody>
+          <a:bodyPr rtlCol="0" anchor="ctr"/>
+          <a:lstStyle/>
+          <a:p>
+            <a:pPr algn="ctr"/>
+            <a:r>
+              <a:rPr lang="ko-KR" altLang="en-US" dirty="0" err="1"/>
+              <a:t>설명글</a:t>
+            </a:r>
+            <a:r>
+              <a:rPr lang="en-US" altLang="ko-KR" dirty="0"/>
+              <a:t> </a:t>
+            </a:r>
+            <a:endParaRPr lang="ko-KR" altLang="en-US" dirty="0"/>
+          </a:p>
+        </p:txBody>
+      </p:sp>
+      <p:sp>
+        <p:nvSpPr>
           <p:cNvPr id="29" name="직사각형 28"/>
           <p:cNvSpPr/>
           <p:nvPr/>
         </p:nvSpPr>
         <p:spPr>
           <a:xfrm>
-            <a:off x="4946820" y="2550819"/>
-            <a:ext cx="1754660" cy="494270"/>
-          </a:xfrm>
-          <a:prstGeom prst="rect">
-            <a:avLst/>
-          </a:prstGeom>
-        </p:spPr>
-        <p:style>
-          <a:lnRef idx="2">
-            <a:schemeClr val="accent6"/>
-          </a:lnRef>
-          <a:fillRef idx="1">
-            <a:schemeClr val="lt1"/>
-          </a:fillRef>
-          <a:effectRef idx="0">
-            <a:schemeClr val="accent6"/>
-          </a:effectRef>
-          <a:fontRef idx="minor">
-            <a:schemeClr val="dk1"/>
-          </a:fontRef>
-        </p:style>
-        <p:txBody>
-          <a:bodyPr rtlCol="0" anchor="ctr"/>
-          <a:lstStyle/>
-          <a:p>
-            <a:pPr algn="ctr"/>
-            <a:r>
-              <a:rPr lang="ko-KR" altLang="en-US" dirty="0" smtClean="0"/>
-              <a:t>공지사항</a:t>
+            <a:off x="11359337" y="3373154"/>
+            <a:ext cx="832663" cy="494270"/>
+          </a:xfrm>
+          <a:prstGeom prst="rect">
+            <a:avLst/>
+          </a:prstGeom>
+        </p:spPr>
+        <p:style>
+          <a:lnRef idx="2">
+            <a:schemeClr val="accent1">
+              <a:shade val="50000"/>
+            </a:schemeClr>
+          </a:lnRef>
+          <a:fillRef idx="1">
+            <a:schemeClr val="accent1"/>
+          </a:fillRef>
+          <a:effectRef idx="0">
+            <a:schemeClr val="accent1"/>
+          </a:effectRef>
+          <a:fontRef idx="minor">
+            <a:schemeClr val="lt1"/>
+          </a:fontRef>
+        </p:style>
+        <p:txBody>
+          <a:bodyPr rtlCol="0" anchor="ctr"/>
+          <a:lstStyle/>
+          <a:p>
+            <a:pPr algn="ctr"/>
+            <a:r>
+              <a:rPr lang="en-US" altLang="ko-KR" dirty="0"/>
+              <a:t>TOP</a:t>
             </a:r>
             <a:endParaRPr lang="ko-KR" altLang="en-US" dirty="0"/>
           </a:p>
@@ -12603,7 +12963,7 @@
     </p:spTree>
     <p:extLst>
       <p:ext uri="{BB962C8B-B14F-4D97-AF65-F5344CB8AC3E}">
-        <p14:creationId xmlns:p14="http://schemas.microsoft.com/office/powerpoint/2010/main" val="4031267788"/>
+        <p14:creationId xmlns:p14="http://schemas.microsoft.com/office/powerpoint/2010/main" val="4004364051"/>
       </p:ext>
     </p:extLst>
   </p:cSld>
